--- a/doc/presentation.pptx
+++ b/doc/presentation.pptx
@@ -2,10 +2,23 @@
 <file path=ppt/presentation.xml><?xml version="1.0" encoding="utf-8"?>
 <p:presentation xmlns:a="http://schemas.openxmlformats.org/drawingml/2006/main" xmlns:r="http://schemas.openxmlformats.org/officeDocument/2006/relationships" xmlns:p="http://schemas.openxmlformats.org/presentationml/2006/main" saveSubsetFonts="1">
   <p:sldMasterIdLst>
-    <p:sldMasterId id="2147483648" r:id="rId1"/>
+    <p:sldMasterId id="2147483673" r:id="rId1"/>
   </p:sldMasterIdLst>
   <p:sldIdLst>
     <p:sldId id="256" r:id="rId2"/>
+    <p:sldId id="257" r:id="rId3"/>
+    <p:sldId id="258" r:id="rId4"/>
+    <p:sldId id="259" r:id="rId5"/>
+    <p:sldId id="260" r:id="rId6"/>
+    <p:sldId id="262" r:id="rId7"/>
+    <p:sldId id="264" r:id="rId8"/>
+    <p:sldId id="268" r:id="rId9"/>
+    <p:sldId id="269" r:id="rId10"/>
+    <p:sldId id="270" r:id="rId11"/>
+    <p:sldId id="271" r:id="rId12"/>
+    <p:sldId id="272" r:id="rId13"/>
+    <p:sldId id="273" r:id="rId14"/>
+    <p:sldId id="274" r:id="rId15"/>
   </p:sldIdLst>
   <p:sldSz cx="12192000" cy="6858000"/>
   <p:notesSz cx="6858000" cy="9144000"/>
@@ -104,12 +117,17 @@
       </a:defRPr>
     </a:lvl9pPr>
   </p:defaultTextStyle>
+  <p:extLst>
+    <p:ext uri="{EFAFB233-063F-42B5-8137-9DF3F51BA10A}">
+      <p15:sldGuideLst xmlns:p15="http://schemas.microsoft.com/office/powerpoint/2012/main"/>
+    </p:ext>
+  </p:extLst>
 </p:presentation>
 </file>
 
 <file path=ppt/slideLayouts/slideLayout1.xml><?xml version="1.0" encoding="utf-8"?>
-<p:sldLayout xmlns:a="http://schemas.openxmlformats.org/drawingml/2006/main" xmlns:r="http://schemas.openxmlformats.org/officeDocument/2006/relationships" xmlns:p="http://schemas.openxmlformats.org/presentationml/2006/main" type="title" preserve="1">
-  <p:cSld name="Titelfolie">
+<p:sldLayout xmlns:a="http://schemas.openxmlformats.org/drawingml/2006/main" xmlns:r="http://schemas.openxmlformats.org/officeDocument/2006/relationships" xmlns:p="http://schemas.openxmlformats.org/presentationml/2006/main" showMasterSp="0" type="title" preserve="1">
+  <p:cSld name="Title Slide">
     <p:spTree>
       <p:nvGrpSpPr>
         <p:cNvPr id="1" name=""/>
@@ -126,13 +144,51 @@
       </p:grpSpPr>
       <p:sp>
         <p:nvSpPr>
-          <p:cNvPr id="2" name="Titel 1">
-            <a:extLst>
-              <a:ext uri="{FF2B5EF4-FFF2-40B4-BE49-F238E27FC236}">
-                <a16:creationId xmlns:a16="http://schemas.microsoft.com/office/drawing/2014/main" id="{29EDDEAC-8F9D-0B1D-7426-22F9273134F1}"/>
-              </a:ext>
-            </a:extLst>
-          </p:cNvPr>
+          <p:cNvPr id="10" name="Rectangle 9">
+            <a:extLst>
+              <a:ext uri="{FF2B5EF4-FFF2-40B4-BE49-F238E27FC236}">
+                <a16:creationId xmlns:a16="http://schemas.microsoft.com/office/drawing/2014/main" id="{39E3965E-AC41-4711-9D10-E25ABB132D86}"/>
+              </a:ext>
+            </a:extLst>
+          </p:cNvPr>
+          <p:cNvSpPr/>
+          <p:nvPr/>
+        </p:nvSpPr>
+        <p:spPr>
+          <a:xfrm>
+            <a:off x="3175" y="6400800"/>
+            <a:ext cx="12188825" cy="457200"/>
+          </a:xfrm>
+          <a:prstGeom prst="rect">
+            <a:avLst/>
+          </a:prstGeom>
+          <a:solidFill>
+            <a:srgbClr val="262626"/>
+          </a:solidFill>
+          <a:ln>
+            <a:noFill/>
+          </a:ln>
+        </p:spPr>
+        <p:style>
+          <a:lnRef idx="2">
+            <a:schemeClr val="accent1">
+              <a:shade val="50000"/>
+            </a:schemeClr>
+          </a:lnRef>
+          <a:fillRef idx="1">
+            <a:schemeClr val="accent1"/>
+          </a:fillRef>
+          <a:effectRef idx="0">
+            <a:schemeClr val="accent1"/>
+          </a:effectRef>
+          <a:fontRef idx="minor">
+            <a:schemeClr val="lt1"/>
+          </a:fontRef>
+        </p:style>
+      </p:sp>
+      <p:sp>
+        <p:nvSpPr>
+          <p:cNvPr id="2" name="Title 1"/>
           <p:cNvSpPr>
             <a:spLocks noGrp="1"/>
           </p:cNvSpPr>
@@ -142,34 +198,41 @@
         </p:nvSpPr>
         <p:spPr>
           <a:xfrm>
-            <a:off x="1524000" y="1122363"/>
-            <a:ext cx="9144000" cy="2387600"/>
-          </a:xfrm>
-        </p:spPr>
-        <p:txBody>
-          <a:bodyPr anchor="b"/>
+            <a:off x="1097280" y="758952"/>
+            <a:ext cx="10058400" cy="3566160"/>
+          </a:xfrm>
+        </p:spPr>
+        <p:txBody>
+          <a:bodyPr anchor="b">
+            <a:normAutofit/>
+          </a:bodyPr>
           <a:lstStyle>
-            <a:lvl1pPr algn="ctr">
-              <a:defRPr sz="6000"/>
+            <a:lvl1pPr algn="l">
+              <a:lnSpc>
+                <a:spcPct val="90000"/>
+              </a:lnSpc>
+              <a:defRPr sz="8000" spc="-50" baseline="0">
+                <a:solidFill>
+                  <a:schemeClr val="tx1">
+                    <a:lumMod val="85000"/>
+                    <a:lumOff val="15000"/>
+                  </a:schemeClr>
+                </a:solidFill>
+              </a:defRPr>
             </a:lvl1pPr>
           </a:lstStyle>
           <a:p>
             <a:r>
-              <a:rPr lang="de-DE"/>
-              <a:t>Mastertitelformat bearbeiten</a:t>
-            </a:r>
-          </a:p>
-        </p:txBody>
-      </p:sp>
-      <p:sp>
-        <p:nvSpPr>
-          <p:cNvPr id="3" name="Untertitel 2">
-            <a:extLst>
-              <a:ext uri="{FF2B5EF4-FFF2-40B4-BE49-F238E27FC236}">
-                <a16:creationId xmlns:a16="http://schemas.microsoft.com/office/drawing/2014/main" id="{EA440DC4-48D6-14C2-D90D-760A76CF0E0E}"/>
-              </a:ext>
-            </a:extLst>
-          </p:cNvPr>
+              <a:rPr lang="en-US"/>
+              <a:t>Click to edit Master title style</a:t>
+            </a:r>
+            <a:endParaRPr lang="en-US" dirty="0"/>
+          </a:p>
+        </p:txBody>
+      </p:sp>
+      <p:sp>
+        <p:nvSpPr>
+          <p:cNvPr id="3" name="Subtitle 2"/>
           <p:cNvSpPr>
             <a:spLocks noGrp="1"/>
           </p:cNvSpPr>
@@ -179,64 +242,116 @@
         </p:nvSpPr>
         <p:spPr>
           <a:xfrm>
-            <a:off x="1524000" y="3602038"/>
-            <a:ext cx="9144000" cy="1655762"/>
-          </a:xfrm>
-        </p:spPr>
-        <p:txBody>
-          <a:bodyPr/>
+            <a:off x="1100051" y="4645152"/>
+            <a:ext cx="10058400" cy="1143000"/>
+          </a:xfrm>
+        </p:spPr>
+        <p:txBody>
+          <a:bodyPr lIns="91440" rIns="91440">
+            <a:normAutofit/>
+          </a:bodyPr>
           <a:lstStyle>
-            <a:lvl1pPr marL="0" indent="0" algn="ctr">
+            <a:lvl1pPr marL="0" indent="0" algn="l">
               <a:buNone/>
-              <a:defRPr sz="2400"/>
+              <a:defRPr sz="2400" cap="all" spc="200" baseline="0">
+                <a:solidFill>
+                  <a:schemeClr val="tx1"/>
+                </a:solidFill>
+                <a:latin typeface="+mn-lt"/>
+              </a:defRPr>
             </a:lvl1pPr>
             <a:lvl2pPr marL="457200" indent="0" algn="ctr">
               <a:buNone/>
-              <a:defRPr sz="2000"/>
+              <a:defRPr sz="2400"/>
             </a:lvl2pPr>
             <a:lvl3pPr marL="914400" indent="0" algn="ctr">
               <a:buNone/>
-              <a:defRPr sz="1800"/>
+              <a:defRPr sz="2400"/>
             </a:lvl3pPr>
             <a:lvl4pPr marL="1371600" indent="0" algn="ctr">
               <a:buNone/>
-              <a:defRPr sz="1600"/>
+              <a:defRPr sz="2000"/>
             </a:lvl4pPr>
             <a:lvl5pPr marL="1828800" indent="0" algn="ctr">
               <a:buNone/>
-              <a:defRPr sz="1600"/>
+              <a:defRPr sz="2000"/>
             </a:lvl5pPr>
             <a:lvl6pPr marL="2286000" indent="0" algn="ctr">
               <a:buNone/>
-              <a:defRPr sz="1600"/>
+              <a:defRPr sz="2000"/>
             </a:lvl6pPr>
             <a:lvl7pPr marL="2743200" indent="0" algn="ctr">
               <a:buNone/>
-              <a:defRPr sz="1600"/>
+              <a:defRPr sz="2000"/>
             </a:lvl7pPr>
             <a:lvl8pPr marL="3200400" indent="0" algn="ctr">
               <a:buNone/>
-              <a:defRPr sz="1600"/>
+              <a:defRPr sz="2000"/>
             </a:lvl8pPr>
             <a:lvl9pPr marL="3657600" indent="0" algn="ctr">
               <a:buNone/>
-              <a:defRPr sz="1600"/>
+              <a:defRPr sz="2000"/>
             </a:lvl9pPr>
           </a:lstStyle>
           <a:p>
             <a:r>
-              <a:rPr lang="de-DE"/>
-              <a:t>Master-Untertitelformat bearbeiten</a:t>
-            </a:r>
-          </a:p>
-        </p:txBody>
-      </p:sp>
-      <p:sp>
-        <p:nvSpPr>
-          <p:cNvPr id="4" name="Datumsplatzhalter 3">
-            <a:extLst>
-              <a:ext uri="{FF2B5EF4-FFF2-40B4-BE49-F238E27FC236}">
-                <a16:creationId xmlns:a16="http://schemas.microsoft.com/office/drawing/2014/main" id="{98C275EA-D478-88C2-7414-71D555EA79F9}"/>
+              <a:rPr lang="en-US"/>
+              <a:t>Click to edit Master subtitle style</a:t>
+            </a:r>
+            <a:endParaRPr lang="en-US" dirty="0"/>
+          </a:p>
+        </p:txBody>
+      </p:sp>
+      <p:cxnSp>
+        <p:nvCxnSpPr>
+          <p:cNvPr id="9" name="Straight Connector 8">
+            <a:extLst>
+              <a:ext uri="{FF2B5EF4-FFF2-40B4-BE49-F238E27FC236}">
+                <a16:creationId xmlns:a16="http://schemas.microsoft.com/office/drawing/2014/main" id="{1F5DC8C3-BA5F-4EED-BB9A-A14272BD82A1}"/>
+              </a:ext>
+            </a:extLst>
+          </p:cNvPr>
+          <p:cNvCxnSpPr/>
+          <p:nvPr/>
+        </p:nvCxnSpPr>
+        <p:spPr>
+          <a:xfrm>
+            <a:off x="1207658" y="4474741"/>
+            <a:ext cx="9875520" cy="0"/>
+          </a:xfrm>
+          <a:prstGeom prst="line">
+            <a:avLst/>
+          </a:prstGeom>
+          <a:ln w="12700">
+            <a:solidFill>
+              <a:schemeClr val="tx1">
+                <a:lumMod val="75000"/>
+                <a:lumOff val="25000"/>
+              </a:schemeClr>
+            </a:solidFill>
+          </a:ln>
+        </p:spPr>
+        <p:style>
+          <a:lnRef idx="1">
+            <a:schemeClr val="accent1"/>
+          </a:lnRef>
+          <a:fillRef idx="0">
+            <a:schemeClr val="accent1"/>
+          </a:fillRef>
+          <a:effectRef idx="0">
+            <a:schemeClr val="accent1"/>
+          </a:effectRef>
+          <a:fontRef idx="minor">
+            <a:schemeClr val="tx1"/>
+          </a:fontRef>
+        </p:style>
+      </p:cxnSp>
+      <p:sp>
+        <p:nvSpPr>
+          <p:cNvPr id="4" name="Date Placeholder 3">
+            <a:extLst>
+              <a:ext uri="{FF2B5EF4-FFF2-40B4-BE49-F238E27FC236}">
+                <a16:creationId xmlns:a16="http://schemas.microsoft.com/office/drawing/2014/main" id="{9925CCF1-92C0-4AF3-BFAF-4921631915AB}"/>
               </a:ext>
             </a:extLst>
           </p:cNvPr>
@@ -252,20 +367,20 @@
           <a:bodyPr/>
           <a:lstStyle/>
           <a:p>
-            <a:fld id="{2B259D46-872D-4A89-8885-B0C4C19F3FCF}" type="datetimeFigureOut">
-              <a:rPr lang="de-DE" smtClean="0"/>
-              <a:t>06.10.2023</a:t>
+            <a:fld id="{9184DA70-C731-4C70-880D-CCD4705E623C}" type="datetime1">
+              <a:rPr lang="en-US" smtClean="0"/>
+              <a:t>10/8/2023</a:t>
             </a:fld>
-            <a:endParaRPr lang="de-DE"/>
-          </a:p>
-        </p:txBody>
-      </p:sp>
-      <p:sp>
-        <p:nvSpPr>
-          <p:cNvPr id="5" name="Fußzeilenplatzhalter 4">
-            <a:extLst>
-              <a:ext uri="{FF2B5EF4-FFF2-40B4-BE49-F238E27FC236}">
-                <a16:creationId xmlns:a16="http://schemas.microsoft.com/office/drawing/2014/main" id="{5D835995-8923-2921-85D0-8D23418D8A60}"/>
+            <a:endParaRPr lang="en-US" dirty="0"/>
+          </a:p>
+        </p:txBody>
+      </p:sp>
+      <p:sp>
+        <p:nvSpPr>
+          <p:cNvPr id="5" name="Footer Placeholder 4">
+            <a:extLst>
+              <a:ext uri="{FF2B5EF4-FFF2-40B4-BE49-F238E27FC236}">
+                <a16:creationId xmlns:a16="http://schemas.microsoft.com/office/drawing/2014/main" id="{051A78A9-3DFF-4937-A9F2-5D8CF495F367}"/>
               </a:ext>
             </a:extLst>
           </p:cNvPr>
@@ -281,16 +396,16 @@
           <a:bodyPr/>
           <a:lstStyle/>
           <a:p>
-            <a:endParaRPr lang="de-DE"/>
-          </a:p>
-        </p:txBody>
-      </p:sp>
-      <p:sp>
-        <p:nvSpPr>
-          <p:cNvPr id="6" name="Foliennummernplatzhalter 5">
-            <a:extLst>
-              <a:ext uri="{FF2B5EF4-FFF2-40B4-BE49-F238E27FC236}">
-                <a16:creationId xmlns:a16="http://schemas.microsoft.com/office/drawing/2014/main" id="{EA051BC7-8AB8-3B0D-F58B-82DB18CCA170}"/>
+            <a:endParaRPr lang="en-US" dirty="0"/>
+          </a:p>
+        </p:txBody>
+      </p:sp>
+      <p:sp>
+        <p:nvSpPr>
+          <p:cNvPr id="6" name="Slide Number Placeholder 5">
+            <a:extLst>
+              <a:ext uri="{FF2B5EF4-FFF2-40B4-BE49-F238E27FC236}">
+                <a16:creationId xmlns:a16="http://schemas.microsoft.com/office/drawing/2014/main" id="{5FAEB271-5CC0-4759-BC6E-8BE53AB227C0}"/>
               </a:ext>
             </a:extLst>
           </p:cNvPr>
@@ -306,18 +421,18 @@
           <a:bodyPr/>
           <a:lstStyle/>
           <a:p>
-            <a:fld id="{9AF1CEBC-F116-45FB-9FEB-1F31E1BE982F}" type="slidenum">
-              <a:rPr lang="de-DE" smtClean="0"/>
+            <a:fld id="{3A98EE3D-8CD1-4C3F-BD1C-C98C9596463C}" type="slidenum">
+              <a:rPr lang="en-US" smtClean="0"/>
               <a:t>‹Nr.›</a:t>
             </a:fld>
-            <a:endParaRPr lang="de-DE"/>
+            <a:endParaRPr lang="en-US" dirty="0"/>
           </a:p>
         </p:txBody>
       </p:sp>
     </p:spTree>
     <p:extLst>
       <p:ext uri="{BB962C8B-B14F-4D97-AF65-F5344CB8AC3E}">
-        <p14:creationId xmlns:p14="http://schemas.microsoft.com/office/powerpoint/2010/main" val="3852081680"/>
+        <p14:creationId xmlns:p14="http://schemas.microsoft.com/office/powerpoint/2010/main" val="1892568121"/>
       </p:ext>
     </p:extLst>
   </p:cSld>
@@ -329,7 +444,7 @@
 
 <file path=ppt/slideLayouts/slideLayout10.xml><?xml version="1.0" encoding="utf-8"?>
 <p:sldLayout xmlns:a="http://schemas.openxmlformats.org/drawingml/2006/main" xmlns:r="http://schemas.openxmlformats.org/officeDocument/2006/relationships" xmlns:p="http://schemas.openxmlformats.org/presentationml/2006/main" type="vertTx" preserve="1">
-  <p:cSld name="Titel und vertikaler Text">
+  <p:cSld name="Title and Vertical Text">
     <p:spTree>
       <p:nvGrpSpPr>
         <p:cNvPr id="1" name=""/>
@@ -346,13 +461,7 @@
       </p:grpSpPr>
       <p:sp>
         <p:nvSpPr>
-          <p:cNvPr id="2" name="Titel 1">
-            <a:extLst>
-              <a:ext uri="{FF2B5EF4-FFF2-40B4-BE49-F238E27FC236}">
-                <a16:creationId xmlns:a16="http://schemas.microsoft.com/office/drawing/2014/main" id="{14B22B5B-4C8A-FDAC-047E-7012DFC48217}"/>
-              </a:ext>
-            </a:extLst>
-          </p:cNvPr>
+          <p:cNvPr id="2" name="Title 1"/>
           <p:cNvSpPr>
             <a:spLocks noGrp="1"/>
           </p:cNvSpPr>
@@ -366,21 +475,16 @@
           <a:lstStyle/>
           <a:p>
             <a:r>
-              <a:rPr lang="de-DE"/>
-              <a:t>Mastertitelformat bearbeiten</a:t>
-            </a:r>
-          </a:p>
-        </p:txBody>
-      </p:sp>
-      <p:sp>
-        <p:nvSpPr>
-          <p:cNvPr id="3" name="Vertikaler Textplatzhalter 2">
-            <a:extLst>
-              <a:ext uri="{FF2B5EF4-FFF2-40B4-BE49-F238E27FC236}">
-                <a16:creationId xmlns:a16="http://schemas.microsoft.com/office/drawing/2014/main" id="{3293DBF3-CA11-F425-0C6E-1E7383478CD9}"/>
-              </a:ext>
-            </a:extLst>
-          </p:cNvPr>
+              <a:rPr lang="en-US"/>
+              <a:t>Click to edit Master title style</a:t>
+            </a:r>
+            <a:endParaRPr lang="en-US" dirty="0"/>
+          </a:p>
+        </p:txBody>
+      </p:sp>
+      <p:sp>
+        <p:nvSpPr>
+          <p:cNvPr id="3" name="Vertical Text Placeholder 2"/>
           <p:cNvSpPr>
             <a:spLocks noGrp="1"/>
           </p:cNvSpPr>
@@ -390,51 +494,52 @@
         </p:nvSpPr>
         <p:spPr/>
         <p:txBody>
-          <a:bodyPr vert="eaVert"/>
+          <a:bodyPr vert="eaVert" lIns="45720" tIns="0" rIns="45720" bIns="0"/>
           <a:lstStyle/>
           <a:p>
             <a:pPr lvl="0"/>
             <a:r>
-              <a:rPr lang="de-DE"/>
-              <a:t>Mastertextformat bearbeiten</a:t>
+              <a:rPr lang="en-US"/>
+              <a:t>Click to edit Master text styles</a:t>
             </a:r>
           </a:p>
           <a:p>
             <a:pPr lvl="1"/>
             <a:r>
-              <a:rPr lang="de-DE"/>
-              <a:t>Zweite Ebene</a:t>
+              <a:rPr lang="en-US"/>
+              <a:t>Second level</a:t>
             </a:r>
           </a:p>
           <a:p>
             <a:pPr lvl="2"/>
             <a:r>
-              <a:rPr lang="de-DE"/>
-              <a:t>Dritte Ebene</a:t>
+              <a:rPr lang="en-US"/>
+              <a:t>Third level</a:t>
             </a:r>
           </a:p>
           <a:p>
             <a:pPr lvl="3"/>
             <a:r>
-              <a:rPr lang="de-DE"/>
-              <a:t>Vierte Ebene</a:t>
+              <a:rPr lang="en-US"/>
+              <a:t>Fourth level</a:t>
             </a:r>
           </a:p>
           <a:p>
             <a:pPr lvl="4"/>
             <a:r>
-              <a:rPr lang="de-DE"/>
-              <a:t>Fünfte Ebene</a:t>
-            </a:r>
-          </a:p>
-        </p:txBody>
-      </p:sp>
-      <p:sp>
-        <p:nvSpPr>
-          <p:cNvPr id="4" name="Datumsplatzhalter 3">
-            <a:extLst>
-              <a:ext uri="{FF2B5EF4-FFF2-40B4-BE49-F238E27FC236}">
-                <a16:creationId xmlns:a16="http://schemas.microsoft.com/office/drawing/2014/main" id="{706CD657-4896-B6CA-AB09-402F279B6929}"/>
+              <a:rPr lang="en-US"/>
+              <a:t>Fifth level</a:t>
+            </a:r>
+            <a:endParaRPr lang="en-US" dirty="0"/>
+          </a:p>
+        </p:txBody>
+      </p:sp>
+      <p:sp>
+        <p:nvSpPr>
+          <p:cNvPr id="7" name="Date Placeholder 6">
+            <a:extLst>
+              <a:ext uri="{FF2B5EF4-FFF2-40B4-BE49-F238E27FC236}">
+                <a16:creationId xmlns:a16="http://schemas.microsoft.com/office/drawing/2014/main" id="{7D5506EE-1026-4F35-9ACC-BD05BE0F9B36}"/>
               </a:ext>
             </a:extLst>
           </p:cNvPr>
@@ -450,20 +555,20 @@
           <a:bodyPr/>
           <a:lstStyle/>
           <a:p>
-            <a:fld id="{2B259D46-872D-4A89-8885-B0C4C19F3FCF}" type="datetimeFigureOut">
-              <a:rPr lang="de-DE" smtClean="0"/>
-              <a:t>06.10.2023</a:t>
+            <a:fld id="{B612A279-0833-481D-8C56-F67FD0AC6C50}" type="datetime1">
+              <a:rPr lang="en-US" smtClean="0"/>
+              <a:t>10/8/2023</a:t>
             </a:fld>
-            <a:endParaRPr lang="de-DE"/>
-          </a:p>
-        </p:txBody>
-      </p:sp>
-      <p:sp>
-        <p:nvSpPr>
-          <p:cNvPr id="5" name="Fußzeilenplatzhalter 4">
-            <a:extLst>
-              <a:ext uri="{FF2B5EF4-FFF2-40B4-BE49-F238E27FC236}">
-                <a16:creationId xmlns:a16="http://schemas.microsoft.com/office/drawing/2014/main" id="{944FEF54-121F-70FF-D6AA-D5B860BEC174}"/>
+            <a:endParaRPr lang="en-US" dirty="0"/>
+          </a:p>
+        </p:txBody>
+      </p:sp>
+      <p:sp>
+        <p:nvSpPr>
+          <p:cNvPr id="8" name="Footer Placeholder 7">
+            <a:extLst>
+              <a:ext uri="{FF2B5EF4-FFF2-40B4-BE49-F238E27FC236}">
+                <a16:creationId xmlns:a16="http://schemas.microsoft.com/office/drawing/2014/main" id="{B7696E5F-8D95-4450-AE52-5438E6EDE2BF}"/>
               </a:ext>
             </a:extLst>
           </p:cNvPr>
@@ -479,16 +584,16 @@
           <a:bodyPr/>
           <a:lstStyle/>
           <a:p>
-            <a:endParaRPr lang="de-DE"/>
-          </a:p>
-        </p:txBody>
-      </p:sp>
-      <p:sp>
-        <p:nvSpPr>
-          <p:cNvPr id="6" name="Foliennummernplatzhalter 5">
-            <a:extLst>
-              <a:ext uri="{FF2B5EF4-FFF2-40B4-BE49-F238E27FC236}">
-                <a16:creationId xmlns:a16="http://schemas.microsoft.com/office/drawing/2014/main" id="{4B2D0C20-0213-E15E-217E-D2CA3E9EA22C}"/>
+            <a:endParaRPr lang="en-US" dirty="0"/>
+          </a:p>
+        </p:txBody>
+      </p:sp>
+      <p:sp>
+        <p:nvSpPr>
+          <p:cNvPr id="9" name="Slide Number Placeholder 8">
+            <a:extLst>
+              <a:ext uri="{FF2B5EF4-FFF2-40B4-BE49-F238E27FC236}">
+                <a16:creationId xmlns:a16="http://schemas.microsoft.com/office/drawing/2014/main" id="{999B2253-74CC-409E-BEB0-F8EFCFCB5629}"/>
               </a:ext>
             </a:extLst>
           </p:cNvPr>
@@ -504,18 +609,18 @@
           <a:bodyPr/>
           <a:lstStyle/>
           <a:p>
-            <a:fld id="{9AF1CEBC-F116-45FB-9FEB-1F31E1BE982F}" type="slidenum">
-              <a:rPr lang="de-DE" smtClean="0"/>
+            <a:fld id="{3A98EE3D-8CD1-4C3F-BD1C-C98C9596463C}" type="slidenum">
+              <a:rPr lang="en-US" smtClean="0"/>
               <a:t>‹Nr.›</a:t>
             </a:fld>
-            <a:endParaRPr lang="de-DE"/>
+            <a:endParaRPr lang="en-US" dirty="0"/>
           </a:p>
         </p:txBody>
       </p:sp>
     </p:spTree>
     <p:extLst>
       <p:ext uri="{BB962C8B-B14F-4D97-AF65-F5344CB8AC3E}">
-        <p14:creationId xmlns:p14="http://schemas.microsoft.com/office/powerpoint/2010/main" val="3516512748"/>
+        <p14:creationId xmlns:p14="http://schemas.microsoft.com/office/powerpoint/2010/main" val="2006199336"/>
       </p:ext>
     </p:extLst>
   </p:cSld>
@@ -526,8 +631,8 @@
 </file>
 
 <file path=ppt/slideLayouts/slideLayout11.xml><?xml version="1.0" encoding="utf-8"?>
-<p:sldLayout xmlns:a="http://schemas.openxmlformats.org/drawingml/2006/main" xmlns:r="http://schemas.openxmlformats.org/officeDocument/2006/relationships" xmlns:p="http://schemas.openxmlformats.org/presentationml/2006/main" type="vertTitleAndTx" preserve="1">
-  <p:cSld name="Vertikaler Titel und Text">
+<p:sldLayout xmlns:a="http://schemas.openxmlformats.org/drawingml/2006/main" xmlns:r="http://schemas.openxmlformats.org/officeDocument/2006/relationships" xmlns:p="http://schemas.openxmlformats.org/presentationml/2006/main" showMasterSp="0" type="vertTitleAndTx" preserve="1">
+  <p:cSld name="Vertical Title and Text">
     <p:spTree>
       <p:nvGrpSpPr>
         <p:cNvPr id="1" name=""/>
@@ -544,13 +649,51 @@
       </p:grpSpPr>
       <p:sp>
         <p:nvSpPr>
-          <p:cNvPr id="2" name="Vertikaler Titel 1">
-            <a:extLst>
-              <a:ext uri="{FF2B5EF4-FFF2-40B4-BE49-F238E27FC236}">
-                <a16:creationId xmlns:a16="http://schemas.microsoft.com/office/drawing/2014/main" id="{42B53A8D-7B88-244B-EBF7-D387B3428354}"/>
-              </a:ext>
-            </a:extLst>
-          </p:cNvPr>
+          <p:cNvPr id="9" name="Rectangle 8">
+            <a:extLst>
+              <a:ext uri="{FF2B5EF4-FFF2-40B4-BE49-F238E27FC236}">
+                <a16:creationId xmlns:a16="http://schemas.microsoft.com/office/drawing/2014/main" id="{E1B68A5B-D9FA-424B-A4EB-30E7223836B3}"/>
+              </a:ext>
+            </a:extLst>
+          </p:cNvPr>
+          <p:cNvSpPr/>
+          <p:nvPr/>
+        </p:nvSpPr>
+        <p:spPr>
+          <a:xfrm>
+            <a:off x="3175" y="6400800"/>
+            <a:ext cx="12188825" cy="457200"/>
+          </a:xfrm>
+          <a:prstGeom prst="rect">
+            <a:avLst/>
+          </a:prstGeom>
+          <a:solidFill>
+            <a:srgbClr val="262626"/>
+          </a:solidFill>
+          <a:ln>
+            <a:noFill/>
+          </a:ln>
+        </p:spPr>
+        <p:style>
+          <a:lnRef idx="2">
+            <a:schemeClr val="accent1">
+              <a:shade val="50000"/>
+            </a:schemeClr>
+          </a:lnRef>
+          <a:fillRef idx="1">
+            <a:schemeClr val="accent1"/>
+          </a:fillRef>
+          <a:effectRef idx="0">
+            <a:schemeClr val="accent1"/>
+          </a:effectRef>
+          <a:fontRef idx="minor">
+            <a:schemeClr val="lt1"/>
+          </a:fontRef>
+        </p:style>
+      </p:sp>
+      <p:sp>
+        <p:nvSpPr>
+          <p:cNvPr id="2" name="Vertical Title 1"/>
           <p:cNvSpPr>
             <a:spLocks noGrp="1"/>
           </p:cNvSpPr>
@@ -560,8 +703,8 @@
         </p:nvSpPr>
         <p:spPr>
           <a:xfrm>
-            <a:off x="8724900" y="365125"/>
-            <a:ext cx="2628900" cy="5811838"/>
+            <a:off x="8724900" y="412302"/>
+            <a:ext cx="2628900" cy="5759898"/>
           </a:xfrm>
         </p:spPr>
         <p:txBody>
@@ -569,21 +712,16 @@
           <a:lstStyle/>
           <a:p>
             <a:r>
-              <a:rPr lang="de-DE"/>
-              <a:t>Mastertitelformat bearbeiten</a:t>
-            </a:r>
-          </a:p>
-        </p:txBody>
-      </p:sp>
-      <p:sp>
-        <p:nvSpPr>
-          <p:cNvPr id="3" name="Vertikaler Textplatzhalter 2">
-            <a:extLst>
-              <a:ext uri="{FF2B5EF4-FFF2-40B4-BE49-F238E27FC236}">
-                <a16:creationId xmlns:a16="http://schemas.microsoft.com/office/drawing/2014/main" id="{84FF733D-B1B3-10FC-80FC-CFD654CF1815}"/>
-              </a:ext>
-            </a:extLst>
-          </p:cNvPr>
+              <a:rPr lang="en-US"/>
+              <a:t>Click to edit Master title style</a:t>
+            </a:r>
+            <a:endParaRPr lang="en-US" dirty="0"/>
+          </a:p>
+        </p:txBody>
+      </p:sp>
+      <p:sp>
+        <p:nvSpPr>
+          <p:cNvPr id="3" name="Vertical Text Placeholder 2"/>
           <p:cNvSpPr>
             <a:spLocks noGrp="1"/>
           </p:cNvSpPr>
@@ -593,56 +731,57 @@
         </p:nvSpPr>
         <p:spPr>
           <a:xfrm>
-            <a:off x="838200" y="365125"/>
-            <a:ext cx="7734300" cy="5811838"/>
-          </a:xfrm>
-        </p:spPr>
-        <p:txBody>
-          <a:bodyPr vert="eaVert"/>
+            <a:off x="838200" y="412302"/>
+            <a:ext cx="7734300" cy="5759898"/>
+          </a:xfrm>
+        </p:spPr>
+        <p:txBody>
+          <a:bodyPr vert="eaVert" lIns="45720" tIns="0" rIns="45720" bIns="0"/>
           <a:lstStyle/>
           <a:p>
             <a:pPr lvl="0"/>
             <a:r>
-              <a:rPr lang="de-DE"/>
-              <a:t>Mastertextformat bearbeiten</a:t>
+              <a:rPr lang="en-US"/>
+              <a:t>Click to edit Master text styles</a:t>
             </a:r>
           </a:p>
           <a:p>
             <a:pPr lvl="1"/>
             <a:r>
-              <a:rPr lang="de-DE"/>
-              <a:t>Zweite Ebene</a:t>
+              <a:rPr lang="en-US"/>
+              <a:t>Second level</a:t>
             </a:r>
           </a:p>
           <a:p>
             <a:pPr lvl="2"/>
             <a:r>
-              <a:rPr lang="de-DE"/>
-              <a:t>Dritte Ebene</a:t>
+              <a:rPr lang="en-US"/>
+              <a:t>Third level</a:t>
             </a:r>
           </a:p>
           <a:p>
             <a:pPr lvl="3"/>
             <a:r>
-              <a:rPr lang="de-DE"/>
-              <a:t>Vierte Ebene</a:t>
+              <a:rPr lang="en-US"/>
+              <a:t>Fourth level</a:t>
             </a:r>
           </a:p>
           <a:p>
             <a:pPr lvl="4"/>
             <a:r>
-              <a:rPr lang="de-DE"/>
-              <a:t>Fünfte Ebene</a:t>
-            </a:r>
-          </a:p>
-        </p:txBody>
-      </p:sp>
-      <p:sp>
-        <p:nvSpPr>
-          <p:cNvPr id="4" name="Datumsplatzhalter 3">
-            <a:extLst>
-              <a:ext uri="{FF2B5EF4-FFF2-40B4-BE49-F238E27FC236}">
-                <a16:creationId xmlns:a16="http://schemas.microsoft.com/office/drawing/2014/main" id="{43C29CE8-27F5-C907-906C-67A3AC6D3FEF}"/>
+              <a:rPr lang="en-US"/>
+              <a:t>Fifth level</a:t>
+            </a:r>
+            <a:endParaRPr lang="en-US" dirty="0"/>
+          </a:p>
+        </p:txBody>
+      </p:sp>
+      <p:sp>
+        <p:nvSpPr>
+          <p:cNvPr id="7" name="Date Placeholder 6">
+            <a:extLst>
+              <a:ext uri="{FF2B5EF4-FFF2-40B4-BE49-F238E27FC236}">
+                <a16:creationId xmlns:a16="http://schemas.microsoft.com/office/drawing/2014/main" id="{AF33D6B0-F070-45C4-A472-19F432BE3932}"/>
               </a:ext>
             </a:extLst>
           </p:cNvPr>
@@ -658,20 +797,20 @@
           <a:bodyPr/>
           <a:lstStyle/>
           <a:p>
-            <a:fld id="{2B259D46-872D-4A89-8885-B0C4C19F3FCF}" type="datetimeFigureOut">
-              <a:rPr lang="de-DE" smtClean="0"/>
-              <a:t>06.10.2023</a:t>
+            <a:fld id="{6587DA83-5663-4C9C-B9AA-0B40A3DAFF81}" type="datetime1">
+              <a:rPr lang="en-US" smtClean="0"/>
+              <a:t>10/8/2023</a:t>
             </a:fld>
-            <a:endParaRPr lang="de-DE"/>
-          </a:p>
-        </p:txBody>
-      </p:sp>
-      <p:sp>
-        <p:nvSpPr>
-          <p:cNvPr id="5" name="Fußzeilenplatzhalter 4">
-            <a:extLst>
-              <a:ext uri="{FF2B5EF4-FFF2-40B4-BE49-F238E27FC236}">
-                <a16:creationId xmlns:a16="http://schemas.microsoft.com/office/drawing/2014/main" id="{B5F68FB1-C970-8A28-E1D5-150737C37AB8}"/>
+            <a:endParaRPr lang="en-US" dirty="0"/>
+          </a:p>
+        </p:txBody>
+      </p:sp>
+      <p:sp>
+        <p:nvSpPr>
+          <p:cNvPr id="8" name="Footer Placeholder 7">
+            <a:extLst>
+              <a:ext uri="{FF2B5EF4-FFF2-40B4-BE49-F238E27FC236}">
+                <a16:creationId xmlns:a16="http://schemas.microsoft.com/office/drawing/2014/main" id="{9975399F-DAB2-410D-967F-ED17E6F796E7}"/>
               </a:ext>
             </a:extLst>
           </p:cNvPr>
@@ -687,16 +826,16 @@
           <a:bodyPr/>
           <a:lstStyle/>
           <a:p>
-            <a:endParaRPr lang="de-DE"/>
-          </a:p>
-        </p:txBody>
-      </p:sp>
-      <p:sp>
-        <p:nvSpPr>
-          <p:cNvPr id="6" name="Foliennummernplatzhalter 5">
-            <a:extLst>
-              <a:ext uri="{FF2B5EF4-FFF2-40B4-BE49-F238E27FC236}">
-                <a16:creationId xmlns:a16="http://schemas.microsoft.com/office/drawing/2014/main" id="{5711817A-A3AF-0D62-E171-75AAD463D577}"/>
+            <a:endParaRPr lang="en-US" dirty="0"/>
+          </a:p>
+        </p:txBody>
+      </p:sp>
+      <p:sp>
+        <p:nvSpPr>
+          <p:cNvPr id="10" name="Slide Number Placeholder 9">
+            <a:extLst>
+              <a:ext uri="{FF2B5EF4-FFF2-40B4-BE49-F238E27FC236}">
+                <a16:creationId xmlns:a16="http://schemas.microsoft.com/office/drawing/2014/main" id="{F762A46F-6BE5-4D12-9412-5CA7672EA8EC}"/>
               </a:ext>
             </a:extLst>
           </p:cNvPr>
@@ -712,18 +851,18 @@
           <a:bodyPr/>
           <a:lstStyle/>
           <a:p>
-            <a:fld id="{9AF1CEBC-F116-45FB-9FEB-1F31E1BE982F}" type="slidenum">
-              <a:rPr lang="de-DE" smtClean="0"/>
+            <a:fld id="{3A98EE3D-8CD1-4C3F-BD1C-C98C9596463C}" type="slidenum">
+              <a:rPr lang="en-US" smtClean="0"/>
               <a:t>‹Nr.›</a:t>
             </a:fld>
-            <a:endParaRPr lang="de-DE"/>
+            <a:endParaRPr lang="en-US" dirty="0"/>
           </a:p>
         </p:txBody>
       </p:sp>
     </p:spTree>
     <p:extLst>
       <p:ext uri="{BB962C8B-B14F-4D97-AF65-F5344CB8AC3E}">
-        <p14:creationId xmlns:p14="http://schemas.microsoft.com/office/powerpoint/2010/main" val="4263648665"/>
+        <p14:creationId xmlns:p14="http://schemas.microsoft.com/office/powerpoint/2010/main" val="1294871394"/>
       </p:ext>
     </p:extLst>
   </p:cSld>
@@ -735,7 +874,7 @@
 
 <file path=ppt/slideLayouts/slideLayout2.xml><?xml version="1.0" encoding="utf-8"?>
 <p:sldLayout xmlns:a="http://schemas.openxmlformats.org/drawingml/2006/main" xmlns:r="http://schemas.openxmlformats.org/officeDocument/2006/relationships" xmlns:p="http://schemas.openxmlformats.org/presentationml/2006/main" type="obj" preserve="1">
-  <p:cSld name="Titel und Inhalt">
+  <p:cSld name="Title and Content">
     <p:spTree>
       <p:nvGrpSpPr>
         <p:cNvPr id="1" name=""/>
@@ -752,13 +891,7 @@
       </p:grpSpPr>
       <p:sp>
         <p:nvSpPr>
-          <p:cNvPr id="2" name="Titel 1">
-            <a:extLst>
-              <a:ext uri="{FF2B5EF4-FFF2-40B4-BE49-F238E27FC236}">
-                <a16:creationId xmlns:a16="http://schemas.microsoft.com/office/drawing/2014/main" id="{69A983E6-79D2-72AC-FD17-0EB5E33D28E2}"/>
-              </a:ext>
-            </a:extLst>
-          </p:cNvPr>
+          <p:cNvPr id="2" name="Title 1"/>
           <p:cNvSpPr>
             <a:spLocks noGrp="1"/>
           </p:cNvSpPr>
@@ -772,21 +905,16 @@
           <a:lstStyle/>
           <a:p>
             <a:r>
-              <a:rPr lang="de-DE"/>
-              <a:t>Mastertitelformat bearbeiten</a:t>
-            </a:r>
-          </a:p>
-        </p:txBody>
-      </p:sp>
-      <p:sp>
-        <p:nvSpPr>
-          <p:cNvPr id="3" name="Inhaltsplatzhalter 2">
-            <a:extLst>
-              <a:ext uri="{FF2B5EF4-FFF2-40B4-BE49-F238E27FC236}">
-                <a16:creationId xmlns:a16="http://schemas.microsoft.com/office/drawing/2014/main" id="{6075755B-B7B8-DB61-5498-4A83B2709480}"/>
-              </a:ext>
-            </a:extLst>
-          </p:cNvPr>
+              <a:rPr lang="en-US"/>
+              <a:t>Click to edit Master title style</a:t>
+            </a:r>
+            <a:endParaRPr lang="en-US" dirty="0"/>
+          </a:p>
+        </p:txBody>
+      </p:sp>
+      <p:sp>
+        <p:nvSpPr>
+          <p:cNvPr id="3" name="Content Placeholder 2"/>
           <p:cNvSpPr>
             <a:spLocks noGrp="1"/>
           </p:cNvSpPr>
@@ -801,46 +929,47 @@
           <a:p>
             <a:pPr lvl="0"/>
             <a:r>
-              <a:rPr lang="de-DE"/>
-              <a:t>Mastertextformat bearbeiten</a:t>
+              <a:rPr lang="en-US"/>
+              <a:t>Click to edit Master text styles</a:t>
             </a:r>
           </a:p>
           <a:p>
             <a:pPr lvl="1"/>
             <a:r>
-              <a:rPr lang="de-DE"/>
-              <a:t>Zweite Ebene</a:t>
+              <a:rPr lang="en-US"/>
+              <a:t>Second level</a:t>
             </a:r>
           </a:p>
           <a:p>
             <a:pPr lvl="2"/>
             <a:r>
-              <a:rPr lang="de-DE"/>
-              <a:t>Dritte Ebene</a:t>
+              <a:rPr lang="en-US"/>
+              <a:t>Third level</a:t>
             </a:r>
           </a:p>
           <a:p>
             <a:pPr lvl="3"/>
             <a:r>
-              <a:rPr lang="de-DE"/>
-              <a:t>Vierte Ebene</a:t>
+              <a:rPr lang="en-US"/>
+              <a:t>Fourth level</a:t>
             </a:r>
           </a:p>
           <a:p>
             <a:pPr lvl="4"/>
             <a:r>
-              <a:rPr lang="de-DE"/>
-              <a:t>Fünfte Ebene</a:t>
-            </a:r>
-          </a:p>
-        </p:txBody>
-      </p:sp>
-      <p:sp>
-        <p:nvSpPr>
-          <p:cNvPr id="4" name="Datumsplatzhalter 3">
-            <a:extLst>
-              <a:ext uri="{FF2B5EF4-FFF2-40B4-BE49-F238E27FC236}">
-                <a16:creationId xmlns:a16="http://schemas.microsoft.com/office/drawing/2014/main" id="{380B4EEC-82D0-33E6-BC42-00FB3F425993}"/>
+              <a:rPr lang="en-US"/>
+              <a:t>Fifth level</a:t>
+            </a:r>
+            <a:endParaRPr lang="en-US" dirty="0"/>
+          </a:p>
+        </p:txBody>
+      </p:sp>
+      <p:sp>
+        <p:nvSpPr>
+          <p:cNvPr id="7" name="Date Placeholder 6">
+            <a:extLst>
+              <a:ext uri="{FF2B5EF4-FFF2-40B4-BE49-F238E27FC236}">
+                <a16:creationId xmlns:a16="http://schemas.microsoft.com/office/drawing/2014/main" id="{354D8B55-9EA8-4B81-8E84-9B93B0A27559}"/>
               </a:ext>
             </a:extLst>
           </p:cNvPr>
@@ -856,20 +985,20 @@
           <a:bodyPr/>
           <a:lstStyle/>
           <a:p>
-            <a:fld id="{2B259D46-872D-4A89-8885-B0C4C19F3FCF}" type="datetimeFigureOut">
-              <a:rPr lang="de-DE" smtClean="0"/>
-              <a:t>06.10.2023</a:t>
+            <a:fld id="{4BE1D723-8F53-4F53-90B0-1982A396982E}" type="datetime1">
+              <a:rPr lang="en-US" smtClean="0"/>
+              <a:t>10/8/2023</a:t>
             </a:fld>
-            <a:endParaRPr lang="de-DE"/>
-          </a:p>
-        </p:txBody>
-      </p:sp>
-      <p:sp>
-        <p:nvSpPr>
-          <p:cNvPr id="5" name="Fußzeilenplatzhalter 4">
-            <a:extLst>
-              <a:ext uri="{FF2B5EF4-FFF2-40B4-BE49-F238E27FC236}">
-                <a16:creationId xmlns:a16="http://schemas.microsoft.com/office/drawing/2014/main" id="{80AB6748-9441-9B0A-B0ED-E605BC1D6A91}"/>
+            <a:endParaRPr lang="en-US" dirty="0"/>
+          </a:p>
+        </p:txBody>
+      </p:sp>
+      <p:sp>
+        <p:nvSpPr>
+          <p:cNvPr id="8" name="Footer Placeholder 7">
+            <a:extLst>
+              <a:ext uri="{FF2B5EF4-FFF2-40B4-BE49-F238E27FC236}">
+                <a16:creationId xmlns:a16="http://schemas.microsoft.com/office/drawing/2014/main" id="{062CA021-2578-47CB-822C-BDDFF7223B28}"/>
               </a:ext>
             </a:extLst>
           </p:cNvPr>
@@ -885,16 +1014,16 @@
           <a:bodyPr/>
           <a:lstStyle/>
           <a:p>
-            <a:endParaRPr lang="de-DE"/>
-          </a:p>
-        </p:txBody>
-      </p:sp>
-      <p:sp>
-        <p:nvSpPr>
-          <p:cNvPr id="6" name="Foliennummernplatzhalter 5">
-            <a:extLst>
-              <a:ext uri="{FF2B5EF4-FFF2-40B4-BE49-F238E27FC236}">
-                <a16:creationId xmlns:a16="http://schemas.microsoft.com/office/drawing/2014/main" id="{7E29B9B4-0B14-91BA-8FB9-9AEFFE2BF114}"/>
+            <a:endParaRPr lang="en-US" dirty="0"/>
+          </a:p>
+        </p:txBody>
+      </p:sp>
+      <p:sp>
+        <p:nvSpPr>
+          <p:cNvPr id="9" name="Slide Number Placeholder 8">
+            <a:extLst>
+              <a:ext uri="{FF2B5EF4-FFF2-40B4-BE49-F238E27FC236}">
+                <a16:creationId xmlns:a16="http://schemas.microsoft.com/office/drawing/2014/main" id="{C4AAB51D-4141-4682-9375-DAFD5FB9DD10}"/>
               </a:ext>
             </a:extLst>
           </p:cNvPr>
@@ -910,18 +1039,18 @@
           <a:bodyPr/>
           <a:lstStyle/>
           <a:p>
-            <a:fld id="{9AF1CEBC-F116-45FB-9FEB-1F31E1BE982F}" type="slidenum">
-              <a:rPr lang="de-DE" smtClean="0"/>
+            <a:fld id="{3A98EE3D-8CD1-4C3F-BD1C-C98C9596463C}" type="slidenum">
+              <a:rPr lang="en-US" smtClean="0"/>
               <a:t>‹Nr.›</a:t>
             </a:fld>
-            <a:endParaRPr lang="de-DE"/>
+            <a:endParaRPr lang="en-US" dirty="0"/>
           </a:p>
         </p:txBody>
       </p:sp>
     </p:spTree>
     <p:extLst>
       <p:ext uri="{BB962C8B-B14F-4D97-AF65-F5344CB8AC3E}">
-        <p14:creationId xmlns:p14="http://schemas.microsoft.com/office/powerpoint/2010/main" val="3719712362"/>
+        <p14:creationId xmlns:p14="http://schemas.microsoft.com/office/powerpoint/2010/main" val="2933747042"/>
       </p:ext>
     </p:extLst>
   </p:cSld>
@@ -932,8 +1061,16 @@
 </file>
 
 <file path=ppt/slideLayouts/slideLayout3.xml><?xml version="1.0" encoding="utf-8"?>
-<p:sldLayout xmlns:a="http://schemas.openxmlformats.org/drawingml/2006/main" xmlns:r="http://schemas.openxmlformats.org/officeDocument/2006/relationships" xmlns:p="http://schemas.openxmlformats.org/presentationml/2006/main" type="secHead" preserve="1">
-  <p:cSld name="Abschnitts-&#10;überschrift">
+<p:sldLayout xmlns:a="http://schemas.openxmlformats.org/drawingml/2006/main" xmlns:r="http://schemas.openxmlformats.org/officeDocument/2006/relationships" xmlns:p="http://schemas.openxmlformats.org/presentationml/2006/main" showMasterSp="0" type="secHead" preserve="1">
+  <p:cSld name="Section Header">
+    <p:bg>
+      <p:bgPr>
+        <a:solidFill>
+          <a:schemeClr val="bg1"/>
+        </a:solidFill>
+        <a:effectLst/>
+      </p:bgPr>
+    </p:bg>
     <p:spTree>
       <p:nvGrpSpPr>
         <p:cNvPr id="1" name=""/>
@@ -950,13 +1087,51 @@
       </p:grpSpPr>
       <p:sp>
         <p:nvSpPr>
-          <p:cNvPr id="2" name="Titel 1">
-            <a:extLst>
-              <a:ext uri="{FF2B5EF4-FFF2-40B4-BE49-F238E27FC236}">
-                <a16:creationId xmlns:a16="http://schemas.microsoft.com/office/drawing/2014/main" id="{51404A6C-B86D-9E48-5FE8-DF343F8AE800}"/>
-              </a:ext>
-            </a:extLst>
-          </p:cNvPr>
+          <p:cNvPr id="10" name="Rectangle 9">
+            <a:extLst>
+              <a:ext uri="{FF2B5EF4-FFF2-40B4-BE49-F238E27FC236}">
+                <a16:creationId xmlns:a16="http://schemas.microsoft.com/office/drawing/2014/main" id="{A585C21A-8B93-4657-B5DF-7EAEAD3BE127}"/>
+              </a:ext>
+            </a:extLst>
+          </p:cNvPr>
+          <p:cNvSpPr/>
+          <p:nvPr/>
+        </p:nvSpPr>
+        <p:spPr>
+          <a:xfrm>
+            <a:off x="3175" y="6400800"/>
+            <a:ext cx="12188825" cy="457200"/>
+          </a:xfrm>
+          <a:prstGeom prst="rect">
+            <a:avLst/>
+          </a:prstGeom>
+          <a:solidFill>
+            <a:srgbClr val="262626"/>
+          </a:solidFill>
+          <a:ln>
+            <a:noFill/>
+          </a:ln>
+        </p:spPr>
+        <p:style>
+          <a:lnRef idx="2">
+            <a:schemeClr val="accent1">
+              <a:shade val="50000"/>
+            </a:schemeClr>
+          </a:lnRef>
+          <a:fillRef idx="1">
+            <a:schemeClr val="accent1"/>
+          </a:fillRef>
+          <a:effectRef idx="0">
+            <a:schemeClr val="accent1"/>
+          </a:effectRef>
+          <a:fontRef idx="minor">
+            <a:schemeClr val="lt1"/>
+          </a:fontRef>
+        </p:style>
+      </p:sp>
+      <p:sp>
+        <p:nvSpPr>
+          <p:cNvPr id="2" name="Title 1"/>
           <p:cNvSpPr>
             <a:spLocks noGrp="1"/>
           </p:cNvSpPr>
@@ -966,63 +1141,71 @@
         </p:nvSpPr>
         <p:spPr>
           <a:xfrm>
-            <a:off x="831850" y="1709738"/>
-            <a:ext cx="10515600" cy="2852737"/>
-          </a:xfrm>
-        </p:spPr>
-        <p:txBody>
-          <a:bodyPr anchor="b"/>
+            <a:off x="1097280" y="758952"/>
+            <a:ext cx="10058400" cy="3566160"/>
+          </a:xfrm>
+        </p:spPr>
+        <p:txBody>
+          <a:bodyPr anchor="b" anchorCtr="0">
+            <a:normAutofit/>
+          </a:bodyPr>
           <a:lstStyle>
             <a:lvl1pPr>
-              <a:defRPr sz="6000"/>
-            </a:lvl1pPr>
-          </a:lstStyle>
-          <a:p>
-            <a:r>
-              <a:rPr lang="de-DE"/>
-              <a:t>Mastertitelformat bearbeiten</a:t>
-            </a:r>
-          </a:p>
-        </p:txBody>
-      </p:sp>
-      <p:sp>
-        <p:nvSpPr>
-          <p:cNvPr id="3" name="Textplatzhalter 2">
-            <a:extLst>
-              <a:ext uri="{FF2B5EF4-FFF2-40B4-BE49-F238E27FC236}">
-                <a16:creationId xmlns:a16="http://schemas.microsoft.com/office/drawing/2014/main" id="{2B995F99-4F4D-FF75-7D45-87E19F8E48C7}"/>
-              </a:ext>
-            </a:extLst>
-          </p:cNvPr>
-          <p:cNvSpPr>
-            <a:spLocks noGrp="1"/>
-          </p:cNvSpPr>
-          <p:nvPr>
-            <p:ph type="body" idx="1"/>
-          </p:nvPr>
-        </p:nvSpPr>
-        <p:spPr>
-          <a:xfrm>
-            <a:off x="831850" y="4589463"/>
-            <a:ext cx="10515600" cy="1500187"/>
-          </a:xfrm>
-        </p:spPr>
-        <p:txBody>
-          <a:bodyPr/>
-          <a:lstStyle>
-            <a:lvl1pPr marL="0" indent="0">
-              <a:buNone/>
-              <a:defRPr sz="2400">
+              <a:lnSpc>
+                <a:spcPct val="90000"/>
+              </a:lnSpc>
+              <a:defRPr sz="8000" b="0">
                 <a:solidFill>
                   <a:schemeClr val="tx1">
-                    <a:tint val="75000"/>
+                    <a:lumMod val="85000"/>
+                    <a:lumOff val="15000"/>
                   </a:schemeClr>
                 </a:solidFill>
               </a:defRPr>
             </a:lvl1pPr>
+          </a:lstStyle>
+          <a:p>
+            <a:r>
+              <a:rPr lang="en-US"/>
+              <a:t>Click to edit Master title style</a:t>
+            </a:r>
+            <a:endParaRPr lang="en-US" dirty="0"/>
+          </a:p>
+        </p:txBody>
+      </p:sp>
+      <p:sp>
+        <p:nvSpPr>
+          <p:cNvPr id="3" name="Text Placeholder 2"/>
+          <p:cNvSpPr>
+            <a:spLocks noGrp="1"/>
+          </p:cNvSpPr>
+          <p:nvPr>
+            <p:ph type="body" idx="1"/>
+          </p:nvPr>
+        </p:nvSpPr>
+        <p:spPr>
+          <a:xfrm>
+            <a:off x="1097280" y="4663440"/>
+            <a:ext cx="10058400" cy="1143000"/>
+          </a:xfrm>
+        </p:spPr>
+        <p:txBody>
+          <a:bodyPr lIns="91440" rIns="91440" anchor="t" anchorCtr="0">
+            <a:normAutofit/>
+          </a:bodyPr>
+          <a:lstStyle>
+            <a:lvl1pPr marL="0" indent="0">
+              <a:buNone/>
+              <a:defRPr sz="2400" cap="all" spc="200" baseline="0">
+                <a:solidFill>
+                  <a:schemeClr val="tx1"/>
+                </a:solidFill>
+                <a:latin typeface="+mn-lt"/>
+              </a:defRPr>
+            </a:lvl1pPr>
             <a:lvl2pPr marL="457200" indent="0">
               <a:buNone/>
-              <a:defRPr sz="2000">
+              <a:defRPr sz="1800">
                 <a:solidFill>
                   <a:schemeClr val="tx1">
                     <a:tint val="75000"/>
@@ -1032,7 +1215,7 @@
             </a:lvl2pPr>
             <a:lvl3pPr marL="914400" indent="0">
               <a:buNone/>
-              <a:defRPr sz="1800">
+              <a:defRPr sz="1600">
                 <a:solidFill>
                   <a:schemeClr val="tx1">
                     <a:tint val="75000"/>
@@ -1042,7 +1225,7 @@
             </a:lvl3pPr>
             <a:lvl4pPr marL="1371600" indent="0">
               <a:buNone/>
-              <a:defRPr sz="1600">
+              <a:defRPr sz="1400">
                 <a:solidFill>
                   <a:schemeClr val="tx1">
                     <a:tint val="75000"/>
@@ -1052,7 +1235,7 @@
             </a:lvl4pPr>
             <a:lvl5pPr marL="1828800" indent="0">
               <a:buNone/>
-              <a:defRPr sz="1600">
+              <a:defRPr sz="1400">
                 <a:solidFill>
                   <a:schemeClr val="tx1">
                     <a:tint val="75000"/>
@@ -1062,7 +1245,7 @@
             </a:lvl5pPr>
             <a:lvl6pPr marL="2286000" indent="0">
               <a:buNone/>
-              <a:defRPr sz="1600">
+              <a:defRPr sz="1400">
                 <a:solidFill>
                   <a:schemeClr val="tx1">
                     <a:tint val="75000"/>
@@ -1072,7 +1255,7 @@
             </a:lvl6pPr>
             <a:lvl7pPr marL="2743200" indent="0">
               <a:buNone/>
-              <a:defRPr sz="1600">
+              <a:defRPr sz="1400">
                 <a:solidFill>
                   <a:schemeClr val="tx1">
                     <a:tint val="75000"/>
@@ -1082,7 +1265,7 @@
             </a:lvl7pPr>
             <a:lvl8pPr marL="3200400" indent="0">
               <a:buNone/>
-              <a:defRPr sz="1600">
+              <a:defRPr sz="1400">
                 <a:solidFill>
                   <a:schemeClr val="tx1">
                     <a:tint val="75000"/>
@@ -1092,7 +1275,7 @@
             </a:lvl8pPr>
             <a:lvl9pPr marL="3657600" indent="0">
               <a:buNone/>
-              <a:defRPr sz="1600">
+              <a:defRPr sz="1400">
                 <a:solidFill>
                   <a:schemeClr val="tx1">
                     <a:tint val="75000"/>
@@ -1104,18 +1287,62 @@
           <a:p>
             <a:pPr lvl="0"/>
             <a:r>
-              <a:rPr lang="de-DE"/>
-              <a:t>Mastertextformat bearbeiten</a:t>
-            </a:r>
-          </a:p>
-        </p:txBody>
-      </p:sp>
-      <p:sp>
-        <p:nvSpPr>
-          <p:cNvPr id="4" name="Datumsplatzhalter 3">
-            <a:extLst>
-              <a:ext uri="{FF2B5EF4-FFF2-40B4-BE49-F238E27FC236}">
-                <a16:creationId xmlns:a16="http://schemas.microsoft.com/office/drawing/2014/main" id="{04A3D9E6-A5C0-290B-0923-A357436D2ECA}"/>
+              <a:rPr lang="en-US"/>
+              <a:t>Click to edit Master text styles</a:t>
+            </a:r>
+          </a:p>
+        </p:txBody>
+      </p:sp>
+      <p:cxnSp>
+        <p:nvCxnSpPr>
+          <p:cNvPr id="9" name="Straight Connector 8">
+            <a:extLst>
+              <a:ext uri="{FF2B5EF4-FFF2-40B4-BE49-F238E27FC236}">
+                <a16:creationId xmlns:a16="http://schemas.microsoft.com/office/drawing/2014/main" id="{459DE2C1-4C52-40A3-8959-27B2C1BEBFF6}"/>
+              </a:ext>
+            </a:extLst>
+          </p:cNvPr>
+          <p:cNvCxnSpPr/>
+          <p:nvPr/>
+        </p:nvCxnSpPr>
+        <p:spPr>
+          <a:xfrm>
+            <a:off x="1207658" y="4485132"/>
+            <a:ext cx="9875520" cy="0"/>
+          </a:xfrm>
+          <a:prstGeom prst="line">
+            <a:avLst/>
+          </a:prstGeom>
+          <a:ln w="12700">
+            <a:solidFill>
+              <a:schemeClr val="tx1">
+                <a:lumMod val="75000"/>
+                <a:lumOff val="25000"/>
+              </a:schemeClr>
+            </a:solidFill>
+          </a:ln>
+        </p:spPr>
+        <p:style>
+          <a:lnRef idx="1">
+            <a:schemeClr val="accent1"/>
+          </a:lnRef>
+          <a:fillRef idx="0">
+            <a:schemeClr val="accent1"/>
+          </a:fillRef>
+          <a:effectRef idx="0">
+            <a:schemeClr val="accent1"/>
+          </a:effectRef>
+          <a:fontRef idx="minor">
+            <a:schemeClr val="tx1"/>
+          </a:fontRef>
+        </p:style>
+      </p:cxnSp>
+      <p:sp>
+        <p:nvSpPr>
+          <p:cNvPr id="7" name="Date Placeholder 6">
+            <a:extLst>
+              <a:ext uri="{FF2B5EF4-FFF2-40B4-BE49-F238E27FC236}">
+                <a16:creationId xmlns:a16="http://schemas.microsoft.com/office/drawing/2014/main" id="{AAF2E137-EC28-48F8-9198-1F02539029B6}"/>
               </a:ext>
             </a:extLst>
           </p:cNvPr>
@@ -1131,20 +1358,20 @@
           <a:bodyPr/>
           <a:lstStyle/>
           <a:p>
-            <a:fld id="{2B259D46-872D-4A89-8885-B0C4C19F3FCF}" type="datetimeFigureOut">
-              <a:rPr lang="de-DE" smtClean="0"/>
-              <a:t>06.10.2023</a:t>
+            <a:fld id="{97669AF7-7BEB-44E4-9852-375E34362B5B}" type="datetime1">
+              <a:rPr lang="en-US" smtClean="0"/>
+              <a:t>10/8/2023</a:t>
             </a:fld>
-            <a:endParaRPr lang="de-DE"/>
-          </a:p>
-        </p:txBody>
-      </p:sp>
-      <p:sp>
-        <p:nvSpPr>
-          <p:cNvPr id="5" name="Fußzeilenplatzhalter 4">
-            <a:extLst>
-              <a:ext uri="{FF2B5EF4-FFF2-40B4-BE49-F238E27FC236}">
-                <a16:creationId xmlns:a16="http://schemas.microsoft.com/office/drawing/2014/main" id="{6C7EF83A-5D40-731D-AA58-E7302B2806F2}"/>
+            <a:endParaRPr lang="en-US" dirty="0"/>
+          </a:p>
+        </p:txBody>
+      </p:sp>
+      <p:sp>
+        <p:nvSpPr>
+          <p:cNvPr id="8" name="Footer Placeholder 7">
+            <a:extLst>
+              <a:ext uri="{FF2B5EF4-FFF2-40B4-BE49-F238E27FC236}">
+                <a16:creationId xmlns:a16="http://schemas.microsoft.com/office/drawing/2014/main" id="{189422CD-6F62-4DD6-89EF-07A60B42D219}"/>
               </a:ext>
             </a:extLst>
           </p:cNvPr>
@@ -1160,16 +1387,16 @@
           <a:bodyPr/>
           <a:lstStyle/>
           <a:p>
-            <a:endParaRPr lang="de-DE"/>
-          </a:p>
-        </p:txBody>
-      </p:sp>
-      <p:sp>
-        <p:nvSpPr>
-          <p:cNvPr id="6" name="Foliennummernplatzhalter 5">
-            <a:extLst>
-              <a:ext uri="{FF2B5EF4-FFF2-40B4-BE49-F238E27FC236}">
-                <a16:creationId xmlns:a16="http://schemas.microsoft.com/office/drawing/2014/main" id="{72E28934-4E14-CFAF-F326-B3A2F57C501A}"/>
+            <a:endParaRPr lang="en-US" dirty="0"/>
+          </a:p>
+        </p:txBody>
+      </p:sp>
+      <p:sp>
+        <p:nvSpPr>
+          <p:cNvPr id="11" name="Slide Number Placeholder 10">
+            <a:extLst>
+              <a:ext uri="{FF2B5EF4-FFF2-40B4-BE49-F238E27FC236}">
+                <a16:creationId xmlns:a16="http://schemas.microsoft.com/office/drawing/2014/main" id="{69C6AFF8-42B4-4D05-969B-9F5FB3355555}"/>
               </a:ext>
             </a:extLst>
           </p:cNvPr>
@@ -1185,18 +1412,18 @@
           <a:bodyPr/>
           <a:lstStyle/>
           <a:p>
-            <a:fld id="{9AF1CEBC-F116-45FB-9FEB-1F31E1BE982F}" type="slidenum">
-              <a:rPr lang="de-DE" smtClean="0"/>
+            <a:fld id="{3A98EE3D-8CD1-4C3F-BD1C-C98C9596463C}" type="slidenum">
+              <a:rPr lang="en-US" smtClean="0"/>
               <a:t>‹Nr.›</a:t>
             </a:fld>
-            <a:endParaRPr lang="de-DE"/>
+            <a:endParaRPr lang="en-US" dirty="0"/>
           </a:p>
         </p:txBody>
       </p:sp>
     </p:spTree>
     <p:extLst>
       <p:ext uri="{BB962C8B-B14F-4D97-AF65-F5344CB8AC3E}">
-        <p14:creationId xmlns:p14="http://schemas.microsoft.com/office/powerpoint/2010/main" val="3970837291"/>
+        <p14:creationId xmlns:p14="http://schemas.microsoft.com/office/powerpoint/2010/main" val="2156856768"/>
       </p:ext>
     </p:extLst>
   </p:cSld>
@@ -1208,7 +1435,7 @@
 
 <file path=ppt/slideLayouts/slideLayout4.xml><?xml version="1.0" encoding="utf-8"?>
 <p:sldLayout xmlns:a="http://schemas.openxmlformats.org/drawingml/2006/main" xmlns:r="http://schemas.openxmlformats.org/officeDocument/2006/relationships" xmlns:p="http://schemas.openxmlformats.org/presentationml/2006/main" type="twoObj" preserve="1">
-  <p:cSld name="Zwei Inhalte">
+  <p:cSld name="Two Content">
     <p:spTree>
       <p:nvGrpSpPr>
         <p:cNvPr id="1" name=""/>
@@ -1225,13 +1452,7 @@
       </p:grpSpPr>
       <p:sp>
         <p:nvSpPr>
-          <p:cNvPr id="2" name="Titel 1">
-            <a:extLst>
-              <a:ext uri="{FF2B5EF4-FFF2-40B4-BE49-F238E27FC236}">
-                <a16:creationId xmlns:a16="http://schemas.microsoft.com/office/drawing/2014/main" id="{B34846BB-D9C0-7DED-6DBA-4474343B6D29}"/>
-              </a:ext>
-            </a:extLst>
-          </p:cNvPr>
+          <p:cNvPr id="8" name="Title 7"/>
           <p:cNvSpPr>
             <a:spLocks noGrp="1"/>
           </p:cNvSpPr>
@@ -1239,27 +1460,27 @@
             <p:ph type="title"/>
           </p:nvPr>
         </p:nvSpPr>
-        <p:spPr/>
+        <p:spPr>
+          <a:xfrm>
+            <a:off x="1097280" y="286603"/>
+            <a:ext cx="10058400" cy="1450757"/>
+          </a:xfrm>
+        </p:spPr>
         <p:txBody>
           <a:bodyPr/>
           <a:lstStyle/>
           <a:p>
             <a:r>
-              <a:rPr lang="de-DE"/>
-              <a:t>Mastertitelformat bearbeiten</a:t>
-            </a:r>
-          </a:p>
-        </p:txBody>
-      </p:sp>
-      <p:sp>
-        <p:nvSpPr>
-          <p:cNvPr id="3" name="Inhaltsplatzhalter 2">
-            <a:extLst>
-              <a:ext uri="{FF2B5EF4-FFF2-40B4-BE49-F238E27FC236}">
-                <a16:creationId xmlns:a16="http://schemas.microsoft.com/office/drawing/2014/main" id="{3727E82D-14FF-AD2C-09E5-7FBE246025ED}"/>
-              </a:ext>
-            </a:extLst>
-          </p:cNvPr>
+              <a:rPr lang="en-US"/>
+              <a:t>Click to edit Master title style</a:t>
+            </a:r>
+            <a:endParaRPr lang="en-US" dirty="0"/>
+          </a:p>
+        </p:txBody>
+      </p:sp>
+      <p:sp>
+        <p:nvSpPr>
+          <p:cNvPr id="3" name="Content Placeholder 2"/>
           <p:cNvSpPr>
             <a:spLocks noGrp="1"/>
           </p:cNvSpPr>
@@ -1269,8 +1490,8 @@
         </p:nvSpPr>
         <p:spPr>
           <a:xfrm>
-            <a:off x="838200" y="1825625"/>
-            <a:ext cx="5181600" cy="4351338"/>
+            <a:off x="1097280" y="2120900"/>
+            <a:ext cx="4639736" cy="3748193"/>
           </a:xfrm>
         </p:spPr>
         <p:txBody>
@@ -1279,49 +1500,44 @@
           <a:p>
             <a:pPr lvl="0"/>
             <a:r>
-              <a:rPr lang="de-DE"/>
-              <a:t>Mastertextformat bearbeiten</a:t>
+              <a:rPr lang="en-US"/>
+              <a:t>Click to edit Master text styles</a:t>
             </a:r>
           </a:p>
           <a:p>
             <a:pPr lvl="1"/>
             <a:r>
-              <a:rPr lang="de-DE"/>
-              <a:t>Zweite Ebene</a:t>
+              <a:rPr lang="en-US"/>
+              <a:t>Second level</a:t>
             </a:r>
           </a:p>
           <a:p>
             <a:pPr lvl="2"/>
             <a:r>
-              <a:rPr lang="de-DE"/>
-              <a:t>Dritte Ebene</a:t>
+              <a:rPr lang="en-US"/>
+              <a:t>Third level</a:t>
             </a:r>
           </a:p>
           <a:p>
             <a:pPr lvl="3"/>
             <a:r>
-              <a:rPr lang="de-DE"/>
-              <a:t>Vierte Ebene</a:t>
+              <a:rPr lang="en-US"/>
+              <a:t>Fourth level</a:t>
             </a:r>
           </a:p>
           <a:p>
             <a:pPr lvl="4"/>
             <a:r>
-              <a:rPr lang="de-DE"/>
-              <a:t>Fünfte Ebene</a:t>
-            </a:r>
-          </a:p>
-        </p:txBody>
-      </p:sp>
-      <p:sp>
-        <p:nvSpPr>
-          <p:cNvPr id="4" name="Inhaltsplatzhalter 3">
-            <a:extLst>
-              <a:ext uri="{FF2B5EF4-FFF2-40B4-BE49-F238E27FC236}">
-                <a16:creationId xmlns:a16="http://schemas.microsoft.com/office/drawing/2014/main" id="{D06E7BB3-0C49-02EC-2E7D-6D5B490C92C2}"/>
-              </a:ext>
-            </a:extLst>
-          </p:cNvPr>
+              <a:rPr lang="en-US"/>
+              <a:t>Fifth level</a:t>
+            </a:r>
+            <a:endParaRPr lang="en-US" dirty="0"/>
+          </a:p>
+        </p:txBody>
+      </p:sp>
+      <p:sp>
+        <p:nvSpPr>
+          <p:cNvPr id="4" name="Content Placeholder 3"/>
           <p:cNvSpPr>
             <a:spLocks noGrp="1"/>
           </p:cNvSpPr>
@@ -1331,8 +1547,8 @@
         </p:nvSpPr>
         <p:spPr>
           <a:xfrm>
-            <a:off x="6172200" y="1825625"/>
-            <a:ext cx="5181600" cy="4351338"/>
+            <a:off x="6515944" y="2120900"/>
+            <a:ext cx="4639736" cy="3748194"/>
           </a:xfrm>
         </p:spPr>
         <p:txBody>
@@ -1341,46 +1557,47 @@
           <a:p>
             <a:pPr lvl="0"/>
             <a:r>
-              <a:rPr lang="de-DE"/>
-              <a:t>Mastertextformat bearbeiten</a:t>
+              <a:rPr lang="en-US"/>
+              <a:t>Click to edit Master text styles</a:t>
             </a:r>
           </a:p>
           <a:p>
             <a:pPr lvl="1"/>
             <a:r>
-              <a:rPr lang="de-DE"/>
-              <a:t>Zweite Ebene</a:t>
+              <a:rPr lang="en-US"/>
+              <a:t>Second level</a:t>
             </a:r>
           </a:p>
           <a:p>
             <a:pPr lvl="2"/>
             <a:r>
-              <a:rPr lang="de-DE"/>
-              <a:t>Dritte Ebene</a:t>
+              <a:rPr lang="en-US"/>
+              <a:t>Third level</a:t>
             </a:r>
           </a:p>
           <a:p>
             <a:pPr lvl="3"/>
             <a:r>
-              <a:rPr lang="de-DE"/>
-              <a:t>Vierte Ebene</a:t>
+              <a:rPr lang="en-US"/>
+              <a:t>Fourth level</a:t>
             </a:r>
           </a:p>
           <a:p>
             <a:pPr lvl="4"/>
             <a:r>
-              <a:rPr lang="de-DE"/>
-              <a:t>Fünfte Ebene</a:t>
-            </a:r>
-          </a:p>
-        </p:txBody>
-      </p:sp>
-      <p:sp>
-        <p:nvSpPr>
-          <p:cNvPr id="5" name="Datumsplatzhalter 4">
-            <a:extLst>
-              <a:ext uri="{FF2B5EF4-FFF2-40B4-BE49-F238E27FC236}">
-                <a16:creationId xmlns:a16="http://schemas.microsoft.com/office/drawing/2014/main" id="{FB8ED561-2147-84F4-2FE1-A3EC328504FD}"/>
+              <a:rPr lang="en-US"/>
+              <a:t>Fifth level</a:t>
+            </a:r>
+            <a:endParaRPr lang="en-US" dirty="0"/>
+          </a:p>
+        </p:txBody>
+      </p:sp>
+      <p:sp>
+        <p:nvSpPr>
+          <p:cNvPr id="2" name="Date Placeholder 1">
+            <a:extLst>
+              <a:ext uri="{FF2B5EF4-FFF2-40B4-BE49-F238E27FC236}">
+                <a16:creationId xmlns:a16="http://schemas.microsoft.com/office/drawing/2014/main" id="{5782D47D-B0DC-4C40-BCC6-BBBA32584A38}"/>
               </a:ext>
             </a:extLst>
           </p:cNvPr>
@@ -1396,20 +1613,20 @@
           <a:bodyPr/>
           <a:lstStyle/>
           <a:p>
-            <a:fld id="{2B259D46-872D-4A89-8885-B0C4C19F3FCF}" type="datetimeFigureOut">
-              <a:rPr lang="de-DE" smtClean="0"/>
-              <a:t>06.10.2023</a:t>
+            <a:fld id="{BAAAC38D-0552-4C82-B593-E6124DFADBE2}" type="datetime1">
+              <a:rPr lang="en-US" smtClean="0"/>
+              <a:t>10/8/2023</a:t>
             </a:fld>
-            <a:endParaRPr lang="de-DE"/>
-          </a:p>
-        </p:txBody>
-      </p:sp>
-      <p:sp>
-        <p:nvSpPr>
-          <p:cNvPr id="6" name="Fußzeilenplatzhalter 5">
-            <a:extLst>
-              <a:ext uri="{FF2B5EF4-FFF2-40B4-BE49-F238E27FC236}">
-                <a16:creationId xmlns:a16="http://schemas.microsoft.com/office/drawing/2014/main" id="{F61E531F-9B60-EF0D-81DD-135C8DE8AFAE}"/>
+            <a:endParaRPr lang="en-US" dirty="0"/>
+          </a:p>
+        </p:txBody>
+      </p:sp>
+      <p:sp>
+        <p:nvSpPr>
+          <p:cNvPr id="9" name="Footer Placeholder 8">
+            <a:extLst>
+              <a:ext uri="{FF2B5EF4-FFF2-40B4-BE49-F238E27FC236}">
+                <a16:creationId xmlns:a16="http://schemas.microsoft.com/office/drawing/2014/main" id="{4690D34E-7EBD-44B2-83CA-4C126A18D7EF}"/>
               </a:ext>
             </a:extLst>
           </p:cNvPr>
@@ -1425,16 +1642,16 @@
           <a:bodyPr/>
           <a:lstStyle/>
           <a:p>
-            <a:endParaRPr lang="de-DE"/>
-          </a:p>
-        </p:txBody>
-      </p:sp>
-      <p:sp>
-        <p:nvSpPr>
-          <p:cNvPr id="7" name="Foliennummernplatzhalter 6">
-            <a:extLst>
-              <a:ext uri="{FF2B5EF4-FFF2-40B4-BE49-F238E27FC236}">
-                <a16:creationId xmlns:a16="http://schemas.microsoft.com/office/drawing/2014/main" id="{0D082167-CA55-E760-A692-54AD47F7947F}"/>
+            <a:endParaRPr lang="en-US" dirty="0"/>
+          </a:p>
+        </p:txBody>
+      </p:sp>
+      <p:sp>
+        <p:nvSpPr>
+          <p:cNvPr id="10" name="Slide Number Placeholder 9">
+            <a:extLst>
+              <a:ext uri="{FF2B5EF4-FFF2-40B4-BE49-F238E27FC236}">
+                <a16:creationId xmlns:a16="http://schemas.microsoft.com/office/drawing/2014/main" id="{2AC511A1-9BBD-42DE-92FB-2AF44F8E97A9}"/>
               </a:ext>
             </a:extLst>
           </p:cNvPr>
@@ -1450,18 +1667,18 @@
           <a:bodyPr/>
           <a:lstStyle/>
           <a:p>
-            <a:fld id="{9AF1CEBC-F116-45FB-9FEB-1F31E1BE982F}" type="slidenum">
-              <a:rPr lang="de-DE" smtClean="0"/>
+            <a:fld id="{3A98EE3D-8CD1-4C3F-BD1C-C98C9596463C}" type="slidenum">
+              <a:rPr lang="en-US" smtClean="0"/>
               <a:t>‹Nr.›</a:t>
             </a:fld>
-            <a:endParaRPr lang="de-DE"/>
+            <a:endParaRPr lang="en-US" dirty="0"/>
           </a:p>
         </p:txBody>
       </p:sp>
     </p:spTree>
     <p:extLst>
       <p:ext uri="{BB962C8B-B14F-4D97-AF65-F5344CB8AC3E}">
-        <p14:creationId xmlns:p14="http://schemas.microsoft.com/office/powerpoint/2010/main" val="2106982957"/>
+        <p14:creationId xmlns:p14="http://schemas.microsoft.com/office/powerpoint/2010/main" val="1398441940"/>
       </p:ext>
     </p:extLst>
   </p:cSld>
@@ -1473,7 +1690,7 @@
 
 <file path=ppt/slideLayouts/slideLayout5.xml><?xml version="1.0" encoding="utf-8"?>
 <p:sldLayout xmlns:a="http://schemas.openxmlformats.org/drawingml/2006/main" xmlns:r="http://schemas.openxmlformats.org/officeDocument/2006/relationships" xmlns:p="http://schemas.openxmlformats.org/presentationml/2006/main" type="twoTxTwoObj" preserve="1">
-  <p:cSld name="Vergleich">
+  <p:cSld name="Comparison">
     <p:spTree>
       <p:nvGrpSpPr>
         <p:cNvPr id="1" name=""/>
@@ -1490,13 +1707,7 @@
       </p:grpSpPr>
       <p:sp>
         <p:nvSpPr>
-          <p:cNvPr id="2" name="Titel 1">
-            <a:extLst>
-              <a:ext uri="{FF2B5EF4-FFF2-40B4-BE49-F238E27FC236}">
-                <a16:creationId xmlns:a16="http://schemas.microsoft.com/office/drawing/2014/main" id="{2278EF8F-50DC-024E-EAB8-8CE4350EADF5}"/>
-              </a:ext>
-            </a:extLst>
-          </p:cNvPr>
+          <p:cNvPr id="10" name="Title 9"/>
           <p:cNvSpPr>
             <a:spLocks noGrp="1"/>
           </p:cNvSpPr>
@@ -1506,8 +1717,8 @@
         </p:nvSpPr>
         <p:spPr>
           <a:xfrm>
-            <a:off x="839788" y="365125"/>
-            <a:ext cx="10515600" cy="1325563"/>
+            <a:off x="1097280" y="286603"/>
+            <a:ext cx="10058400" cy="1450757"/>
           </a:xfrm>
         </p:spPr>
         <p:txBody>
@@ -1515,21 +1726,16 @@
           <a:lstStyle/>
           <a:p>
             <a:r>
-              <a:rPr lang="de-DE"/>
-              <a:t>Mastertitelformat bearbeiten</a:t>
-            </a:r>
-          </a:p>
-        </p:txBody>
-      </p:sp>
-      <p:sp>
-        <p:nvSpPr>
-          <p:cNvPr id="3" name="Textplatzhalter 2">
-            <a:extLst>
-              <a:ext uri="{FF2B5EF4-FFF2-40B4-BE49-F238E27FC236}">
-                <a16:creationId xmlns:a16="http://schemas.microsoft.com/office/drawing/2014/main" id="{FA1DB288-50D0-E98A-E6A3-F0113B932B49}"/>
-              </a:ext>
-            </a:extLst>
-          </p:cNvPr>
+              <a:rPr lang="en-US"/>
+              <a:t>Click to edit Master title style</a:t>
+            </a:r>
+            <a:endParaRPr lang="en-US" dirty="0"/>
+          </a:p>
+        </p:txBody>
+      </p:sp>
+      <p:sp>
+        <p:nvSpPr>
+          <p:cNvPr id="3" name="Text Placeholder 2"/>
           <p:cNvSpPr>
             <a:spLocks noGrp="1"/>
           </p:cNvSpPr>
@@ -1539,16 +1745,22 @@
         </p:nvSpPr>
         <p:spPr>
           <a:xfrm>
-            <a:off x="839788" y="1681163"/>
-            <a:ext cx="5157787" cy="823912"/>
-          </a:xfrm>
-        </p:spPr>
-        <p:txBody>
-          <a:bodyPr anchor="b"/>
+            <a:off x="1097280" y="2057400"/>
+            <a:ext cx="4639736" cy="736282"/>
+          </a:xfrm>
+        </p:spPr>
+        <p:txBody>
+          <a:bodyPr lIns="91440" rIns="91440" anchor="ctr">
+            <a:normAutofit/>
+          </a:bodyPr>
           <a:lstStyle>
             <a:lvl1pPr marL="0" indent="0">
               <a:buNone/>
-              <a:defRPr sz="2400" b="1"/>
+              <a:defRPr sz="2000" b="0" cap="all" baseline="0">
+                <a:solidFill>
+                  <a:schemeClr val="tx1"/>
+                </a:solidFill>
+              </a:defRPr>
             </a:lvl1pPr>
             <a:lvl2pPr marL="457200" indent="0">
               <a:buNone/>
@@ -1586,21 +1798,15 @@
           <a:p>
             <a:pPr lvl="0"/>
             <a:r>
-              <a:rPr lang="de-DE"/>
-              <a:t>Mastertextformat bearbeiten</a:t>
-            </a:r>
-          </a:p>
-        </p:txBody>
-      </p:sp>
-      <p:sp>
-        <p:nvSpPr>
-          <p:cNvPr id="4" name="Inhaltsplatzhalter 3">
-            <a:extLst>
-              <a:ext uri="{FF2B5EF4-FFF2-40B4-BE49-F238E27FC236}">
-                <a16:creationId xmlns:a16="http://schemas.microsoft.com/office/drawing/2014/main" id="{F734EF4A-FE30-47B4-4812-EADDD9D2D5CE}"/>
-              </a:ext>
-            </a:extLst>
-          </p:cNvPr>
+              <a:rPr lang="en-US"/>
+              <a:t>Click to edit Master text styles</a:t>
+            </a:r>
+          </a:p>
+        </p:txBody>
+      </p:sp>
+      <p:sp>
+        <p:nvSpPr>
+          <p:cNvPr id="4" name="Content Placeholder 3"/>
           <p:cNvSpPr>
             <a:spLocks noGrp="1"/>
           </p:cNvSpPr>
@@ -1610,8 +1816,8 @@
         </p:nvSpPr>
         <p:spPr>
           <a:xfrm>
-            <a:off x="839788" y="2505075"/>
-            <a:ext cx="5157787" cy="3684588"/>
+            <a:off x="1097280" y="2958274"/>
+            <a:ext cx="4639736" cy="2910821"/>
           </a:xfrm>
         </p:spPr>
         <p:txBody>
@@ -1620,49 +1826,44 @@
           <a:p>
             <a:pPr lvl="0"/>
             <a:r>
-              <a:rPr lang="de-DE"/>
-              <a:t>Mastertextformat bearbeiten</a:t>
+              <a:rPr lang="en-US"/>
+              <a:t>Click to edit Master text styles</a:t>
             </a:r>
           </a:p>
           <a:p>
             <a:pPr lvl="1"/>
             <a:r>
-              <a:rPr lang="de-DE"/>
-              <a:t>Zweite Ebene</a:t>
+              <a:rPr lang="en-US"/>
+              <a:t>Second level</a:t>
             </a:r>
           </a:p>
           <a:p>
             <a:pPr lvl="2"/>
             <a:r>
-              <a:rPr lang="de-DE"/>
-              <a:t>Dritte Ebene</a:t>
+              <a:rPr lang="en-US"/>
+              <a:t>Third level</a:t>
             </a:r>
           </a:p>
           <a:p>
             <a:pPr lvl="3"/>
             <a:r>
-              <a:rPr lang="de-DE"/>
-              <a:t>Vierte Ebene</a:t>
+              <a:rPr lang="en-US"/>
+              <a:t>Fourth level</a:t>
             </a:r>
           </a:p>
           <a:p>
             <a:pPr lvl="4"/>
             <a:r>
-              <a:rPr lang="de-DE"/>
-              <a:t>Fünfte Ebene</a:t>
-            </a:r>
-          </a:p>
-        </p:txBody>
-      </p:sp>
-      <p:sp>
-        <p:nvSpPr>
-          <p:cNvPr id="5" name="Textplatzhalter 4">
-            <a:extLst>
-              <a:ext uri="{FF2B5EF4-FFF2-40B4-BE49-F238E27FC236}">
-                <a16:creationId xmlns:a16="http://schemas.microsoft.com/office/drawing/2014/main" id="{51A1B69C-670B-005E-6A42-115CC12E7D3C}"/>
-              </a:ext>
-            </a:extLst>
-          </p:cNvPr>
+              <a:rPr lang="en-US"/>
+              <a:t>Fifth level</a:t>
+            </a:r>
+            <a:endParaRPr lang="en-US" dirty="0"/>
+          </a:p>
+        </p:txBody>
+      </p:sp>
+      <p:sp>
+        <p:nvSpPr>
+          <p:cNvPr id="5" name="Text Placeholder 4"/>
           <p:cNvSpPr>
             <a:spLocks noGrp="1"/>
           </p:cNvSpPr>
@@ -1672,16 +1873,22 @@
         </p:nvSpPr>
         <p:spPr>
           <a:xfrm>
-            <a:off x="6172200" y="1681163"/>
-            <a:ext cx="5183188" cy="823912"/>
-          </a:xfrm>
-        </p:spPr>
-        <p:txBody>
-          <a:bodyPr anchor="b"/>
+            <a:off x="6515944" y="2057400"/>
+            <a:ext cx="4639736" cy="736282"/>
+          </a:xfrm>
+        </p:spPr>
+        <p:txBody>
+          <a:bodyPr lIns="91440" rIns="91440" anchor="ctr">
+            <a:normAutofit/>
+          </a:bodyPr>
           <a:lstStyle>
             <a:lvl1pPr marL="0" indent="0">
               <a:buNone/>
-              <a:defRPr sz="2400" b="1"/>
+              <a:defRPr sz="2000" b="0" cap="all" baseline="0">
+                <a:solidFill>
+                  <a:schemeClr val="tx1"/>
+                </a:solidFill>
+              </a:defRPr>
             </a:lvl1pPr>
             <a:lvl2pPr marL="457200" indent="0">
               <a:buNone/>
@@ -1719,21 +1926,15 @@
           <a:p>
             <a:pPr lvl="0"/>
             <a:r>
-              <a:rPr lang="de-DE"/>
-              <a:t>Mastertextformat bearbeiten</a:t>
-            </a:r>
-          </a:p>
-        </p:txBody>
-      </p:sp>
-      <p:sp>
-        <p:nvSpPr>
-          <p:cNvPr id="6" name="Inhaltsplatzhalter 5">
-            <a:extLst>
-              <a:ext uri="{FF2B5EF4-FFF2-40B4-BE49-F238E27FC236}">
-                <a16:creationId xmlns:a16="http://schemas.microsoft.com/office/drawing/2014/main" id="{DFE94E39-93CD-926B-92EB-1FB76216C709}"/>
-              </a:ext>
-            </a:extLst>
-          </p:cNvPr>
+              <a:rPr lang="en-US"/>
+              <a:t>Click to edit Master text styles</a:t>
+            </a:r>
+          </a:p>
+        </p:txBody>
+      </p:sp>
+      <p:sp>
+        <p:nvSpPr>
+          <p:cNvPr id="6" name="Content Placeholder 5"/>
           <p:cNvSpPr>
             <a:spLocks noGrp="1"/>
           </p:cNvSpPr>
@@ -1743,8 +1944,8 @@
         </p:nvSpPr>
         <p:spPr>
           <a:xfrm>
-            <a:off x="6172200" y="2505075"/>
-            <a:ext cx="5183188" cy="3684588"/>
+            <a:off x="6515944" y="2958273"/>
+            <a:ext cx="4639736" cy="2910821"/>
           </a:xfrm>
         </p:spPr>
         <p:txBody>
@@ -1753,46 +1954,47 @@
           <a:p>
             <a:pPr lvl="0"/>
             <a:r>
-              <a:rPr lang="de-DE"/>
-              <a:t>Mastertextformat bearbeiten</a:t>
+              <a:rPr lang="en-US"/>
+              <a:t>Click to edit Master text styles</a:t>
             </a:r>
           </a:p>
           <a:p>
             <a:pPr lvl="1"/>
             <a:r>
-              <a:rPr lang="de-DE"/>
-              <a:t>Zweite Ebene</a:t>
+              <a:rPr lang="en-US"/>
+              <a:t>Second level</a:t>
             </a:r>
           </a:p>
           <a:p>
             <a:pPr lvl="2"/>
             <a:r>
-              <a:rPr lang="de-DE"/>
-              <a:t>Dritte Ebene</a:t>
+              <a:rPr lang="en-US"/>
+              <a:t>Third level</a:t>
             </a:r>
           </a:p>
           <a:p>
             <a:pPr lvl="3"/>
             <a:r>
-              <a:rPr lang="de-DE"/>
-              <a:t>Vierte Ebene</a:t>
+              <a:rPr lang="en-US"/>
+              <a:t>Fourth level</a:t>
             </a:r>
           </a:p>
           <a:p>
             <a:pPr lvl="4"/>
             <a:r>
-              <a:rPr lang="de-DE"/>
-              <a:t>Fünfte Ebene</a:t>
-            </a:r>
-          </a:p>
-        </p:txBody>
-      </p:sp>
-      <p:sp>
-        <p:nvSpPr>
-          <p:cNvPr id="7" name="Datumsplatzhalter 6">
-            <a:extLst>
-              <a:ext uri="{FF2B5EF4-FFF2-40B4-BE49-F238E27FC236}">
-                <a16:creationId xmlns:a16="http://schemas.microsoft.com/office/drawing/2014/main" id="{84EFC74B-FC12-10ED-9489-5E6A130B64B4}"/>
+              <a:rPr lang="en-US"/>
+              <a:t>Fifth level</a:t>
+            </a:r>
+            <a:endParaRPr lang="en-US" dirty="0"/>
+          </a:p>
+        </p:txBody>
+      </p:sp>
+      <p:sp>
+        <p:nvSpPr>
+          <p:cNvPr id="2" name="Date Placeholder 1">
+            <a:extLst>
+              <a:ext uri="{FF2B5EF4-FFF2-40B4-BE49-F238E27FC236}">
+                <a16:creationId xmlns:a16="http://schemas.microsoft.com/office/drawing/2014/main" id="{8AF8A515-AA94-45D1-9223-5C2272618D85}"/>
               </a:ext>
             </a:extLst>
           </p:cNvPr>
@@ -1808,20 +2010,20 @@
           <a:bodyPr/>
           <a:lstStyle/>
           <a:p>
-            <a:fld id="{2B259D46-872D-4A89-8885-B0C4C19F3FCF}" type="datetimeFigureOut">
-              <a:rPr lang="de-DE" smtClean="0"/>
-              <a:t>06.10.2023</a:t>
+            <a:fld id="{D9DF0F1C-5577-4ACB-BB62-DF8F3C494C7E}" type="datetime1">
+              <a:rPr lang="en-US" smtClean="0"/>
+              <a:t>10/8/2023</a:t>
             </a:fld>
-            <a:endParaRPr lang="de-DE"/>
-          </a:p>
-        </p:txBody>
-      </p:sp>
-      <p:sp>
-        <p:nvSpPr>
-          <p:cNvPr id="8" name="Fußzeilenplatzhalter 7">
-            <a:extLst>
-              <a:ext uri="{FF2B5EF4-FFF2-40B4-BE49-F238E27FC236}">
-                <a16:creationId xmlns:a16="http://schemas.microsoft.com/office/drawing/2014/main" id="{CE06DAAA-CE27-6347-A5A2-89E61BB20D52}"/>
+            <a:endParaRPr lang="en-US" dirty="0"/>
+          </a:p>
+        </p:txBody>
+      </p:sp>
+      <p:sp>
+        <p:nvSpPr>
+          <p:cNvPr id="11" name="Footer Placeholder 10">
+            <a:extLst>
+              <a:ext uri="{FF2B5EF4-FFF2-40B4-BE49-F238E27FC236}">
+                <a16:creationId xmlns:a16="http://schemas.microsoft.com/office/drawing/2014/main" id="{D052F5BC-98E0-4D60-AD67-9547738B7DD4}"/>
               </a:ext>
             </a:extLst>
           </p:cNvPr>
@@ -1837,16 +2039,16 @@
           <a:bodyPr/>
           <a:lstStyle/>
           <a:p>
-            <a:endParaRPr lang="de-DE"/>
-          </a:p>
-        </p:txBody>
-      </p:sp>
-      <p:sp>
-        <p:nvSpPr>
-          <p:cNvPr id="9" name="Foliennummernplatzhalter 8">
-            <a:extLst>
-              <a:ext uri="{FF2B5EF4-FFF2-40B4-BE49-F238E27FC236}">
-                <a16:creationId xmlns:a16="http://schemas.microsoft.com/office/drawing/2014/main" id="{3ACD5438-5FA3-9FA4-6DE7-499FFF62DD2E}"/>
+            <a:endParaRPr lang="en-US" dirty="0"/>
+          </a:p>
+        </p:txBody>
+      </p:sp>
+      <p:sp>
+        <p:nvSpPr>
+          <p:cNvPr id="12" name="Slide Number Placeholder 11">
+            <a:extLst>
+              <a:ext uri="{FF2B5EF4-FFF2-40B4-BE49-F238E27FC236}">
+                <a16:creationId xmlns:a16="http://schemas.microsoft.com/office/drawing/2014/main" id="{A38552DC-952E-41EA-AAAF-C2187523C0B0}"/>
               </a:ext>
             </a:extLst>
           </p:cNvPr>
@@ -1862,18 +2064,18 @@
           <a:bodyPr/>
           <a:lstStyle/>
           <a:p>
-            <a:fld id="{9AF1CEBC-F116-45FB-9FEB-1F31E1BE982F}" type="slidenum">
-              <a:rPr lang="de-DE" smtClean="0"/>
+            <a:fld id="{3A98EE3D-8CD1-4C3F-BD1C-C98C9596463C}" type="slidenum">
+              <a:rPr lang="en-US" smtClean="0"/>
               <a:t>‹Nr.›</a:t>
             </a:fld>
-            <a:endParaRPr lang="de-DE"/>
+            <a:endParaRPr lang="en-US" dirty="0"/>
           </a:p>
         </p:txBody>
       </p:sp>
     </p:spTree>
     <p:extLst>
       <p:ext uri="{BB962C8B-B14F-4D97-AF65-F5344CB8AC3E}">
-        <p14:creationId xmlns:p14="http://schemas.microsoft.com/office/powerpoint/2010/main" val="3635412733"/>
+        <p14:creationId xmlns:p14="http://schemas.microsoft.com/office/powerpoint/2010/main" val="1348800583"/>
       </p:ext>
     </p:extLst>
   </p:cSld>
@@ -1885,7 +2087,7 @@
 
 <file path=ppt/slideLayouts/slideLayout6.xml><?xml version="1.0" encoding="utf-8"?>
 <p:sldLayout xmlns:a="http://schemas.openxmlformats.org/drawingml/2006/main" xmlns:r="http://schemas.openxmlformats.org/officeDocument/2006/relationships" xmlns:p="http://schemas.openxmlformats.org/presentationml/2006/main" type="titleOnly" preserve="1">
-  <p:cSld name="Nur Titel">
+  <p:cSld name="Title Only">
     <p:spTree>
       <p:nvGrpSpPr>
         <p:cNvPr id="1" name=""/>
@@ -1902,13 +2104,7 @@
       </p:grpSpPr>
       <p:sp>
         <p:nvSpPr>
-          <p:cNvPr id="2" name="Titel 1">
-            <a:extLst>
-              <a:ext uri="{FF2B5EF4-FFF2-40B4-BE49-F238E27FC236}">
-                <a16:creationId xmlns:a16="http://schemas.microsoft.com/office/drawing/2014/main" id="{F6588700-9E94-3CF3-BCC2-75A7E1018DEC}"/>
-              </a:ext>
-            </a:extLst>
-          </p:cNvPr>
+          <p:cNvPr id="2" name="Title 1"/>
           <p:cNvSpPr>
             <a:spLocks noGrp="1"/>
           </p:cNvSpPr>
@@ -1922,18 +2118,19 @@
           <a:lstStyle/>
           <a:p>
             <a:r>
-              <a:rPr lang="de-DE"/>
-              <a:t>Mastertitelformat bearbeiten</a:t>
-            </a:r>
-          </a:p>
-        </p:txBody>
-      </p:sp>
-      <p:sp>
-        <p:nvSpPr>
-          <p:cNvPr id="3" name="Datumsplatzhalter 2">
-            <a:extLst>
-              <a:ext uri="{FF2B5EF4-FFF2-40B4-BE49-F238E27FC236}">
-                <a16:creationId xmlns:a16="http://schemas.microsoft.com/office/drawing/2014/main" id="{5289A39E-4755-00F0-0C8F-C284D70DBB62}"/>
+              <a:rPr lang="en-US"/>
+              <a:t>Click to edit Master title style</a:t>
+            </a:r>
+            <a:endParaRPr lang="en-US" dirty="0"/>
+          </a:p>
+        </p:txBody>
+      </p:sp>
+      <p:sp>
+        <p:nvSpPr>
+          <p:cNvPr id="6" name="Date Placeholder 5">
+            <a:extLst>
+              <a:ext uri="{FF2B5EF4-FFF2-40B4-BE49-F238E27FC236}">
+                <a16:creationId xmlns:a16="http://schemas.microsoft.com/office/drawing/2014/main" id="{7392073F-158F-44A3-8913-917AFFC1BC20}"/>
               </a:ext>
             </a:extLst>
           </p:cNvPr>
@@ -1949,20 +2146,20 @@
           <a:bodyPr/>
           <a:lstStyle/>
           <a:p>
-            <a:fld id="{2B259D46-872D-4A89-8885-B0C4C19F3FCF}" type="datetimeFigureOut">
-              <a:rPr lang="de-DE" smtClean="0"/>
-              <a:t>06.10.2023</a:t>
+            <a:fld id="{1775B394-D9F9-4F0C-B15D-605F45CB9E9F}" type="datetime1">
+              <a:rPr lang="en-US" smtClean="0"/>
+              <a:t>10/8/2023</a:t>
             </a:fld>
-            <a:endParaRPr lang="de-DE"/>
-          </a:p>
-        </p:txBody>
-      </p:sp>
-      <p:sp>
-        <p:nvSpPr>
-          <p:cNvPr id="4" name="Fußzeilenplatzhalter 3">
-            <a:extLst>
-              <a:ext uri="{FF2B5EF4-FFF2-40B4-BE49-F238E27FC236}">
-                <a16:creationId xmlns:a16="http://schemas.microsoft.com/office/drawing/2014/main" id="{97DAB2A7-9E97-E597-8373-123A0C2F6202}"/>
+            <a:endParaRPr lang="en-US" dirty="0"/>
+          </a:p>
+        </p:txBody>
+      </p:sp>
+      <p:sp>
+        <p:nvSpPr>
+          <p:cNvPr id="7" name="Footer Placeholder 6">
+            <a:extLst>
+              <a:ext uri="{FF2B5EF4-FFF2-40B4-BE49-F238E27FC236}">
+                <a16:creationId xmlns:a16="http://schemas.microsoft.com/office/drawing/2014/main" id="{EED72207-24CA-42B7-A975-2F8E41CBA904}"/>
               </a:ext>
             </a:extLst>
           </p:cNvPr>
@@ -1978,16 +2175,16 @@
           <a:bodyPr/>
           <a:lstStyle/>
           <a:p>
-            <a:endParaRPr lang="de-DE"/>
-          </a:p>
-        </p:txBody>
-      </p:sp>
-      <p:sp>
-        <p:nvSpPr>
-          <p:cNvPr id="5" name="Foliennummernplatzhalter 4">
-            <a:extLst>
-              <a:ext uri="{FF2B5EF4-FFF2-40B4-BE49-F238E27FC236}">
-                <a16:creationId xmlns:a16="http://schemas.microsoft.com/office/drawing/2014/main" id="{F1C42105-21BC-9868-E869-A6FE62703BE7}"/>
+            <a:endParaRPr lang="en-US" dirty="0"/>
+          </a:p>
+        </p:txBody>
+      </p:sp>
+      <p:sp>
+        <p:nvSpPr>
+          <p:cNvPr id="8" name="Slide Number Placeholder 7">
+            <a:extLst>
+              <a:ext uri="{FF2B5EF4-FFF2-40B4-BE49-F238E27FC236}">
+                <a16:creationId xmlns:a16="http://schemas.microsoft.com/office/drawing/2014/main" id="{D01080F2-251A-4B88-9A62-16F46D724F83}"/>
               </a:ext>
             </a:extLst>
           </p:cNvPr>
@@ -2003,18 +2200,18 @@
           <a:bodyPr/>
           <a:lstStyle/>
           <a:p>
-            <a:fld id="{9AF1CEBC-F116-45FB-9FEB-1F31E1BE982F}" type="slidenum">
-              <a:rPr lang="de-DE" smtClean="0"/>
+            <a:fld id="{3A98EE3D-8CD1-4C3F-BD1C-C98C9596463C}" type="slidenum">
+              <a:rPr lang="en-US" smtClean="0"/>
               <a:t>‹Nr.›</a:t>
             </a:fld>
-            <a:endParaRPr lang="de-DE"/>
+            <a:endParaRPr lang="en-US" dirty="0"/>
           </a:p>
         </p:txBody>
       </p:sp>
     </p:spTree>
     <p:extLst>
       <p:ext uri="{BB962C8B-B14F-4D97-AF65-F5344CB8AC3E}">
-        <p14:creationId xmlns:p14="http://schemas.microsoft.com/office/powerpoint/2010/main" val="571981862"/>
+        <p14:creationId xmlns:p14="http://schemas.microsoft.com/office/powerpoint/2010/main" val="2359011728"/>
       </p:ext>
     </p:extLst>
   </p:cSld>
@@ -2025,8 +2222,8 @@
 </file>
 
 <file path=ppt/slideLayouts/slideLayout7.xml><?xml version="1.0" encoding="utf-8"?>
-<p:sldLayout xmlns:a="http://schemas.openxmlformats.org/drawingml/2006/main" xmlns:r="http://schemas.openxmlformats.org/officeDocument/2006/relationships" xmlns:p="http://schemas.openxmlformats.org/presentationml/2006/main" type="blank" preserve="1">
-  <p:cSld name="Leer">
+<p:sldLayout xmlns:a="http://schemas.openxmlformats.org/drawingml/2006/main" xmlns:r="http://schemas.openxmlformats.org/officeDocument/2006/relationships" xmlns:p="http://schemas.openxmlformats.org/presentationml/2006/main" showMasterSp="0" type="blank" preserve="1">
+  <p:cSld name="Blank">
     <p:spTree>
       <p:nvGrpSpPr>
         <p:cNvPr id="1" name=""/>
@@ -2043,10 +2240,54 @@
       </p:grpSpPr>
       <p:sp>
         <p:nvSpPr>
-          <p:cNvPr id="2" name="Datumsplatzhalter 1">
-            <a:extLst>
-              <a:ext uri="{FF2B5EF4-FFF2-40B4-BE49-F238E27FC236}">
-                <a16:creationId xmlns:a16="http://schemas.microsoft.com/office/drawing/2014/main" id="{8CBA4ED0-CCCC-3A38-1E48-985AB01C5300}"/>
+          <p:cNvPr id="10" name="Rectangle 9">
+            <a:extLst>
+              <a:ext uri="{FF2B5EF4-FFF2-40B4-BE49-F238E27FC236}">
+                <a16:creationId xmlns:a16="http://schemas.microsoft.com/office/drawing/2014/main" id="{A8E9C91B-7EAD-4562-AB0E-DFB9663AECE3}"/>
+              </a:ext>
+            </a:extLst>
+          </p:cNvPr>
+          <p:cNvSpPr/>
+          <p:nvPr/>
+        </p:nvSpPr>
+        <p:spPr>
+          <a:xfrm>
+            <a:off x="3175" y="6400800"/>
+            <a:ext cx="12188825" cy="457200"/>
+          </a:xfrm>
+          <a:prstGeom prst="rect">
+            <a:avLst/>
+          </a:prstGeom>
+          <a:solidFill>
+            <a:srgbClr val="262626"/>
+          </a:solidFill>
+          <a:ln>
+            <a:noFill/>
+          </a:ln>
+        </p:spPr>
+        <p:style>
+          <a:lnRef idx="2">
+            <a:schemeClr val="accent1">
+              <a:shade val="50000"/>
+            </a:schemeClr>
+          </a:lnRef>
+          <a:fillRef idx="1">
+            <a:schemeClr val="accent1"/>
+          </a:fillRef>
+          <a:effectRef idx="0">
+            <a:schemeClr val="accent1"/>
+          </a:effectRef>
+          <a:fontRef idx="minor">
+            <a:schemeClr val="lt1"/>
+          </a:fontRef>
+        </p:style>
+      </p:sp>
+      <p:sp>
+        <p:nvSpPr>
+          <p:cNvPr id="2" name="Date Placeholder 1">
+            <a:extLst>
+              <a:ext uri="{FF2B5EF4-FFF2-40B4-BE49-F238E27FC236}">
+                <a16:creationId xmlns:a16="http://schemas.microsoft.com/office/drawing/2014/main" id="{94E9223F-721F-47BF-9FD5-0F8D12FF0DE1}"/>
               </a:ext>
             </a:extLst>
           </p:cNvPr>
@@ -2062,20 +2303,20 @@
           <a:bodyPr/>
           <a:lstStyle/>
           <a:p>
-            <a:fld id="{2B259D46-872D-4A89-8885-B0C4C19F3FCF}" type="datetimeFigureOut">
-              <a:rPr lang="de-DE" smtClean="0"/>
-              <a:t>06.10.2023</a:t>
+            <a:fld id="{39667345-2558-425A-8533-9BFDBCE15005}" type="datetime1">
+              <a:rPr lang="en-US" smtClean="0"/>
+              <a:t>10/8/2023</a:t>
             </a:fld>
-            <a:endParaRPr lang="de-DE"/>
-          </a:p>
-        </p:txBody>
-      </p:sp>
-      <p:sp>
-        <p:nvSpPr>
-          <p:cNvPr id="3" name="Fußzeilenplatzhalter 2">
-            <a:extLst>
-              <a:ext uri="{FF2B5EF4-FFF2-40B4-BE49-F238E27FC236}">
-                <a16:creationId xmlns:a16="http://schemas.microsoft.com/office/drawing/2014/main" id="{608DAC47-2B7B-6814-91EA-9D7EB709DC7A}"/>
+            <a:endParaRPr lang="en-US" dirty="0"/>
+          </a:p>
+        </p:txBody>
+      </p:sp>
+      <p:sp>
+        <p:nvSpPr>
+          <p:cNvPr id="3" name="Footer Placeholder 2">
+            <a:extLst>
+              <a:ext uri="{FF2B5EF4-FFF2-40B4-BE49-F238E27FC236}">
+                <a16:creationId xmlns:a16="http://schemas.microsoft.com/office/drawing/2014/main" id="{05915714-6BBA-4593-8591-4E26F7D58D9F}"/>
               </a:ext>
             </a:extLst>
           </p:cNvPr>
@@ -2091,16 +2332,16 @@
           <a:bodyPr/>
           <a:lstStyle/>
           <a:p>
-            <a:endParaRPr lang="de-DE"/>
-          </a:p>
-        </p:txBody>
-      </p:sp>
-      <p:sp>
-        <p:nvSpPr>
-          <p:cNvPr id="4" name="Foliennummernplatzhalter 3">
-            <a:extLst>
-              <a:ext uri="{FF2B5EF4-FFF2-40B4-BE49-F238E27FC236}">
-                <a16:creationId xmlns:a16="http://schemas.microsoft.com/office/drawing/2014/main" id="{6F38DAFD-83C4-A85C-342A-A238F6233E7E}"/>
+            <a:endParaRPr lang="en-US" dirty="0"/>
+          </a:p>
+        </p:txBody>
+      </p:sp>
+      <p:sp>
+        <p:nvSpPr>
+          <p:cNvPr id="4" name="Slide Number Placeholder 3">
+            <a:extLst>
+              <a:ext uri="{FF2B5EF4-FFF2-40B4-BE49-F238E27FC236}">
+                <a16:creationId xmlns:a16="http://schemas.microsoft.com/office/drawing/2014/main" id="{BE06F857-D2E1-44DD-ABDD-EBB739645B67}"/>
               </a:ext>
             </a:extLst>
           </p:cNvPr>
@@ -2116,18 +2357,18 @@
           <a:bodyPr/>
           <a:lstStyle/>
           <a:p>
-            <a:fld id="{9AF1CEBC-F116-45FB-9FEB-1F31E1BE982F}" type="slidenum">
-              <a:rPr lang="de-DE" smtClean="0"/>
+            <a:fld id="{3A98EE3D-8CD1-4C3F-BD1C-C98C9596463C}" type="slidenum">
+              <a:rPr lang="en-US" smtClean="0"/>
               <a:t>‹Nr.›</a:t>
             </a:fld>
-            <a:endParaRPr lang="de-DE"/>
+            <a:endParaRPr lang="en-US" dirty="0"/>
           </a:p>
         </p:txBody>
       </p:sp>
     </p:spTree>
     <p:extLst>
       <p:ext uri="{BB962C8B-B14F-4D97-AF65-F5344CB8AC3E}">
-        <p14:creationId xmlns:p14="http://schemas.microsoft.com/office/powerpoint/2010/main" val="3697958061"/>
+        <p14:creationId xmlns:p14="http://schemas.microsoft.com/office/powerpoint/2010/main" val="2615009879"/>
       </p:ext>
     </p:extLst>
   </p:cSld>
@@ -2138,8 +2379,8 @@
 </file>
 
 <file path=ppt/slideLayouts/slideLayout8.xml><?xml version="1.0" encoding="utf-8"?>
-<p:sldLayout xmlns:a="http://schemas.openxmlformats.org/drawingml/2006/main" xmlns:r="http://schemas.openxmlformats.org/officeDocument/2006/relationships" xmlns:p="http://schemas.openxmlformats.org/presentationml/2006/main" type="objTx" preserve="1">
-  <p:cSld name="Inhalt mit Überschrift">
+<p:sldLayout xmlns:a="http://schemas.openxmlformats.org/drawingml/2006/main" xmlns:r="http://schemas.openxmlformats.org/officeDocument/2006/relationships" xmlns:p="http://schemas.openxmlformats.org/presentationml/2006/main" showMasterSp="0" type="objTx" preserve="1">
+  <p:cSld name="Content with Caption">
     <p:spTree>
       <p:nvGrpSpPr>
         <p:cNvPr id="1" name=""/>
@@ -2156,13 +2397,51 @@
       </p:grpSpPr>
       <p:sp>
         <p:nvSpPr>
-          <p:cNvPr id="2" name="Titel 1">
-            <a:extLst>
-              <a:ext uri="{FF2B5EF4-FFF2-40B4-BE49-F238E27FC236}">
-                <a16:creationId xmlns:a16="http://schemas.microsoft.com/office/drawing/2014/main" id="{BF7883EA-4E72-6EED-B4D7-E191D9838536}"/>
-              </a:ext>
-            </a:extLst>
-          </p:cNvPr>
+          <p:cNvPr id="8" name="Rectangle 7">
+            <a:extLst>
+              <a:ext uri="{FF2B5EF4-FFF2-40B4-BE49-F238E27FC236}">
+                <a16:creationId xmlns:a16="http://schemas.microsoft.com/office/drawing/2014/main" id="{16D90D66-BCB9-4229-A829-628874352AC0}"/>
+              </a:ext>
+            </a:extLst>
+          </p:cNvPr>
+          <p:cNvSpPr/>
+          <p:nvPr/>
+        </p:nvSpPr>
+        <p:spPr>
+          <a:xfrm>
+            <a:off x="16" y="0"/>
+            <a:ext cx="4654296" cy="6858000"/>
+          </a:xfrm>
+          <a:prstGeom prst="rect">
+            <a:avLst/>
+          </a:prstGeom>
+          <a:solidFill>
+            <a:srgbClr val="262626"/>
+          </a:solidFill>
+          <a:ln>
+            <a:noFill/>
+          </a:ln>
+        </p:spPr>
+        <p:style>
+          <a:lnRef idx="2">
+            <a:schemeClr val="accent1">
+              <a:shade val="50000"/>
+            </a:schemeClr>
+          </a:lnRef>
+          <a:fillRef idx="1">
+            <a:schemeClr val="accent1"/>
+          </a:fillRef>
+          <a:effectRef idx="0">
+            <a:schemeClr val="accent1"/>
+          </a:effectRef>
+          <a:fontRef idx="minor">
+            <a:schemeClr val="lt1"/>
+          </a:fontRef>
+        </p:style>
+      </p:sp>
+      <p:sp>
+        <p:nvSpPr>
+          <p:cNvPr id="2" name="Title 1"/>
           <p:cNvSpPr>
             <a:spLocks noGrp="1"/>
           </p:cNvSpPr>
@@ -2172,34 +2451,38 @@
         </p:nvSpPr>
         <p:spPr>
           <a:xfrm>
-            <a:off x="839788" y="457200"/>
-            <a:ext cx="3932237" cy="1600200"/>
-          </a:xfrm>
-        </p:spPr>
-        <p:txBody>
-          <a:bodyPr anchor="b"/>
+            <a:off x="643466" y="786383"/>
+            <a:ext cx="3517567" cy="2093975"/>
+          </a:xfrm>
+        </p:spPr>
+        <p:txBody>
+          <a:bodyPr anchor="b">
+            <a:normAutofit/>
+          </a:bodyPr>
           <a:lstStyle>
             <a:lvl1pPr>
-              <a:defRPr sz="3200"/>
+              <a:lnSpc>
+                <a:spcPct val="90000"/>
+              </a:lnSpc>
+              <a:defRPr sz="3600" b="0">
+                <a:solidFill>
+                  <a:srgbClr val="FFFFFF"/>
+                </a:solidFill>
+              </a:defRPr>
             </a:lvl1pPr>
           </a:lstStyle>
           <a:p>
             <a:r>
-              <a:rPr lang="de-DE"/>
-              <a:t>Mastertitelformat bearbeiten</a:t>
-            </a:r>
-          </a:p>
-        </p:txBody>
-      </p:sp>
-      <p:sp>
-        <p:nvSpPr>
-          <p:cNvPr id="3" name="Inhaltsplatzhalter 2">
-            <a:extLst>
-              <a:ext uri="{FF2B5EF4-FFF2-40B4-BE49-F238E27FC236}">
-                <a16:creationId xmlns:a16="http://schemas.microsoft.com/office/drawing/2014/main" id="{D27DBFD0-F051-8869-FBD5-FC2DAFDB5840}"/>
-              </a:ext>
-            </a:extLst>
-          </p:cNvPr>
+              <a:rPr lang="en-US"/>
+              <a:t>Click to edit Master title style</a:t>
+            </a:r>
+            <a:endParaRPr lang="en-US" dirty="0"/>
+          </a:p>
+        </p:txBody>
+      </p:sp>
+      <p:sp>
+        <p:nvSpPr>
+          <p:cNvPr id="3" name="Content Placeholder 2"/>
           <p:cNvSpPr>
             <a:spLocks noGrp="1"/>
           </p:cNvSpPr>
@@ -2209,236 +2492,222 @@
         </p:nvSpPr>
         <p:spPr>
           <a:xfrm>
-            <a:off x="5183188" y="987425"/>
-            <a:ext cx="6172200" cy="4873625"/>
-          </a:xfrm>
-        </p:spPr>
+            <a:off x="5458984" y="812799"/>
+            <a:ext cx="5928344" cy="5294757"/>
+          </a:xfrm>
+        </p:spPr>
+        <p:txBody>
+          <a:bodyPr/>
+          <a:lstStyle/>
+          <a:p>
+            <a:pPr lvl="0"/>
+            <a:r>
+              <a:rPr lang="en-US"/>
+              <a:t>Click to edit Master text styles</a:t>
+            </a:r>
+          </a:p>
+          <a:p>
+            <a:pPr lvl="1"/>
+            <a:r>
+              <a:rPr lang="en-US"/>
+              <a:t>Second level</a:t>
+            </a:r>
+          </a:p>
+          <a:p>
+            <a:pPr lvl="2"/>
+            <a:r>
+              <a:rPr lang="en-US"/>
+              <a:t>Third level</a:t>
+            </a:r>
+          </a:p>
+          <a:p>
+            <a:pPr lvl="3"/>
+            <a:r>
+              <a:rPr lang="en-US"/>
+              <a:t>Fourth level</a:t>
+            </a:r>
+          </a:p>
+          <a:p>
+            <a:pPr lvl="4"/>
+            <a:r>
+              <a:rPr lang="en-US"/>
+              <a:t>Fifth level</a:t>
+            </a:r>
+            <a:endParaRPr lang="en-US" dirty="0"/>
+          </a:p>
+        </p:txBody>
+      </p:sp>
+      <p:sp>
+        <p:nvSpPr>
+          <p:cNvPr id="4" name="Text Placeholder 3"/>
+          <p:cNvSpPr>
+            <a:spLocks noGrp="1"/>
+          </p:cNvSpPr>
+          <p:nvPr>
+            <p:ph type="body" sz="half" idx="2"/>
+          </p:nvPr>
+        </p:nvSpPr>
+        <p:spPr>
+          <a:xfrm>
+            <a:off x="643465" y="3043050"/>
+            <a:ext cx="3517567" cy="3064505"/>
+          </a:xfrm>
+        </p:spPr>
+        <p:txBody>
+          <a:bodyPr lIns="91440" rIns="91440">
+            <a:normAutofit/>
+          </a:bodyPr>
+          <a:lstStyle>
+            <a:lvl1pPr marL="0" indent="0">
+              <a:buNone/>
+              <a:defRPr sz="1800">
+                <a:solidFill>
+                  <a:srgbClr val="FFFFFF"/>
+                </a:solidFill>
+              </a:defRPr>
+            </a:lvl1pPr>
+            <a:lvl2pPr marL="457200" indent="0">
+              <a:buNone/>
+              <a:defRPr sz="1200"/>
+            </a:lvl2pPr>
+            <a:lvl3pPr marL="914400" indent="0">
+              <a:buNone/>
+              <a:defRPr sz="1000"/>
+            </a:lvl3pPr>
+            <a:lvl4pPr marL="1371600" indent="0">
+              <a:buNone/>
+              <a:defRPr sz="900"/>
+            </a:lvl4pPr>
+            <a:lvl5pPr marL="1828800" indent="0">
+              <a:buNone/>
+              <a:defRPr sz="900"/>
+            </a:lvl5pPr>
+            <a:lvl6pPr marL="2286000" indent="0">
+              <a:buNone/>
+              <a:defRPr sz="900"/>
+            </a:lvl6pPr>
+            <a:lvl7pPr marL="2743200" indent="0">
+              <a:buNone/>
+              <a:defRPr sz="900"/>
+            </a:lvl7pPr>
+            <a:lvl8pPr marL="3200400" indent="0">
+              <a:buNone/>
+              <a:defRPr sz="900"/>
+            </a:lvl8pPr>
+            <a:lvl9pPr marL="3657600" indent="0">
+              <a:buNone/>
+              <a:defRPr sz="900"/>
+            </a:lvl9pPr>
+          </a:lstStyle>
+          <a:p>
+            <a:pPr lvl="0"/>
+            <a:r>
+              <a:rPr lang="en-US"/>
+              <a:t>Click to edit Master text styles</a:t>
+            </a:r>
+          </a:p>
+        </p:txBody>
+      </p:sp>
+      <p:sp>
+        <p:nvSpPr>
+          <p:cNvPr id="5" name="Date Placeholder 4"/>
+          <p:cNvSpPr>
+            <a:spLocks noGrp="1"/>
+          </p:cNvSpPr>
+          <p:nvPr>
+            <p:ph type="dt" sz="half" idx="10"/>
+          </p:nvPr>
+        </p:nvSpPr>
+        <p:spPr>
+          <a:xfrm>
+            <a:off x="643464" y="6446520"/>
+            <a:ext cx="3517568" cy="365125"/>
+          </a:xfrm>
+        </p:spPr>
+        <p:txBody>
+          <a:bodyPr/>
+          <a:lstStyle>
+            <a:lvl1pPr algn="l">
+              <a:defRPr/>
+            </a:lvl1pPr>
+          </a:lstStyle>
+          <a:p>
+            <a:fld id="{92BEA474-078D-4E9B-9B14-09A87B19DC46}" type="datetime1">
+              <a:rPr lang="en-US" smtClean="0"/>
+              <a:t>10/8/2023</a:t>
+            </a:fld>
+            <a:endParaRPr lang="en-US" dirty="0"/>
+          </a:p>
+        </p:txBody>
+      </p:sp>
+      <p:sp>
+        <p:nvSpPr>
+          <p:cNvPr id="6" name="Footer Placeholder 5"/>
+          <p:cNvSpPr>
+            <a:spLocks noGrp="1"/>
+          </p:cNvSpPr>
+          <p:nvPr>
+            <p:ph type="ftr" sz="quarter" idx="11"/>
+          </p:nvPr>
+        </p:nvSpPr>
+        <p:spPr>
+          <a:xfrm>
+            <a:off x="5458983" y="6446520"/>
+            <a:ext cx="5334019" cy="365125"/>
+          </a:xfrm>
+        </p:spPr>
+        <p:txBody>
+          <a:bodyPr/>
+          <a:lstStyle>
+            <a:lvl1pPr algn="l">
+              <a:defRPr>
+                <a:solidFill>
+                  <a:schemeClr val="tx2"/>
+                </a:solidFill>
+              </a:defRPr>
+            </a:lvl1pPr>
+          </a:lstStyle>
+          <a:p>
+            <a:endParaRPr lang="en-US" dirty="0"/>
+          </a:p>
+        </p:txBody>
+      </p:sp>
+      <p:sp>
+        <p:nvSpPr>
+          <p:cNvPr id="7" name="Slide Number Placeholder 6"/>
+          <p:cNvSpPr>
+            <a:spLocks noGrp="1"/>
+          </p:cNvSpPr>
+          <p:nvPr>
+            <p:ph type="sldNum" sz="quarter" idx="12"/>
+          </p:nvPr>
+        </p:nvSpPr>
+        <p:spPr/>
         <p:txBody>
           <a:bodyPr/>
           <a:lstStyle>
             <a:lvl1pPr>
-              <a:defRPr sz="3200"/>
+              <a:defRPr>
+                <a:solidFill>
+                  <a:schemeClr val="tx2"/>
+                </a:solidFill>
+              </a:defRPr>
             </a:lvl1pPr>
-            <a:lvl2pPr>
-              <a:defRPr sz="2800"/>
-            </a:lvl2pPr>
-            <a:lvl3pPr>
-              <a:defRPr sz="2400"/>
-            </a:lvl3pPr>
-            <a:lvl4pPr>
-              <a:defRPr sz="2000"/>
-            </a:lvl4pPr>
-            <a:lvl5pPr>
-              <a:defRPr sz="2000"/>
-            </a:lvl5pPr>
-            <a:lvl6pPr>
-              <a:defRPr sz="2000"/>
-            </a:lvl6pPr>
-            <a:lvl7pPr>
-              <a:defRPr sz="2000"/>
-            </a:lvl7pPr>
-            <a:lvl8pPr>
-              <a:defRPr sz="2000"/>
-            </a:lvl8pPr>
-            <a:lvl9pPr>
-              <a:defRPr sz="2000"/>
-            </a:lvl9pPr>
           </a:lstStyle>
           <a:p>
-            <a:pPr lvl="0"/>
-            <a:r>
-              <a:rPr lang="de-DE"/>
-              <a:t>Mastertextformat bearbeiten</a:t>
-            </a:r>
-          </a:p>
-          <a:p>
-            <a:pPr lvl="1"/>
-            <a:r>
-              <a:rPr lang="de-DE"/>
-              <a:t>Zweite Ebene</a:t>
-            </a:r>
-          </a:p>
-          <a:p>
-            <a:pPr lvl="2"/>
-            <a:r>
-              <a:rPr lang="de-DE"/>
-              <a:t>Dritte Ebene</a:t>
-            </a:r>
-          </a:p>
-          <a:p>
-            <a:pPr lvl="3"/>
-            <a:r>
-              <a:rPr lang="de-DE"/>
-              <a:t>Vierte Ebene</a:t>
-            </a:r>
-          </a:p>
-          <a:p>
-            <a:pPr lvl="4"/>
-            <a:r>
-              <a:rPr lang="de-DE"/>
-              <a:t>Fünfte Ebene</a:t>
-            </a:r>
-          </a:p>
-        </p:txBody>
-      </p:sp>
-      <p:sp>
-        <p:nvSpPr>
-          <p:cNvPr id="4" name="Textplatzhalter 3">
-            <a:extLst>
-              <a:ext uri="{FF2B5EF4-FFF2-40B4-BE49-F238E27FC236}">
-                <a16:creationId xmlns:a16="http://schemas.microsoft.com/office/drawing/2014/main" id="{97FC2A9D-8121-8AD5-3CB9-36C0DEB73D99}"/>
-              </a:ext>
-            </a:extLst>
-          </p:cNvPr>
-          <p:cNvSpPr>
-            <a:spLocks noGrp="1"/>
-          </p:cNvSpPr>
-          <p:nvPr>
-            <p:ph type="body" sz="half" idx="2"/>
-          </p:nvPr>
-        </p:nvSpPr>
-        <p:spPr>
-          <a:xfrm>
-            <a:off x="839788" y="2057400"/>
-            <a:ext cx="3932237" cy="3811588"/>
-          </a:xfrm>
-        </p:spPr>
-        <p:txBody>
-          <a:bodyPr/>
-          <a:lstStyle>
-            <a:lvl1pPr marL="0" indent="0">
-              <a:buNone/>
-              <a:defRPr sz="1600"/>
-            </a:lvl1pPr>
-            <a:lvl2pPr marL="457200" indent="0">
-              <a:buNone/>
-              <a:defRPr sz="1400"/>
-            </a:lvl2pPr>
-            <a:lvl3pPr marL="914400" indent="0">
-              <a:buNone/>
-              <a:defRPr sz="1200"/>
-            </a:lvl3pPr>
-            <a:lvl4pPr marL="1371600" indent="0">
-              <a:buNone/>
-              <a:defRPr sz="1000"/>
-            </a:lvl4pPr>
-            <a:lvl5pPr marL="1828800" indent="0">
-              <a:buNone/>
-              <a:defRPr sz="1000"/>
-            </a:lvl5pPr>
-            <a:lvl6pPr marL="2286000" indent="0">
-              <a:buNone/>
-              <a:defRPr sz="1000"/>
-            </a:lvl6pPr>
-            <a:lvl7pPr marL="2743200" indent="0">
-              <a:buNone/>
-              <a:defRPr sz="1000"/>
-            </a:lvl7pPr>
-            <a:lvl8pPr marL="3200400" indent="0">
-              <a:buNone/>
-              <a:defRPr sz="1000"/>
-            </a:lvl8pPr>
-            <a:lvl9pPr marL="3657600" indent="0">
-              <a:buNone/>
-              <a:defRPr sz="1000"/>
-            </a:lvl9pPr>
-          </a:lstStyle>
-          <a:p>
-            <a:pPr lvl="0"/>
-            <a:r>
-              <a:rPr lang="de-DE"/>
-              <a:t>Mastertextformat bearbeiten</a:t>
-            </a:r>
-          </a:p>
-        </p:txBody>
-      </p:sp>
-      <p:sp>
-        <p:nvSpPr>
-          <p:cNvPr id="5" name="Datumsplatzhalter 4">
-            <a:extLst>
-              <a:ext uri="{FF2B5EF4-FFF2-40B4-BE49-F238E27FC236}">
-                <a16:creationId xmlns:a16="http://schemas.microsoft.com/office/drawing/2014/main" id="{BF313D9A-0467-F01F-6241-83C918BF24A8}"/>
-              </a:ext>
-            </a:extLst>
-          </p:cNvPr>
-          <p:cNvSpPr>
-            <a:spLocks noGrp="1"/>
-          </p:cNvSpPr>
-          <p:nvPr>
-            <p:ph type="dt" sz="half" idx="10"/>
-          </p:nvPr>
-        </p:nvSpPr>
-        <p:spPr/>
-        <p:txBody>
-          <a:bodyPr/>
-          <a:lstStyle/>
-          <a:p>
-            <a:fld id="{2B259D46-872D-4A89-8885-B0C4C19F3FCF}" type="datetimeFigureOut">
-              <a:rPr lang="de-DE" smtClean="0"/>
-              <a:t>06.10.2023</a:t>
-            </a:fld>
-            <a:endParaRPr lang="de-DE"/>
-          </a:p>
-        </p:txBody>
-      </p:sp>
-      <p:sp>
-        <p:nvSpPr>
-          <p:cNvPr id="6" name="Fußzeilenplatzhalter 5">
-            <a:extLst>
-              <a:ext uri="{FF2B5EF4-FFF2-40B4-BE49-F238E27FC236}">
-                <a16:creationId xmlns:a16="http://schemas.microsoft.com/office/drawing/2014/main" id="{BDC64BD0-B0AA-6EB6-3E1C-0C0097E62CF6}"/>
-              </a:ext>
-            </a:extLst>
-          </p:cNvPr>
-          <p:cNvSpPr>
-            <a:spLocks noGrp="1"/>
-          </p:cNvSpPr>
-          <p:nvPr>
-            <p:ph type="ftr" sz="quarter" idx="11"/>
-          </p:nvPr>
-        </p:nvSpPr>
-        <p:spPr/>
-        <p:txBody>
-          <a:bodyPr/>
-          <a:lstStyle/>
-          <a:p>
-            <a:endParaRPr lang="de-DE"/>
-          </a:p>
-        </p:txBody>
-      </p:sp>
-      <p:sp>
-        <p:nvSpPr>
-          <p:cNvPr id="7" name="Foliennummernplatzhalter 6">
-            <a:extLst>
-              <a:ext uri="{FF2B5EF4-FFF2-40B4-BE49-F238E27FC236}">
-                <a16:creationId xmlns:a16="http://schemas.microsoft.com/office/drawing/2014/main" id="{23B71B8F-F582-B1D5-2641-FE56BCF3F2B9}"/>
-              </a:ext>
-            </a:extLst>
-          </p:cNvPr>
-          <p:cNvSpPr>
-            <a:spLocks noGrp="1"/>
-          </p:cNvSpPr>
-          <p:nvPr>
-            <p:ph type="sldNum" sz="quarter" idx="12"/>
-          </p:nvPr>
-        </p:nvSpPr>
-        <p:spPr/>
-        <p:txBody>
-          <a:bodyPr/>
-          <a:lstStyle/>
-          <a:p>
-            <a:fld id="{9AF1CEBC-F116-45FB-9FEB-1F31E1BE982F}" type="slidenum">
-              <a:rPr lang="de-DE" smtClean="0"/>
+            <a:fld id="{3A98EE3D-8CD1-4C3F-BD1C-C98C9596463C}" type="slidenum">
+              <a:rPr lang="en-US" smtClean="0"/>
+              <a:pPr/>
               <a:t>‹Nr.›</a:t>
             </a:fld>
-            <a:endParaRPr lang="de-DE"/>
+            <a:endParaRPr lang="en-US" dirty="0"/>
           </a:p>
         </p:txBody>
       </p:sp>
     </p:spTree>
     <p:extLst>
       <p:ext uri="{BB962C8B-B14F-4D97-AF65-F5344CB8AC3E}">
-        <p14:creationId xmlns:p14="http://schemas.microsoft.com/office/powerpoint/2010/main" val="3811592074"/>
+        <p14:creationId xmlns:p14="http://schemas.microsoft.com/office/powerpoint/2010/main" val="3961119038"/>
       </p:ext>
     </p:extLst>
   </p:cSld>
@@ -2449,8 +2718,8 @@
 </file>
 
 <file path=ppt/slideLayouts/slideLayout9.xml><?xml version="1.0" encoding="utf-8"?>
-<p:sldLayout xmlns:a="http://schemas.openxmlformats.org/drawingml/2006/main" xmlns:r="http://schemas.openxmlformats.org/officeDocument/2006/relationships" xmlns:p="http://schemas.openxmlformats.org/presentationml/2006/main" type="picTx" preserve="1">
-  <p:cSld name="Bild mit Überschrift">
+<p:sldLayout xmlns:a="http://schemas.openxmlformats.org/drawingml/2006/main" xmlns:r="http://schemas.openxmlformats.org/officeDocument/2006/relationships" xmlns:p="http://schemas.openxmlformats.org/presentationml/2006/main" showMasterSp="0" type="picTx" preserve="1">
+  <p:cSld name="Picture with Caption">
     <p:spTree>
       <p:nvGrpSpPr>
         <p:cNvPr id="1" name=""/>
@@ -2467,52 +2736,53 @@
       </p:grpSpPr>
       <p:sp>
         <p:nvSpPr>
-          <p:cNvPr id="2" name="Titel 1">
-            <a:extLst>
-              <a:ext uri="{FF2B5EF4-FFF2-40B4-BE49-F238E27FC236}">
-                <a16:creationId xmlns:a16="http://schemas.microsoft.com/office/drawing/2014/main" id="{067D9933-A0DD-EAC2-C495-A853B979454C}"/>
-              </a:ext>
-            </a:extLst>
-          </p:cNvPr>
-          <p:cNvSpPr>
-            <a:spLocks noGrp="1"/>
-          </p:cNvSpPr>
-          <p:nvPr>
-            <p:ph type="title"/>
-          </p:nvPr>
-        </p:nvSpPr>
-        <p:spPr>
-          <a:xfrm>
-            <a:off x="839788" y="457200"/>
-            <a:ext cx="3932237" cy="1600200"/>
-          </a:xfrm>
-        </p:spPr>
-        <p:txBody>
-          <a:bodyPr anchor="b"/>
-          <a:lstStyle>
-            <a:lvl1pPr>
-              <a:defRPr sz="3200"/>
-            </a:lvl1pPr>
-          </a:lstStyle>
-          <a:p>
-            <a:r>
-              <a:rPr lang="de-DE"/>
-              <a:t>Mastertitelformat bearbeiten</a:t>
-            </a:r>
-          </a:p>
-        </p:txBody>
-      </p:sp>
-      <p:sp>
-        <p:nvSpPr>
-          <p:cNvPr id="3" name="Bildplatzhalter 2">
-            <a:extLst>
-              <a:ext uri="{FF2B5EF4-FFF2-40B4-BE49-F238E27FC236}">
-                <a16:creationId xmlns:a16="http://schemas.microsoft.com/office/drawing/2014/main" id="{1BA2E78F-573D-5BBA-68A6-2DED51519CA9}"/>
-              </a:ext>
-            </a:extLst>
-          </p:cNvPr>
-          <p:cNvSpPr>
-            <a:spLocks noGrp="1"/>
+          <p:cNvPr id="8" name="Rectangle 7">
+            <a:extLst>
+              <a:ext uri="{FF2B5EF4-FFF2-40B4-BE49-F238E27FC236}">
+                <a16:creationId xmlns:a16="http://schemas.microsoft.com/office/drawing/2014/main" id="{DA134939-39C0-4522-A125-A13DFDA66490}"/>
+              </a:ext>
+            </a:extLst>
+          </p:cNvPr>
+          <p:cNvSpPr/>
+          <p:nvPr/>
+        </p:nvSpPr>
+        <p:spPr>
+          <a:xfrm>
+            <a:off x="0" y="4578350"/>
+            <a:ext cx="12188825" cy="2279650"/>
+          </a:xfrm>
+          <a:prstGeom prst="rect">
+            <a:avLst/>
+          </a:prstGeom>
+          <a:solidFill>
+            <a:srgbClr val="262626"/>
+          </a:solidFill>
+          <a:ln>
+            <a:noFill/>
+          </a:ln>
+        </p:spPr>
+        <p:style>
+          <a:lnRef idx="2">
+            <a:schemeClr val="accent1">
+              <a:shade val="50000"/>
+            </a:schemeClr>
+          </a:lnRef>
+          <a:fillRef idx="1">
+            <a:schemeClr val="accent1"/>
+          </a:fillRef>
+          <a:effectRef idx="0">
+            <a:schemeClr val="accent1"/>
+          </a:effectRef>
+          <a:fontRef idx="minor">
+            <a:schemeClr val="lt1"/>
+          </a:fontRef>
+        </p:style>
+      </p:sp>
+      <p:sp>
+        <p:nvSpPr>
+          <p:cNvPr id="3" name="Picture Placeholder 2"/>
+          <p:cNvSpPr>
+            <a:spLocks noGrp="1" noChangeAspect="1"/>
           </p:cNvSpPr>
           <p:nvPr>
             <p:ph type="pic" idx="1"/>
@@ -2520,12 +2790,17 @@
         </p:nvSpPr>
         <p:spPr>
           <a:xfrm>
-            <a:off x="5183188" y="987425"/>
-            <a:ext cx="6172200" cy="4873625"/>
-          </a:xfrm>
-        </p:spPr>
-        <p:txBody>
-          <a:bodyPr/>
+            <a:off x="15" y="0"/>
+            <a:ext cx="12191985" cy="4578350"/>
+          </a:xfrm>
+          <a:solidFill>
+            <a:schemeClr val="bg1">
+              <a:lumMod val="85000"/>
+            </a:schemeClr>
+          </a:solidFill>
+        </p:spPr>
+        <p:txBody>
+          <a:bodyPr lIns="457200" tIns="457200" anchor="t"/>
           <a:lstStyle>
             <a:lvl1pPr marL="0" indent="0">
               <a:buNone/>
@@ -2565,19 +2840,55 @@
             </a:lvl9pPr>
           </a:lstStyle>
           <a:p>
-            <a:endParaRPr lang="de-DE"/>
-          </a:p>
-        </p:txBody>
-      </p:sp>
-      <p:sp>
-        <p:nvSpPr>
-          <p:cNvPr id="4" name="Textplatzhalter 3">
-            <a:extLst>
-              <a:ext uri="{FF2B5EF4-FFF2-40B4-BE49-F238E27FC236}">
-                <a16:creationId xmlns:a16="http://schemas.microsoft.com/office/drawing/2014/main" id="{206F351D-B3F9-0848-6F88-6C91588D2B47}"/>
-              </a:ext>
-            </a:extLst>
-          </p:cNvPr>
+            <a:r>
+              <a:rPr lang="en-US"/>
+              <a:t>Click icon to add picture</a:t>
+            </a:r>
+            <a:endParaRPr lang="en-US" dirty="0"/>
+          </a:p>
+        </p:txBody>
+      </p:sp>
+      <p:sp>
+        <p:nvSpPr>
+          <p:cNvPr id="2" name="Title 1"/>
+          <p:cNvSpPr>
+            <a:spLocks noGrp="1"/>
+          </p:cNvSpPr>
+          <p:nvPr>
+            <p:ph type="title"/>
+          </p:nvPr>
+        </p:nvSpPr>
+        <p:spPr>
+          <a:xfrm>
+            <a:off x="1097279" y="4799362"/>
+            <a:ext cx="10113645" cy="743682"/>
+          </a:xfrm>
+        </p:spPr>
+        <p:txBody>
+          <a:bodyPr tIns="0" bIns="0" anchor="b">
+            <a:noAutofit/>
+          </a:bodyPr>
+          <a:lstStyle>
+            <a:lvl1pPr>
+              <a:defRPr sz="3600" b="0">
+                <a:solidFill>
+                  <a:srgbClr val="FFFFFF"/>
+                </a:solidFill>
+              </a:defRPr>
+            </a:lvl1pPr>
+          </a:lstStyle>
+          <a:p>
+            <a:r>
+              <a:rPr lang="en-US"/>
+              <a:t>Click to edit Master title style</a:t>
+            </a:r>
+            <a:endParaRPr lang="en-US" dirty="0"/>
+          </a:p>
+        </p:txBody>
+      </p:sp>
+      <p:sp>
+        <p:nvSpPr>
+          <p:cNvPr id="4" name="Text Placeholder 3"/>
           <p:cNvSpPr>
             <a:spLocks noGrp="1"/>
           </p:cNvSpPr>
@@ -2587,68 +2898,74 @@
         </p:nvSpPr>
         <p:spPr>
           <a:xfrm>
-            <a:off x="839788" y="2057400"/>
-            <a:ext cx="3932237" cy="3811588"/>
-          </a:xfrm>
-        </p:spPr>
-        <p:txBody>
-          <a:bodyPr/>
+            <a:off x="1097279" y="5715000"/>
+            <a:ext cx="10113264" cy="609600"/>
+          </a:xfrm>
+        </p:spPr>
+        <p:txBody>
+          <a:bodyPr lIns="91440" tIns="0" rIns="91440" bIns="0">
+            <a:normAutofit/>
+          </a:bodyPr>
           <a:lstStyle>
             <a:lvl1pPr marL="0" indent="0">
+              <a:spcBef>
+                <a:spcPts val="0"/>
+              </a:spcBef>
+              <a:spcAft>
+                <a:spcPts val="600"/>
+              </a:spcAft>
               <a:buNone/>
-              <a:defRPr sz="1600"/>
+              <a:defRPr sz="1800">
+                <a:solidFill>
+                  <a:srgbClr val="FFFFFF"/>
+                </a:solidFill>
+              </a:defRPr>
             </a:lvl1pPr>
             <a:lvl2pPr marL="457200" indent="0">
               <a:buNone/>
-              <a:defRPr sz="1400"/>
+              <a:defRPr sz="1200"/>
             </a:lvl2pPr>
             <a:lvl3pPr marL="914400" indent="0">
               <a:buNone/>
-              <a:defRPr sz="1200"/>
+              <a:defRPr sz="1000"/>
             </a:lvl3pPr>
             <a:lvl4pPr marL="1371600" indent="0">
               <a:buNone/>
-              <a:defRPr sz="1000"/>
+              <a:defRPr sz="900"/>
             </a:lvl4pPr>
             <a:lvl5pPr marL="1828800" indent="0">
               <a:buNone/>
-              <a:defRPr sz="1000"/>
+              <a:defRPr sz="900"/>
             </a:lvl5pPr>
             <a:lvl6pPr marL="2286000" indent="0">
               <a:buNone/>
-              <a:defRPr sz="1000"/>
+              <a:defRPr sz="900"/>
             </a:lvl6pPr>
             <a:lvl7pPr marL="2743200" indent="0">
               <a:buNone/>
-              <a:defRPr sz="1000"/>
+              <a:defRPr sz="900"/>
             </a:lvl7pPr>
             <a:lvl8pPr marL="3200400" indent="0">
               <a:buNone/>
-              <a:defRPr sz="1000"/>
+              <a:defRPr sz="900"/>
             </a:lvl8pPr>
             <a:lvl9pPr marL="3657600" indent="0">
               <a:buNone/>
-              <a:defRPr sz="1000"/>
+              <a:defRPr sz="900"/>
             </a:lvl9pPr>
           </a:lstStyle>
           <a:p>
             <a:pPr lvl="0"/>
             <a:r>
-              <a:rPr lang="de-DE"/>
-              <a:t>Mastertextformat bearbeiten</a:t>
-            </a:r>
-          </a:p>
-        </p:txBody>
-      </p:sp>
-      <p:sp>
-        <p:nvSpPr>
-          <p:cNvPr id="5" name="Datumsplatzhalter 4">
-            <a:extLst>
-              <a:ext uri="{FF2B5EF4-FFF2-40B4-BE49-F238E27FC236}">
-                <a16:creationId xmlns:a16="http://schemas.microsoft.com/office/drawing/2014/main" id="{34075074-2784-4CC5-1D7A-A3D063C4D2F0}"/>
-              </a:ext>
-            </a:extLst>
-          </p:cNvPr>
+              <a:rPr lang="en-US"/>
+              <a:t>Click to edit Master text styles</a:t>
+            </a:r>
+          </a:p>
+        </p:txBody>
+      </p:sp>
+      <p:sp>
+        <p:nvSpPr>
+          <p:cNvPr id="5" name="Date Placeholder 4"/>
           <p:cNvSpPr>
             <a:spLocks noGrp="1"/>
           </p:cNvSpPr>
@@ -2657,32 +2974,55 @@
           </p:nvPr>
         </p:nvSpPr>
         <p:spPr/>
+        <p:txBody>
+          <a:bodyPr/>
+          <a:lstStyle>
+            <a:lvl1pPr>
+              <a:defRPr/>
+            </a:lvl1pPr>
+          </a:lstStyle>
+          <a:p>
+            <a:fld id="{4907D986-8816-4272-A432-0437A28A9828}" type="datetime1">
+              <a:rPr lang="en-US" smtClean="0"/>
+              <a:t>10/8/2023</a:t>
+            </a:fld>
+            <a:endParaRPr lang="en-US" dirty="0"/>
+          </a:p>
+        </p:txBody>
+      </p:sp>
+      <p:sp>
+        <p:nvSpPr>
+          <p:cNvPr id="6" name="Footer Placeholder 5"/>
+          <p:cNvSpPr>
+            <a:spLocks noGrp="1"/>
+          </p:cNvSpPr>
+          <p:nvPr>
+            <p:ph type="ftr" sz="quarter" idx="11"/>
+          </p:nvPr>
+        </p:nvSpPr>
+        <p:spPr>
+          <a:xfrm>
+            <a:off x="1097279" y="6446838"/>
+            <a:ext cx="6818262" cy="365125"/>
+          </a:xfrm>
+        </p:spPr>
         <p:txBody>
           <a:bodyPr/>
           <a:lstStyle/>
           <a:p>
-            <a:fld id="{2B259D46-872D-4A89-8885-B0C4C19F3FCF}" type="datetimeFigureOut">
-              <a:rPr lang="de-DE" smtClean="0"/>
-              <a:t>06.10.2023</a:t>
-            </a:fld>
-            <a:endParaRPr lang="de-DE"/>
-          </a:p>
-        </p:txBody>
-      </p:sp>
-      <p:sp>
-        <p:nvSpPr>
-          <p:cNvPr id="6" name="Fußzeilenplatzhalter 5">
-            <a:extLst>
-              <a:ext uri="{FF2B5EF4-FFF2-40B4-BE49-F238E27FC236}">
-                <a16:creationId xmlns:a16="http://schemas.microsoft.com/office/drawing/2014/main" id="{56808AC4-9C96-00AA-4DF2-389DCA246E3D}"/>
-              </a:ext>
-            </a:extLst>
-          </p:cNvPr>
-          <p:cNvSpPr>
-            <a:spLocks noGrp="1"/>
-          </p:cNvSpPr>
-          <p:nvPr>
-            <p:ph type="ftr" sz="quarter" idx="11"/>
+            <a:pPr algn="l"/>
+            <a:endParaRPr lang="en-US" dirty="0"/>
+          </a:p>
+        </p:txBody>
+      </p:sp>
+      <p:sp>
+        <p:nvSpPr>
+          <p:cNvPr id="7" name="Slide Number Placeholder 6"/>
+          <p:cNvSpPr>
+            <a:spLocks noGrp="1"/>
+          </p:cNvSpPr>
+          <p:nvPr>
+            <p:ph type="sldNum" sz="quarter" idx="12"/>
           </p:nvPr>
         </p:nvSpPr>
         <p:spPr/>
@@ -2690,43 +3030,18 @@
           <a:bodyPr/>
           <a:lstStyle/>
           <a:p>
-            <a:endParaRPr lang="de-DE"/>
-          </a:p>
-        </p:txBody>
-      </p:sp>
-      <p:sp>
-        <p:nvSpPr>
-          <p:cNvPr id="7" name="Foliennummernplatzhalter 6">
-            <a:extLst>
-              <a:ext uri="{FF2B5EF4-FFF2-40B4-BE49-F238E27FC236}">
-                <a16:creationId xmlns:a16="http://schemas.microsoft.com/office/drawing/2014/main" id="{A1783874-F353-5D6E-E44F-EE2F1A74F9B6}"/>
-              </a:ext>
-            </a:extLst>
-          </p:cNvPr>
-          <p:cNvSpPr>
-            <a:spLocks noGrp="1"/>
-          </p:cNvSpPr>
-          <p:nvPr>
-            <p:ph type="sldNum" sz="quarter" idx="12"/>
-          </p:nvPr>
-        </p:nvSpPr>
-        <p:spPr/>
-        <p:txBody>
-          <a:bodyPr/>
-          <a:lstStyle/>
-          <a:p>
-            <a:fld id="{9AF1CEBC-F116-45FB-9FEB-1F31E1BE982F}" type="slidenum">
-              <a:rPr lang="de-DE" smtClean="0"/>
+            <a:fld id="{3A98EE3D-8CD1-4C3F-BD1C-C98C9596463C}" type="slidenum">
+              <a:rPr lang="en-US" smtClean="0"/>
               <a:t>‹Nr.›</a:t>
             </a:fld>
-            <a:endParaRPr lang="de-DE"/>
+            <a:endParaRPr lang="en-US" dirty="0"/>
           </a:p>
         </p:txBody>
       </p:sp>
     </p:spTree>
     <p:extLst>
       <p:ext uri="{BB962C8B-B14F-4D97-AF65-F5344CB8AC3E}">
-        <p14:creationId xmlns:p14="http://schemas.microsoft.com/office/powerpoint/2010/main" val="3592906694"/>
+        <p14:creationId xmlns:p14="http://schemas.microsoft.com/office/powerpoint/2010/main" val="4251056451"/>
       </p:ext>
     </p:extLst>
   </p:cSld>
@@ -2760,51 +3075,84 @@
       </p:grpSpPr>
       <p:sp>
         <p:nvSpPr>
-          <p:cNvPr id="2" name="Titelplatzhalter 1">
-            <a:extLst>
-              <a:ext uri="{FF2B5EF4-FFF2-40B4-BE49-F238E27FC236}">
-                <a16:creationId xmlns:a16="http://schemas.microsoft.com/office/drawing/2014/main" id="{19B2B6C6-3295-DA24-5A7F-114AC8C4300C}"/>
-              </a:ext>
-            </a:extLst>
-          </p:cNvPr>
-          <p:cNvSpPr>
-            <a:spLocks noGrp="1"/>
-          </p:cNvSpPr>
-          <p:nvPr>
-            <p:ph type="title"/>
-          </p:nvPr>
-        </p:nvSpPr>
-        <p:spPr>
-          <a:xfrm>
-            <a:off x="838200" y="365125"/>
-            <a:ext cx="10515600" cy="1325563"/>
+          <p:cNvPr id="7" name="Rectangle 6">
+            <a:extLst>
+              <a:ext uri="{FF2B5EF4-FFF2-40B4-BE49-F238E27FC236}">
+                <a16:creationId xmlns:a16="http://schemas.microsoft.com/office/drawing/2014/main" id="{416A0E3C-60E6-4F39-BC55-5F7C224E1F7C}"/>
+              </a:ext>
+            </a:extLst>
+          </p:cNvPr>
+          <p:cNvSpPr/>
+          <p:nvPr/>
+        </p:nvSpPr>
+        <p:spPr>
+          <a:xfrm>
+            <a:off x="3175" y="6400800"/>
+            <a:ext cx="12188825" cy="457200"/>
           </a:xfrm>
           <a:prstGeom prst="rect">
             <a:avLst/>
           </a:prstGeom>
-        </p:spPr>
-        <p:txBody>
-          <a:bodyPr vert="horz" lIns="91440" tIns="45720" rIns="91440" bIns="45720" rtlCol="0" anchor="ctr">
+          <a:solidFill>
+            <a:srgbClr val="262626"/>
+          </a:solidFill>
+          <a:ln>
+            <a:noFill/>
+          </a:ln>
+        </p:spPr>
+        <p:style>
+          <a:lnRef idx="2">
+            <a:schemeClr val="accent1">
+              <a:shade val="50000"/>
+            </a:schemeClr>
+          </a:lnRef>
+          <a:fillRef idx="1">
+            <a:schemeClr val="accent1"/>
+          </a:fillRef>
+          <a:effectRef idx="0">
+            <a:schemeClr val="accent1"/>
+          </a:effectRef>
+          <a:fontRef idx="minor">
+            <a:schemeClr val="lt1"/>
+          </a:fontRef>
+        </p:style>
+      </p:sp>
+      <p:sp>
+        <p:nvSpPr>
+          <p:cNvPr id="2" name="Title Placeholder 1"/>
+          <p:cNvSpPr>
+            <a:spLocks noGrp="1"/>
+          </p:cNvSpPr>
+          <p:nvPr>
+            <p:ph type="title"/>
+          </p:nvPr>
+        </p:nvSpPr>
+        <p:spPr>
+          <a:xfrm>
+            <a:off x="1097280" y="286603"/>
+            <a:ext cx="10058400" cy="1450757"/>
+          </a:xfrm>
+          <a:prstGeom prst="rect">
+            <a:avLst/>
+          </a:prstGeom>
+        </p:spPr>
+        <p:txBody>
+          <a:bodyPr vert="horz" lIns="91440" tIns="45720" rIns="91440" bIns="45720" rtlCol="0" anchor="b">
             <a:normAutofit/>
           </a:bodyPr>
           <a:lstStyle/>
           <a:p>
             <a:r>
-              <a:rPr lang="de-DE"/>
-              <a:t>Mastertitelformat bearbeiten</a:t>
-            </a:r>
-          </a:p>
-        </p:txBody>
-      </p:sp>
-      <p:sp>
-        <p:nvSpPr>
-          <p:cNvPr id="3" name="Textplatzhalter 2">
-            <a:extLst>
-              <a:ext uri="{FF2B5EF4-FFF2-40B4-BE49-F238E27FC236}">
-                <a16:creationId xmlns:a16="http://schemas.microsoft.com/office/drawing/2014/main" id="{3764E20B-FC79-03CF-267B-0D475EEEEB2F}"/>
-              </a:ext>
-            </a:extLst>
-          </p:cNvPr>
+              <a:rPr lang="en-US"/>
+              <a:t>Click to edit Master title style</a:t>
+            </a:r>
+            <a:endParaRPr lang="en-US" dirty="0"/>
+          </a:p>
+        </p:txBody>
+      </p:sp>
+      <p:sp>
+        <p:nvSpPr>
+          <p:cNvPr id="3" name="Text Placeholder 2"/>
           <p:cNvSpPr>
             <a:spLocks noGrp="1"/>
           </p:cNvSpPr>
@@ -2814,64 +3162,59 @@
         </p:nvSpPr>
         <p:spPr>
           <a:xfrm>
-            <a:off x="838200" y="1825625"/>
-            <a:ext cx="10515600" cy="4351338"/>
+            <a:off x="1097280" y="2108201"/>
+            <a:ext cx="10058400" cy="3760891"/>
           </a:xfrm>
           <a:prstGeom prst="rect">
             <a:avLst/>
           </a:prstGeom>
         </p:spPr>
         <p:txBody>
-          <a:bodyPr vert="horz" lIns="91440" tIns="45720" rIns="91440" bIns="45720" rtlCol="0">
+          <a:bodyPr vert="horz" lIns="0" tIns="45720" rIns="0" bIns="45720" rtlCol="0">
             <a:normAutofit/>
           </a:bodyPr>
           <a:lstStyle/>
           <a:p>
             <a:pPr lvl="0"/>
             <a:r>
-              <a:rPr lang="de-DE"/>
-              <a:t>Mastertextformat bearbeiten</a:t>
+              <a:rPr lang="en-US"/>
+              <a:t>Click to edit Master text styles</a:t>
             </a:r>
           </a:p>
           <a:p>
             <a:pPr lvl="1"/>
             <a:r>
-              <a:rPr lang="de-DE"/>
-              <a:t>Zweite Ebene</a:t>
+              <a:rPr lang="en-US"/>
+              <a:t>Second level</a:t>
             </a:r>
           </a:p>
           <a:p>
             <a:pPr lvl="2"/>
             <a:r>
-              <a:rPr lang="de-DE"/>
-              <a:t>Dritte Ebene</a:t>
+              <a:rPr lang="en-US"/>
+              <a:t>Third level</a:t>
             </a:r>
           </a:p>
           <a:p>
             <a:pPr lvl="3"/>
             <a:r>
-              <a:rPr lang="de-DE"/>
-              <a:t>Vierte Ebene</a:t>
+              <a:rPr lang="en-US"/>
+              <a:t>Fourth level</a:t>
             </a:r>
           </a:p>
           <a:p>
             <a:pPr lvl="4"/>
             <a:r>
-              <a:rPr lang="de-DE"/>
-              <a:t>Fünfte Ebene</a:t>
-            </a:r>
-          </a:p>
-        </p:txBody>
-      </p:sp>
-      <p:sp>
-        <p:nvSpPr>
-          <p:cNvPr id="4" name="Datumsplatzhalter 3">
-            <a:extLst>
-              <a:ext uri="{FF2B5EF4-FFF2-40B4-BE49-F238E27FC236}">
-                <a16:creationId xmlns:a16="http://schemas.microsoft.com/office/drawing/2014/main" id="{270DBCFD-C9C1-328D-CD9B-A42610DCAF2E}"/>
-              </a:ext>
-            </a:extLst>
-          </p:cNvPr>
+              <a:rPr lang="en-US"/>
+              <a:t>Fifth level</a:t>
+            </a:r>
+            <a:endParaRPr lang="en-US" dirty="0"/>
+          </a:p>
+        </p:txBody>
+      </p:sp>
+      <p:sp>
+        <p:nvSpPr>
+          <p:cNvPr id="4" name="Date Placeholder 3"/>
           <p:cNvSpPr>
             <a:spLocks noGrp="1"/>
           </p:cNvSpPr>
@@ -2881,8 +3224,8 @@
         </p:nvSpPr>
         <p:spPr>
           <a:xfrm>
-            <a:off x="838200" y="6356350"/>
-            <a:ext cx="2743200" cy="365125"/>
+            <a:off x="8218426" y="6446838"/>
+            <a:ext cx="2584850" cy="365125"/>
           </a:xfrm>
           <a:prstGeom prst="rect">
             <a:avLst/>
@@ -2891,34 +3234,26 @@
         <p:txBody>
           <a:bodyPr vert="horz" lIns="91440" tIns="45720" rIns="91440" bIns="45720" rtlCol="0" anchor="ctr"/>
           <a:lstStyle>
-            <a:lvl1pPr algn="l">
-              <a:defRPr sz="1200">
+            <a:lvl1pPr algn="r">
+              <a:defRPr sz="900">
                 <a:solidFill>
-                  <a:schemeClr val="tx1">
-                    <a:tint val="75000"/>
-                  </a:schemeClr>
+                  <a:srgbClr val="FFFFFF"/>
                 </a:solidFill>
               </a:defRPr>
             </a:lvl1pPr>
           </a:lstStyle>
           <a:p>
-            <a:fld id="{2B259D46-872D-4A89-8885-B0C4C19F3FCF}" type="datetimeFigureOut">
-              <a:rPr lang="de-DE" smtClean="0"/>
-              <a:t>06.10.2023</a:t>
+            <a:fld id="{62D6E202-B606-4609-B914-27C9371A1F6D}" type="datetime1">
+              <a:rPr lang="en-US" smtClean="0"/>
+              <a:t>10/8/2023</a:t>
             </a:fld>
-            <a:endParaRPr lang="de-DE"/>
-          </a:p>
-        </p:txBody>
-      </p:sp>
-      <p:sp>
-        <p:nvSpPr>
-          <p:cNvPr id="5" name="Fußzeilenplatzhalter 4">
-            <a:extLst>
-              <a:ext uri="{FF2B5EF4-FFF2-40B4-BE49-F238E27FC236}">
-                <a16:creationId xmlns:a16="http://schemas.microsoft.com/office/drawing/2014/main" id="{4E71C912-C96B-B80F-70EB-F438BF5300DA}"/>
-              </a:ext>
-            </a:extLst>
-          </p:cNvPr>
+            <a:endParaRPr lang="en-US" dirty="0"/>
+          </a:p>
+        </p:txBody>
+      </p:sp>
+      <p:sp>
+        <p:nvSpPr>
+          <p:cNvPr id="5" name="Footer Placeholder 4"/>
           <p:cNvSpPr>
             <a:spLocks noGrp="1"/>
           </p:cNvSpPr>
@@ -2928,8 +3263,8 @@
         </p:nvSpPr>
         <p:spPr>
           <a:xfrm>
-            <a:off x="4038600" y="6356350"/>
-            <a:ext cx="4114800" cy="365125"/>
+            <a:off x="1097279" y="6446838"/>
+            <a:ext cx="6818262" cy="365125"/>
           </a:xfrm>
           <a:prstGeom prst="rect">
             <a:avLst/>
@@ -2938,30 +3273,22 @@
         <p:txBody>
           <a:bodyPr vert="horz" lIns="91440" tIns="45720" rIns="91440" bIns="45720" rtlCol="0" anchor="ctr"/>
           <a:lstStyle>
-            <a:lvl1pPr algn="ctr">
-              <a:defRPr sz="1200">
+            <a:lvl1pPr algn="l">
+              <a:defRPr sz="900" cap="all" baseline="0">
                 <a:solidFill>
-                  <a:schemeClr val="tx1">
-                    <a:tint val="75000"/>
-                  </a:schemeClr>
+                  <a:srgbClr val="FFFFFF"/>
                 </a:solidFill>
               </a:defRPr>
             </a:lvl1pPr>
           </a:lstStyle>
           <a:p>
-            <a:endParaRPr lang="de-DE"/>
-          </a:p>
-        </p:txBody>
-      </p:sp>
-      <p:sp>
-        <p:nvSpPr>
-          <p:cNvPr id="6" name="Foliennummernplatzhalter 5">
-            <a:extLst>
-              <a:ext uri="{FF2B5EF4-FFF2-40B4-BE49-F238E27FC236}">
-                <a16:creationId xmlns:a16="http://schemas.microsoft.com/office/drawing/2014/main" id="{2848BE7E-0D7A-BFC8-2F51-B6ACABFEE4D7}"/>
-              </a:ext>
-            </a:extLst>
-          </p:cNvPr>
+            <a:endParaRPr lang="en-US" dirty="0"/>
+          </a:p>
+        </p:txBody>
+      </p:sp>
+      <p:sp>
+        <p:nvSpPr>
+          <p:cNvPr id="6" name="Slide Number Placeholder 5"/>
           <p:cNvSpPr>
             <a:spLocks noGrp="1"/>
           </p:cNvSpPr>
@@ -2971,8 +3298,8 @@
         </p:nvSpPr>
         <p:spPr>
           <a:xfrm>
-            <a:off x="8610600" y="6356350"/>
-            <a:ext cx="2743200" cy="365125"/>
+            <a:off x="10993582" y="6446838"/>
+            <a:ext cx="780010" cy="365125"/>
           </a:xfrm>
           <a:prstGeom prst="rect">
             <a:avLst/>
@@ -2981,46 +3308,89 @@
         <p:txBody>
           <a:bodyPr vert="horz" lIns="91440" tIns="45720" rIns="91440" bIns="45720" rtlCol="0" anchor="ctr"/>
           <a:lstStyle>
-            <a:lvl1pPr algn="r">
-              <a:defRPr sz="1200">
+            <a:lvl1pPr algn="l">
+              <a:defRPr sz="900">
                 <a:solidFill>
-                  <a:schemeClr val="tx1">
-                    <a:tint val="75000"/>
-                  </a:schemeClr>
+                  <a:srgbClr val="FFFFFF"/>
                 </a:solidFill>
               </a:defRPr>
             </a:lvl1pPr>
           </a:lstStyle>
           <a:p>
-            <a:fld id="{9AF1CEBC-F116-45FB-9FEB-1F31E1BE982F}" type="slidenum">
-              <a:rPr lang="de-DE" smtClean="0"/>
+            <a:fld id="{3A98EE3D-8CD1-4C3F-BD1C-C98C9596463C}" type="slidenum">
+              <a:rPr lang="en-US" smtClean="0"/>
               <a:t>‹Nr.›</a:t>
             </a:fld>
-            <a:endParaRPr lang="de-DE"/>
-          </a:p>
-        </p:txBody>
-      </p:sp>
+            <a:endParaRPr lang="en-US" dirty="0"/>
+          </a:p>
+        </p:txBody>
+      </p:sp>
+      <p:cxnSp>
+        <p:nvCxnSpPr>
+          <p:cNvPr id="10" name="Straight Connector 9">
+            <a:extLst>
+              <a:ext uri="{FF2B5EF4-FFF2-40B4-BE49-F238E27FC236}">
+                <a16:creationId xmlns:a16="http://schemas.microsoft.com/office/drawing/2014/main" id="{C5025DAC-8B93-4160-B017-3A274A5828C0}"/>
+              </a:ext>
+            </a:extLst>
+          </p:cNvPr>
+          <p:cNvCxnSpPr/>
+          <p:nvPr/>
+        </p:nvCxnSpPr>
+        <p:spPr>
+          <a:xfrm>
+            <a:off x="1193532" y="1897380"/>
+            <a:ext cx="9966960" cy="0"/>
+          </a:xfrm>
+          <a:prstGeom prst="line">
+            <a:avLst/>
+          </a:prstGeom>
+          <a:ln w="12700">
+            <a:solidFill>
+              <a:schemeClr val="tx1">
+                <a:lumMod val="75000"/>
+                <a:lumOff val="25000"/>
+              </a:schemeClr>
+            </a:solidFill>
+          </a:ln>
+        </p:spPr>
+        <p:style>
+          <a:lnRef idx="1">
+            <a:schemeClr val="accent1"/>
+          </a:lnRef>
+          <a:fillRef idx="0">
+            <a:schemeClr val="accent1"/>
+          </a:fillRef>
+          <a:effectRef idx="0">
+            <a:schemeClr val="accent1"/>
+          </a:effectRef>
+          <a:fontRef idx="minor">
+            <a:schemeClr val="tx1"/>
+          </a:fontRef>
+        </p:style>
+      </p:cxnSp>
     </p:spTree>
     <p:extLst>
       <p:ext uri="{BB962C8B-B14F-4D97-AF65-F5344CB8AC3E}">
-        <p14:creationId xmlns:p14="http://schemas.microsoft.com/office/powerpoint/2010/main" val="3506859108"/>
+        <p14:creationId xmlns:p14="http://schemas.microsoft.com/office/powerpoint/2010/main" val="1188250789"/>
       </p:ext>
     </p:extLst>
   </p:cSld>
   <p:clrMap bg1="lt1" tx1="dk1" bg2="lt2" tx2="dk2" accent1="accent1" accent2="accent2" accent3="accent3" accent4="accent4" accent5="accent5" accent6="accent6" hlink="hlink" folHlink="folHlink"/>
   <p:sldLayoutIdLst>
-    <p:sldLayoutId id="2147483649" r:id="rId1"/>
-    <p:sldLayoutId id="2147483650" r:id="rId2"/>
-    <p:sldLayoutId id="2147483651" r:id="rId3"/>
-    <p:sldLayoutId id="2147483652" r:id="rId4"/>
-    <p:sldLayoutId id="2147483653" r:id="rId5"/>
-    <p:sldLayoutId id="2147483654" r:id="rId6"/>
-    <p:sldLayoutId id="2147483655" r:id="rId7"/>
-    <p:sldLayoutId id="2147483656" r:id="rId8"/>
-    <p:sldLayoutId id="2147483657" r:id="rId9"/>
-    <p:sldLayoutId id="2147483658" r:id="rId10"/>
-    <p:sldLayoutId id="2147483659" r:id="rId11"/>
+    <p:sldLayoutId id="2147483668" r:id="rId1"/>
+    <p:sldLayoutId id="2147483669" r:id="rId2"/>
+    <p:sldLayoutId id="2147483670" r:id="rId3"/>
+    <p:sldLayoutId id="2147483671" r:id="rId4"/>
+    <p:sldLayoutId id="2147483672" r:id="rId5"/>
+    <p:sldLayoutId id="2147483666" r:id="rId6"/>
+    <p:sldLayoutId id="2147483662" r:id="rId7"/>
+    <p:sldLayoutId id="2147483663" r:id="rId8"/>
+    <p:sldLayoutId id="2147483664" r:id="rId9"/>
+    <p:sldLayoutId id="2147483665" r:id="rId10"/>
+    <p:sldLayoutId id="2147483667" r:id="rId11"/>
   </p:sldLayoutIdLst>
+  <p:hf sldNum="0" hdr="0" ftr="0" dt="0"/>
   <p:txStyles>
     <p:titleStyle>
       <a:lvl1pPr algn="l" defTabSz="914400" rtl="0" eaLnBrk="1" latinLnBrk="0" hangingPunct="1">
@@ -3031,9 +3401,12 @@
           <a:spcPct val="0"/>
         </a:spcBef>
         <a:buNone/>
-        <a:defRPr sz="4400" kern="1200">
+        <a:defRPr sz="4800" kern="1200" spc="-50" baseline="0">
           <a:solidFill>
-            <a:schemeClr val="tx1"/>
+            <a:schemeClr val="tx1">
+              <a:lumMod val="75000"/>
+              <a:lumOff val="25000"/>
+            </a:schemeClr>
           </a:solidFill>
           <a:latin typeface="+mj-lt"/>
           <a:ea typeface="+mj-ea"/>
@@ -3042,162 +3415,236 @@
       </a:lvl1pPr>
     </p:titleStyle>
     <p:bodyStyle>
-      <a:lvl1pPr marL="228600" indent="-228600" algn="l" defTabSz="914400" rtl="0" eaLnBrk="1" latinLnBrk="0" hangingPunct="1">
+      <a:lvl1pPr marL="91440" indent="-91440" algn="l" defTabSz="914400" rtl="0" eaLnBrk="1" latinLnBrk="0" hangingPunct="1">
         <a:lnSpc>
-          <a:spcPct val="90000"/>
+          <a:spcPct val="100000"/>
         </a:lnSpc>
         <a:spcBef>
-          <a:spcPts val="1000"/>
+          <a:spcPts val="1200"/>
         </a:spcBef>
-        <a:buFont typeface="Arial" panose="020B0604020202020204" pitchFamily="34" charset="0"/>
-        <a:buChar char="•"/>
-        <a:defRPr sz="2800" kern="1200">
+        <a:spcAft>
+          <a:spcPts val="200"/>
+        </a:spcAft>
+        <a:buClr>
+          <a:schemeClr val="accent1"/>
+        </a:buClr>
+        <a:buSzPct val="100000"/>
+        <a:buFont typeface="Calibri" panose="020F0502020204030204" pitchFamily="34" charset="0"/>
+        <a:buChar char=" "/>
+        <a:defRPr sz="2000" kern="1200">
           <a:solidFill>
-            <a:schemeClr val="tx1"/>
+            <a:schemeClr val="tx1">
+              <a:lumMod val="75000"/>
+              <a:lumOff val="25000"/>
+            </a:schemeClr>
           </a:solidFill>
           <a:latin typeface="+mn-lt"/>
           <a:ea typeface="+mn-ea"/>
           <a:cs typeface="+mn-cs"/>
         </a:defRPr>
       </a:lvl1pPr>
-      <a:lvl2pPr marL="685800" indent="-228600" algn="l" defTabSz="914400" rtl="0" eaLnBrk="1" latinLnBrk="0" hangingPunct="1">
+      <a:lvl2pPr marL="384048" indent="-182880" algn="l" defTabSz="914400" rtl="0" eaLnBrk="1" latinLnBrk="0" hangingPunct="1">
         <a:lnSpc>
-          <a:spcPct val="90000"/>
+          <a:spcPct val="100000"/>
         </a:lnSpc>
         <a:spcBef>
-          <a:spcPts val="500"/>
+          <a:spcPts val="200"/>
         </a:spcBef>
-        <a:buFont typeface="Arial" panose="020B0604020202020204" pitchFamily="34" charset="0"/>
-        <a:buChar char="•"/>
-        <a:defRPr sz="2400" kern="1200">
+        <a:spcAft>
+          <a:spcPts val="400"/>
+        </a:spcAft>
+        <a:buClrTx/>
+        <a:buFont typeface="Calibri" pitchFamily="34" charset="0"/>
+        <a:buChar char="◦"/>
+        <a:defRPr sz="1800" kern="1200">
           <a:solidFill>
-            <a:schemeClr val="tx1"/>
+            <a:schemeClr val="tx1">
+              <a:lumMod val="75000"/>
+              <a:lumOff val="25000"/>
+            </a:schemeClr>
           </a:solidFill>
           <a:latin typeface="+mn-lt"/>
           <a:ea typeface="+mn-ea"/>
           <a:cs typeface="+mn-cs"/>
         </a:defRPr>
       </a:lvl2pPr>
-      <a:lvl3pPr marL="1143000" indent="-228600" algn="l" defTabSz="914400" rtl="0" eaLnBrk="1" latinLnBrk="0" hangingPunct="1">
+      <a:lvl3pPr marL="566928" indent="-182880" algn="l" defTabSz="914400" rtl="0" eaLnBrk="1" latinLnBrk="0" hangingPunct="1">
         <a:lnSpc>
-          <a:spcPct val="90000"/>
+          <a:spcPct val="100000"/>
         </a:lnSpc>
         <a:spcBef>
-          <a:spcPts val="500"/>
+          <a:spcPts val="200"/>
         </a:spcBef>
-        <a:buFont typeface="Arial" panose="020B0604020202020204" pitchFamily="34" charset="0"/>
-        <a:buChar char="•"/>
-        <a:defRPr sz="2000" kern="1200">
+        <a:spcAft>
+          <a:spcPts val="400"/>
+        </a:spcAft>
+        <a:buClrTx/>
+        <a:buFont typeface="Calibri" pitchFamily="34" charset="0"/>
+        <a:buChar char="◦"/>
+        <a:defRPr sz="1400" kern="1200">
           <a:solidFill>
-            <a:schemeClr val="tx1"/>
+            <a:schemeClr val="tx1">
+              <a:lumMod val="75000"/>
+              <a:lumOff val="25000"/>
+            </a:schemeClr>
           </a:solidFill>
           <a:latin typeface="+mn-lt"/>
           <a:ea typeface="+mn-ea"/>
           <a:cs typeface="+mn-cs"/>
         </a:defRPr>
       </a:lvl3pPr>
-      <a:lvl4pPr marL="1600200" indent="-228600" algn="l" defTabSz="914400" rtl="0" eaLnBrk="1" latinLnBrk="0" hangingPunct="1">
+      <a:lvl4pPr marL="749808" indent="-182880" algn="l" defTabSz="914400" rtl="0" eaLnBrk="1" latinLnBrk="0" hangingPunct="1">
         <a:lnSpc>
-          <a:spcPct val="90000"/>
+          <a:spcPct val="100000"/>
         </a:lnSpc>
         <a:spcBef>
-          <a:spcPts val="500"/>
+          <a:spcPts val="200"/>
         </a:spcBef>
-        <a:buFont typeface="Arial" panose="020B0604020202020204" pitchFamily="34" charset="0"/>
-        <a:buChar char="•"/>
-        <a:defRPr sz="1800" kern="1200">
+        <a:spcAft>
+          <a:spcPts val="400"/>
+        </a:spcAft>
+        <a:buClrTx/>
+        <a:buFont typeface="Calibri" pitchFamily="34" charset="0"/>
+        <a:buChar char="◦"/>
+        <a:defRPr sz="1400" kern="1200">
           <a:solidFill>
-            <a:schemeClr val="tx1"/>
+            <a:schemeClr val="tx1">
+              <a:lumMod val="75000"/>
+              <a:lumOff val="25000"/>
+            </a:schemeClr>
           </a:solidFill>
           <a:latin typeface="+mn-lt"/>
           <a:ea typeface="+mn-ea"/>
           <a:cs typeface="+mn-cs"/>
         </a:defRPr>
       </a:lvl4pPr>
-      <a:lvl5pPr marL="2057400" indent="-228600" algn="l" defTabSz="914400" rtl="0" eaLnBrk="1" latinLnBrk="0" hangingPunct="1">
+      <a:lvl5pPr marL="932688" indent="-182880" algn="l" defTabSz="914400" rtl="0" eaLnBrk="1" latinLnBrk="0" hangingPunct="1">
         <a:lnSpc>
-          <a:spcPct val="90000"/>
+          <a:spcPct val="100000"/>
         </a:lnSpc>
         <a:spcBef>
-          <a:spcPts val="500"/>
+          <a:spcPts val="200"/>
         </a:spcBef>
-        <a:buFont typeface="Arial" panose="020B0604020202020204" pitchFamily="34" charset="0"/>
-        <a:buChar char="•"/>
-        <a:defRPr sz="1800" kern="1200">
+        <a:spcAft>
+          <a:spcPts val="400"/>
+        </a:spcAft>
+        <a:buClrTx/>
+        <a:buFont typeface="Calibri" pitchFamily="34" charset="0"/>
+        <a:buChar char="◦"/>
+        <a:defRPr sz="1400" kern="1200">
           <a:solidFill>
-            <a:schemeClr val="tx1"/>
+            <a:schemeClr val="tx1">
+              <a:lumMod val="75000"/>
+              <a:lumOff val="25000"/>
+            </a:schemeClr>
           </a:solidFill>
           <a:latin typeface="+mn-lt"/>
           <a:ea typeface="+mn-ea"/>
           <a:cs typeface="+mn-cs"/>
         </a:defRPr>
       </a:lvl5pPr>
-      <a:lvl6pPr marL="2514600" indent="-228600" algn="l" defTabSz="914400" rtl="0" eaLnBrk="1" latinLnBrk="0" hangingPunct="1">
+      <a:lvl6pPr marL="1100000" indent="-228600" algn="l" defTabSz="914400" rtl="0" eaLnBrk="1" latinLnBrk="0" hangingPunct="1">
         <a:lnSpc>
           <a:spcPct val="90000"/>
         </a:lnSpc>
         <a:spcBef>
-          <a:spcPts val="500"/>
+          <a:spcPts val="200"/>
         </a:spcBef>
-        <a:buFont typeface="Arial" panose="020B0604020202020204" pitchFamily="34" charset="0"/>
-        <a:buChar char="•"/>
-        <a:defRPr sz="1800" kern="1200">
+        <a:spcAft>
+          <a:spcPts val="400"/>
+        </a:spcAft>
+        <a:buClr>
+          <a:schemeClr val="accent1"/>
+        </a:buClr>
+        <a:buFont typeface="Calibri" pitchFamily="34" charset="0"/>
+        <a:buChar char="◦"/>
+        <a:defRPr sz="1400" kern="1200">
           <a:solidFill>
-            <a:schemeClr val="tx1"/>
+            <a:schemeClr val="tx1">
+              <a:lumMod val="75000"/>
+              <a:lumOff val="25000"/>
+            </a:schemeClr>
           </a:solidFill>
           <a:latin typeface="+mn-lt"/>
           <a:ea typeface="+mn-ea"/>
           <a:cs typeface="+mn-cs"/>
         </a:defRPr>
       </a:lvl6pPr>
-      <a:lvl7pPr marL="2971800" indent="-228600" algn="l" defTabSz="914400" rtl="0" eaLnBrk="1" latinLnBrk="0" hangingPunct="1">
+      <a:lvl7pPr marL="1300000" indent="-228600" algn="l" defTabSz="914400" rtl="0" eaLnBrk="1" latinLnBrk="0" hangingPunct="1">
         <a:lnSpc>
           <a:spcPct val="90000"/>
         </a:lnSpc>
         <a:spcBef>
-          <a:spcPts val="500"/>
+          <a:spcPts val="200"/>
         </a:spcBef>
-        <a:buFont typeface="Arial" panose="020B0604020202020204" pitchFamily="34" charset="0"/>
-        <a:buChar char="•"/>
-        <a:defRPr sz="1800" kern="1200">
+        <a:spcAft>
+          <a:spcPts val="400"/>
+        </a:spcAft>
+        <a:buClr>
+          <a:schemeClr val="accent1"/>
+        </a:buClr>
+        <a:buFont typeface="Calibri" pitchFamily="34" charset="0"/>
+        <a:buChar char="◦"/>
+        <a:defRPr sz="1400" kern="1200">
           <a:solidFill>
-            <a:schemeClr val="tx1"/>
+            <a:schemeClr val="tx1">
+              <a:lumMod val="75000"/>
+              <a:lumOff val="25000"/>
+            </a:schemeClr>
           </a:solidFill>
           <a:latin typeface="+mn-lt"/>
           <a:ea typeface="+mn-ea"/>
           <a:cs typeface="+mn-cs"/>
         </a:defRPr>
       </a:lvl7pPr>
-      <a:lvl8pPr marL="3429000" indent="-228600" algn="l" defTabSz="914400" rtl="0" eaLnBrk="1" latinLnBrk="0" hangingPunct="1">
+      <a:lvl8pPr marL="1500000" indent="-228600" algn="l" defTabSz="914400" rtl="0" eaLnBrk="1" latinLnBrk="0" hangingPunct="1">
         <a:lnSpc>
           <a:spcPct val="90000"/>
         </a:lnSpc>
         <a:spcBef>
-          <a:spcPts val="500"/>
+          <a:spcPts val="200"/>
         </a:spcBef>
-        <a:buFont typeface="Arial" panose="020B0604020202020204" pitchFamily="34" charset="0"/>
-        <a:buChar char="•"/>
-        <a:defRPr sz="1800" kern="1200">
+        <a:spcAft>
+          <a:spcPts val="400"/>
+        </a:spcAft>
+        <a:buClr>
+          <a:schemeClr val="accent1"/>
+        </a:buClr>
+        <a:buFont typeface="Calibri" pitchFamily="34" charset="0"/>
+        <a:buChar char="◦"/>
+        <a:defRPr sz="1400" kern="1200">
           <a:solidFill>
-            <a:schemeClr val="tx1"/>
+            <a:schemeClr val="tx1">
+              <a:lumMod val="75000"/>
+              <a:lumOff val="25000"/>
+            </a:schemeClr>
           </a:solidFill>
           <a:latin typeface="+mn-lt"/>
           <a:ea typeface="+mn-ea"/>
           <a:cs typeface="+mn-cs"/>
         </a:defRPr>
       </a:lvl8pPr>
-      <a:lvl9pPr marL="3886200" indent="-228600" algn="l" defTabSz="914400" rtl="0" eaLnBrk="1" latinLnBrk="0" hangingPunct="1">
+      <a:lvl9pPr marL="1700000" indent="-228600" algn="l" defTabSz="914400" rtl="0" eaLnBrk="1" latinLnBrk="0" hangingPunct="1">
         <a:lnSpc>
           <a:spcPct val="90000"/>
         </a:lnSpc>
         <a:spcBef>
-          <a:spcPts val="500"/>
+          <a:spcPts val="200"/>
         </a:spcBef>
-        <a:buFont typeface="Arial" panose="020B0604020202020204" pitchFamily="34" charset="0"/>
-        <a:buChar char="•"/>
-        <a:defRPr sz="1800" kern="1200">
+        <a:spcAft>
+          <a:spcPts val="400"/>
+        </a:spcAft>
+        <a:buClr>
+          <a:schemeClr val="accent1"/>
+        </a:buClr>
+        <a:buFont typeface="Calibri" pitchFamily="34" charset="0"/>
+        <a:buChar char="◦"/>
+        <a:defRPr sz="1400" kern="1200">
           <a:solidFill>
-            <a:schemeClr val="tx1"/>
+            <a:schemeClr val="tx1">
+              <a:lumMod val="75000"/>
+              <a:lumOff val="25000"/>
+            </a:schemeClr>
           </a:solidFill>
           <a:latin typeface="+mn-lt"/>
           <a:ea typeface="+mn-ea"/>
@@ -3207,7 +3654,7 @@
     </p:bodyStyle>
     <p:otherStyle>
       <a:defPPr>
-        <a:defRPr lang="de-DE"/>
+        <a:defRPr lang="en-US"/>
       </a:defPPr>
       <a:lvl1pPr marL="0" algn="l" defTabSz="914400" rtl="0" eaLnBrk="1" latinLnBrk="0" hangingPunct="1">
         <a:defRPr sz="1800" kern="1200">
@@ -3307,6 +3754,14 @@
 <file path=ppt/slides/slide1.xml><?xml version="1.0" encoding="utf-8"?>
 <p:sld xmlns:a="http://schemas.openxmlformats.org/drawingml/2006/main" xmlns:r="http://schemas.openxmlformats.org/officeDocument/2006/relationships" xmlns:p="http://schemas.openxmlformats.org/presentationml/2006/main">
   <p:cSld>
+    <p:bg>
+      <p:bgPr>
+        <a:solidFill>
+          <a:schemeClr val="bg1"/>
+        </a:solidFill>
+        <a:effectLst/>
+      </p:bgPr>
+    </p:bg>
     <p:spTree>
       <p:nvGrpSpPr>
         <p:cNvPr id="1" name=""/>
@@ -3321,6 +3776,66 @@
           <a:chExt cx="0" cy="0"/>
         </a:xfrm>
       </p:grpSpPr>
+      <p:sp useBgFill="1">
+        <p:nvSpPr>
+          <p:cNvPr id="54" name="Rectangle 19">
+            <a:extLst>
+              <a:ext uri="{FF2B5EF4-FFF2-40B4-BE49-F238E27FC236}">
+                <a16:creationId xmlns:a16="http://schemas.microsoft.com/office/drawing/2014/main" id="{A9286AD2-18A9-4868-A4E3-7A2097A20810}"/>
+              </a:ext>
+              <a:ext uri="{C183D7F6-B498-43B3-948B-1728B52AA6E4}">
+                <adec:decorative xmlns:adec="http://schemas.microsoft.com/office/drawing/2017/decorative" val="1"/>
+              </a:ext>
+            </a:extLst>
+          </p:cNvPr>
+          <p:cNvSpPr>
+            <a:spLocks noGrp="1" noRot="1" noChangeAspect="1" noMove="1" noResize="1" noEditPoints="1" noAdjustHandles="1" noChangeArrowheads="1" noChangeShapeType="1" noTextEdit="1"/>
+          </p:cNvSpPr>
+          <p:nvPr>
+            <p:extLst>
+              <p:ext uri="{386F3935-93C4-4BCD-93E2-E3B085C9AB24}">
+                <p16:designElem xmlns:p16="http://schemas.microsoft.com/office/powerpoint/2015/main" val="1"/>
+              </p:ext>
+            </p:extLst>
+          </p:nvPr>
+        </p:nvSpPr>
+        <p:spPr>
+          <a:xfrm>
+            <a:off x="0" y="1"/>
+            <a:ext cx="12192001" cy="6857999"/>
+          </a:xfrm>
+          <a:prstGeom prst="rect">
+            <a:avLst/>
+          </a:prstGeom>
+          <a:ln>
+            <a:noFill/>
+          </a:ln>
+        </p:spPr>
+        <p:style>
+          <a:lnRef idx="2">
+            <a:schemeClr val="accent1">
+              <a:shade val="50000"/>
+            </a:schemeClr>
+          </a:lnRef>
+          <a:fillRef idx="1">
+            <a:schemeClr val="accent1"/>
+          </a:fillRef>
+          <a:effectRef idx="0">
+            <a:schemeClr val="accent1"/>
+          </a:effectRef>
+          <a:fontRef idx="minor">
+            <a:schemeClr val="lt1"/>
+          </a:fontRef>
+        </p:style>
+        <p:txBody>
+          <a:bodyPr rtlCol="0" anchor="ctr"/>
+          <a:lstStyle/>
+          <a:p>
+            <a:pPr algn="ctr"/>
+            <a:endParaRPr lang="en-US"/>
+          </a:p>
+        </p:txBody>
+      </p:sp>
       <p:sp>
         <p:nvSpPr>
           <p:cNvPr id="2" name="Titel 1">
@@ -3337,14 +3852,21 @@
             <p:ph type="ctrTitle"/>
           </p:nvPr>
         </p:nvSpPr>
-        <p:spPr/>
-        <p:txBody>
-          <a:bodyPr/>
+        <p:spPr>
+          <a:xfrm>
+            <a:off x="5289754" y="639097"/>
+            <a:ext cx="6253317" cy="3686015"/>
+          </a:xfrm>
+        </p:spPr>
+        <p:txBody>
+          <a:bodyPr>
+            <a:normAutofit/>
+          </a:bodyPr>
           <a:lstStyle/>
           <a:p>
             <a:r>
               <a:rPr lang="de-DE" dirty="0"/>
-              <a:t>Film Distribution</a:t>
+              <a:t>Film Verleih</a:t>
             </a:r>
           </a:p>
         </p:txBody>
@@ -3365,18 +3887,122 @@
             <p:ph type="subTitle" idx="1"/>
           </p:nvPr>
         </p:nvSpPr>
-        <p:spPr/>
-        <p:txBody>
-          <a:bodyPr/>
+        <p:spPr>
+          <a:xfrm>
+            <a:off x="5289753" y="4672739"/>
+            <a:ext cx="6269347" cy="1021498"/>
+          </a:xfrm>
+        </p:spPr>
+        <p:txBody>
+          <a:bodyPr>
+            <a:normAutofit/>
+          </a:bodyPr>
           <a:lstStyle/>
           <a:p>
             <a:r>
-              <a:rPr lang="de-DE"/>
+              <a:rPr lang="de-DE" dirty="0">
+                <a:solidFill>
+                  <a:schemeClr val="tx1">
+                    <a:lumMod val="85000"/>
+                    <a:lumOff val="15000"/>
+                  </a:schemeClr>
+                </a:solidFill>
+              </a:rPr>
               <a:t>Jan Heinrich, Elias Pasche</a:t>
             </a:r>
           </a:p>
         </p:txBody>
       </p:sp>
+      <p:pic>
+        <p:nvPicPr>
+          <p:cNvPr id="8" name="Grafik 7" descr="Ein Bild, das Projektor, Stilllebenfotografie, Im Haus, Dampf enthält.&#10;&#10;Automatisch generierte Beschreibung">
+            <a:extLst>
+              <a:ext uri="{FF2B5EF4-FFF2-40B4-BE49-F238E27FC236}">
+                <a16:creationId xmlns:a16="http://schemas.microsoft.com/office/drawing/2014/main" id="{C3DB35AD-CF81-E9DF-4866-E5730AFA390C}"/>
+              </a:ext>
+            </a:extLst>
+          </p:cNvPr>
+          <p:cNvPicPr>
+            <a:picLocks noChangeAspect="1"/>
+          </p:cNvPicPr>
+          <p:nvPr/>
+        </p:nvPicPr>
+        <p:blipFill rotWithShape="1">
+          <a:blip r:embed="rId2">
+            <a:extLst>
+              <a:ext uri="{28A0092B-C50C-407E-A947-70E740481C1C}">
+                <a14:useLocalDpi xmlns:a14="http://schemas.microsoft.com/office/drawing/2010/main" val="0"/>
+              </a:ext>
+            </a:extLst>
+          </a:blip>
+          <a:srcRect l="12038" r="42846" b="-2"/>
+          <a:stretch/>
+        </p:blipFill>
+        <p:spPr>
+          <a:xfrm>
+            <a:off x="-1" y="1"/>
+            <a:ext cx="4635315" cy="6857999"/>
+          </a:xfrm>
+          <a:prstGeom prst="rect">
+            <a:avLst/>
+          </a:prstGeom>
+        </p:spPr>
+      </p:pic>
+      <p:cxnSp>
+        <p:nvCxnSpPr>
+          <p:cNvPr id="55" name="Straight Connector 21">
+            <a:extLst>
+              <a:ext uri="{FF2B5EF4-FFF2-40B4-BE49-F238E27FC236}">
+                <a16:creationId xmlns:a16="http://schemas.microsoft.com/office/drawing/2014/main" id="{E7A7CD63-7EC3-44F3-95D0-595C4019FF24}"/>
+              </a:ext>
+              <a:ext uri="{C183D7F6-B498-43B3-948B-1728B52AA6E4}">
+                <adec:decorative xmlns:adec="http://schemas.microsoft.com/office/drawing/2017/decorative" val="1"/>
+              </a:ext>
+            </a:extLst>
+          </p:cNvPr>
+          <p:cNvCxnSpPr>
+            <a:cxnSpLocks noGrp="1" noRot="1" noChangeAspect="1" noMove="1" noResize="1" noEditPoints="1" noAdjustHandles="1" noChangeArrowheads="1" noChangeShapeType="1"/>
+          </p:cNvCxnSpPr>
+          <p:nvPr>
+            <p:extLst>
+              <p:ext uri="{386F3935-93C4-4BCD-93E2-E3B085C9AB24}">
+                <p16:designElem xmlns:p16="http://schemas.microsoft.com/office/powerpoint/2015/main" val="1"/>
+              </p:ext>
+            </p:extLst>
+          </p:nvPr>
+        </p:nvCxnSpPr>
+        <p:spPr>
+          <a:xfrm>
+            <a:off x="5427754" y="4498925"/>
+            <a:ext cx="5636107" cy="0"/>
+          </a:xfrm>
+          <a:prstGeom prst="line">
+            <a:avLst/>
+          </a:prstGeom>
+          <a:ln w="12700">
+            <a:solidFill>
+              <a:schemeClr val="tx1">
+                <a:lumMod val="75000"/>
+                <a:lumOff val="25000"/>
+              </a:schemeClr>
+            </a:solidFill>
+          </a:ln>
+        </p:spPr>
+        <p:style>
+          <a:lnRef idx="1">
+            <a:schemeClr val="accent1"/>
+          </a:lnRef>
+          <a:fillRef idx="0">
+            <a:schemeClr val="accent1"/>
+          </a:fillRef>
+          <a:effectRef idx="0">
+            <a:schemeClr val="accent1"/>
+          </a:effectRef>
+          <a:fontRef idx="minor">
+            <a:schemeClr val="tx1"/>
+          </a:fontRef>
+        </p:style>
+      </p:cxnSp>
     </p:spTree>
     <p:extLst>
       <p:ext uri="{BB962C8B-B14F-4D97-AF65-F5344CB8AC3E}">
@@ -3390,10 +4016,2357 @@
 </p:sld>
 </file>
 
+<file path=ppt/slides/slide10.xml><?xml version="1.0" encoding="utf-8"?>
+<p:sld xmlns:a="http://schemas.openxmlformats.org/drawingml/2006/main" xmlns:r="http://schemas.openxmlformats.org/officeDocument/2006/relationships" xmlns:p="http://schemas.openxmlformats.org/presentationml/2006/main">
+  <p:cSld>
+    <p:spTree>
+      <p:nvGrpSpPr>
+        <p:cNvPr id="1" name=""/>
+        <p:cNvGrpSpPr/>
+        <p:nvPr/>
+      </p:nvGrpSpPr>
+      <p:grpSpPr>
+        <a:xfrm>
+          <a:off x="0" y="0"/>
+          <a:ext cx="0" cy="0"/>
+          <a:chOff x="0" y="0"/>
+          <a:chExt cx="0" cy="0"/>
+        </a:xfrm>
+      </p:grpSpPr>
+      <p:pic>
+        <p:nvPicPr>
+          <p:cNvPr id="4" name="Grafik 3">
+            <a:extLst>
+              <a:ext uri="{FF2B5EF4-FFF2-40B4-BE49-F238E27FC236}">
+                <a16:creationId xmlns:a16="http://schemas.microsoft.com/office/drawing/2014/main" id="{C74E194B-D550-A443-BED2-B6F1693F8AD6}"/>
+              </a:ext>
+            </a:extLst>
+          </p:cNvPr>
+          <p:cNvPicPr>
+            <a:picLocks noChangeAspect="1"/>
+          </p:cNvPicPr>
+          <p:nvPr/>
+        </p:nvPicPr>
+        <p:blipFill rotWithShape="1">
+          <a:blip r:embed="rId2">
+            <a:extLst>
+              <a:ext uri="{28A0092B-C50C-407E-A947-70E740481C1C}">
+                <a14:useLocalDpi xmlns:a14="http://schemas.microsoft.com/office/drawing/2010/main" val="0"/>
+              </a:ext>
+              <a:ext uri="{96DAC541-7B7A-43D3-8B79-37D633B846F1}">
+                <asvg:svgBlip xmlns:asvg="http://schemas.microsoft.com/office/drawing/2016/SVG/main" r:embed="rId3"/>
+              </a:ext>
+            </a:extLst>
+          </a:blip>
+          <a:srcRect l="24055" t="4076" r="29337" b="60689"/>
+          <a:stretch/>
+        </p:blipFill>
+        <p:spPr>
+          <a:xfrm>
+            <a:off x="2724550" y="0"/>
+            <a:ext cx="6742900" cy="4503420"/>
+          </a:xfrm>
+          <a:prstGeom prst="rect">
+            <a:avLst/>
+          </a:prstGeom>
+        </p:spPr>
+      </p:pic>
+    </p:spTree>
+    <p:extLst>
+      <p:ext uri="{BB962C8B-B14F-4D97-AF65-F5344CB8AC3E}">
+        <p14:creationId xmlns:p14="http://schemas.microsoft.com/office/powerpoint/2010/main" val="2011390290"/>
+      </p:ext>
+    </p:extLst>
+  </p:cSld>
+  <p:clrMapOvr>
+    <a:masterClrMapping/>
+  </p:clrMapOvr>
+  <mc:AlternateContent xmlns:mc="http://schemas.openxmlformats.org/markup-compatibility/2006">
+    <mc:Choice xmlns:p159="http://schemas.microsoft.com/office/powerpoint/2015/09/main" Requires="p159">
+      <p:transition xmlns:p14="http://schemas.microsoft.com/office/powerpoint/2010/main" spd="slow" p14:dur="2000">
+        <p159:morph option="byObject"/>
+      </p:transition>
+    </mc:Choice>
+    <mc:Fallback>
+      <p:transition spd="slow">
+        <p:fade/>
+      </p:transition>
+    </mc:Fallback>
+  </mc:AlternateContent>
+</p:sld>
+</file>
+
+<file path=ppt/slides/slide11.xml><?xml version="1.0" encoding="utf-8"?>
+<p:sld xmlns:a="http://schemas.openxmlformats.org/drawingml/2006/main" xmlns:r="http://schemas.openxmlformats.org/officeDocument/2006/relationships" xmlns:p="http://schemas.openxmlformats.org/presentationml/2006/main">
+  <p:cSld>
+    <p:spTree>
+      <p:nvGrpSpPr>
+        <p:cNvPr id="1" name=""/>
+        <p:cNvGrpSpPr/>
+        <p:nvPr/>
+      </p:nvGrpSpPr>
+      <p:grpSpPr>
+        <a:xfrm>
+          <a:off x="0" y="0"/>
+          <a:ext cx="0" cy="0"/>
+          <a:chOff x="0" y="0"/>
+          <a:chExt cx="0" cy="0"/>
+        </a:xfrm>
+      </p:grpSpPr>
+      <p:pic>
+        <p:nvPicPr>
+          <p:cNvPr id="4" name="Grafik 3">
+            <a:extLst>
+              <a:ext uri="{FF2B5EF4-FFF2-40B4-BE49-F238E27FC236}">
+                <a16:creationId xmlns:a16="http://schemas.microsoft.com/office/drawing/2014/main" id="{C74E194B-D550-A443-BED2-B6F1693F8AD6}"/>
+              </a:ext>
+            </a:extLst>
+          </p:cNvPr>
+          <p:cNvPicPr>
+            <a:picLocks noChangeAspect="1"/>
+          </p:cNvPicPr>
+          <p:nvPr/>
+        </p:nvPicPr>
+        <p:blipFill rotWithShape="1">
+          <a:blip r:embed="rId2">
+            <a:extLst>
+              <a:ext uri="{28A0092B-C50C-407E-A947-70E740481C1C}">
+                <a14:useLocalDpi xmlns:a14="http://schemas.microsoft.com/office/drawing/2010/main" val="0"/>
+              </a:ext>
+              <a:ext uri="{96DAC541-7B7A-43D3-8B79-37D633B846F1}">
+                <asvg:svgBlip xmlns:asvg="http://schemas.microsoft.com/office/drawing/2016/SVG/main" r:embed="rId3"/>
+              </a:ext>
+            </a:extLst>
+          </a:blip>
+          <a:srcRect l="20023" t="32336" r="46900" b="18478"/>
+          <a:stretch/>
+        </p:blipFill>
+        <p:spPr>
+          <a:xfrm>
+            <a:off x="3703320" y="68580"/>
+            <a:ext cx="4785360" cy="6286500"/>
+          </a:xfrm>
+          <a:prstGeom prst="rect">
+            <a:avLst/>
+          </a:prstGeom>
+        </p:spPr>
+      </p:pic>
+    </p:spTree>
+    <p:extLst>
+      <p:ext uri="{BB962C8B-B14F-4D97-AF65-F5344CB8AC3E}">
+        <p14:creationId xmlns:p14="http://schemas.microsoft.com/office/powerpoint/2010/main" val="1053620609"/>
+      </p:ext>
+    </p:extLst>
+  </p:cSld>
+  <p:clrMapOvr>
+    <a:masterClrMapping/>
+  </p:clrMapOvr>
+  <mc:AlternateContent xmlns:mc="http://schemas.openxmlformats.org/markup-compatibility/2006">
+    <mc:Choice xmlns:p159="http://schemas.microsoft.com/office/powerpoint/2015/09/main" Requires="p159">
+      <p:transition xmlns:p14="http://schemas.microsoft.com/office/powerpoint/2010/main" spd="slow" p14:dur="2000">
+        <p159:morph option="byObject"/>
+      </p:transition>
+    </mc:Choice>
+    <mc:Fallback>
+      <p:transition spd="slow">
+        <p:fade/>
+      </p:transition>
+    </mc:Fallback>
+  </mc:AlternateContent>
+</p:sld>
+</file>
+
+<file path=ppt/slides/slide12.xml><?xml version="1.0" encoding="utf-8"?>
+<p:sld xmlns:a="http://schemas.openxmlformats.org/drawingml/2006/main" xmlns:r="http://schemas.openxmlformats.org/officeDocument/2006/relationships" xmlns:p="http://schemas.openxmlformats.org/presentationml/2006/main">
+  <p:cSld>
+    <p:spTree>
+      <p:nvGrpSpPr>
+        <p:cNvPr id="1" name=""/>
+        <p:cNvGrpSpPr/>
+        <p:nvPr/>
+      </p:nvGrpSpPr>
+      <p:grpSpPr>
+        <a:xfrm>
+          <a:off x="0" y="0"/>
+          <a:ext cx="0" cy="0"/>
+          <a:chOff x="0" y="0"/>
+          <a:chExt cx="0" cy="0"/>
+        </a:xfrm>
+      </p:grpSpPr>
+      <p:pic>
+        <p:nvPicPr>
+          <p:cNvPr id="4" name="Grafik 3">
+            <a:extLst>
+              <a:ext uri="{FF2B5EF4-FFF2-40B4-BE49-F238E27FC236}">
+                <a16:creationId xmlns:a16="http://schemas.microsoft.com/office/drawing/2014/main" id="{C74E194B-D550-A443-BED2-B6F1693F8AD6}"/>
+              </a:ext>
+            </a:extLst>
+          </p:cNvPr>
+          <p:cNvPicPr>
+            <a:picLocks noChangeAspect="1"/>
+          </p:cNvPicPr>
+          <p:nvPr/>
+        </p:nvPicPr>
+        <p:blipFill rotWithShape="1">
+          <a:blip r:embed="rId2">
+            <a:extLst>
+              <a:ext uri="{28A0092B-C50C-407E-A947-70E740481C1C}">
+                <a14:useLocalDpi xmlns:a14="http://schemas.microsoft.com/office/drawing/2010/main" val="0"/>
+              </a:ext>
+              <a:ext uri="{96DAC541-7B7A-43D3-8B79-37D633B846F1}">
+                <asvg:svgBlip xmlns:asvg="http://schemas.microsoft.com/office/drawing/2016/SVG/main" r:embed="rId3"/>
+              </a:ext>
+            </a:extLst>
+          </a:blip>
+          <a:srcRect l="904" t="31502" r="80503" b="31951"/>
+          <a:stretch/>
+        </p:blipFill>
+        <p:spPr>
+          <a:xfrm>
+            <a:off x="4751070" y="731520"/>
+            <a:ext cx="2689860" cy="4671060"/>
+          </a:xfrm>
+          <a:prstGeom prst="rect">
+            <a:avLst/>
+          </a:prstGeom>
+        </p:spPr>
+      </p:pic>
+    </p:spTree>
+    <p:extLst>
+      <p:ext uri="{BB962C8B-B14F-4D97-AF65-F5344CB8AC3E}">
+        <p14:creationId xmlns:p14="http://schemas.microsoft.com/office/powerpoint/2010/main" val="2039290430"/>
+      </p:ext>
+    </p:extLst>
+  </p:cSld>
+  <p:clrMapOvr>
+    <a:masterClrMapping/>
+  </p:clrMapOvr>
+  <mc:AlternateContent xmlns:mc="http://schemas.openxmlformats.org/markup-compatibility/2006">
+    <mc:Choice xmlns:p159="http://schemas.microsoft.com/office/powerpoint/2015/09/main" Requires="p159">
+      <p:transition xmlns:p14="http://schemas.microsoft.com/office/powerpoint/2010/main" spd="slow" p14:dur="2000">
+        <p159:morph option="byObject"/>
+      </p:transition>
+    </mc:Choice>
+    <mc:Fallback>
+      <p:transition spd="slow">
+        <p:fade/>
+      </p:transition>
+    </mc:Fallback>
+  </mc:AlternateContent>
+</p:sld>
+</file>
+
+<file path=ppt/slides/slide13.xml><?xml version="1.0" encoding="utf-8"?>
+<p:sld xmlns:a="http://schemas.openxmlformats.org/drawingml/2006/main" xmlns:r="http://schemas.openxmlformats.org/officeDocument/2006/relationships" xmlns:p="http://schemas.openxmlformats.org/presentationml/2006/main">
+  <p:cSld>
+    <p:bg>
+      <p:bgPr>
+        <a:solidFill>
+          <a:schemeClr val="bg1"/>
+        </a:solidFill>
+        <a:effectLst/>
+      </p:bgPr>
+    </p:bg>
+    <p:spTree>
+      <p:nvGrpSpPr>
+        <p:cNvPr id="1" name=""/>
+        <p:cNvGrpSpPr/>
+        <p:nvPr/>
+      </p:nvGrpSpPr>
+      <p:grpSpPr>
+        <a:xfrm>
+          <a:off x="0" y="0"/>
+          <a:ext cx="0" cy="0"/>
+          <a:chOff x="0" y="0"/>
+          <a:chExt cx="0" cy="0"/>
+        </a:xfrm>
+      </p:grpSpPr>
+      <p:sp>
+        <p:nvSpPr>
+          <p:cNvPr id="10" name="Rectangle 9">
+            <a:extLst>
+              <a:ext uri="{FF2B5EF4-FFF2-40B4-BE49-F238E27FC236}">
+                <a16:creationId xmlns:a16="http://schemas.microsoft.com/office/drawing/2014/main" id="{39E3965E-AC41-4711-9D10-E25ABB132D86}"/>
+              </a:ext>
+              <a:ext uri="{C183D7F6-B498-43B3-948B-1728B52AA6E4}">
+                <adec:decorative xmlns:adec="http://schemas.microsoft.com/office/drawing/2017/decorative" val="1"/>
+              </a:ext>
+            </a:extLst>
+          </p:cNvPr>
+          <p:cNvSpPr>
+            <a:spLocks noGrp="1" noRot="1" noChangeAspect="1" noMove="1" noResize="1" noEditPoints="1" noAdjustHandles="1" noChangeArrowheads="1" noChangeShapeType="1" noTextEdit="1"/>
+          </p:cNvSpPr>
+          <p:nvPr>
+            <p:extLst>
+              <p:ext uri="{386F3935-93C4-4BCD-93E2-E3B085C9AB24}">
+                <p16:designElem xmlns:p16="http://schemas.microsoft.com/office/powerpoint/2015/main" val="1"/>
+              </p:ext>
+            </p:extLst>
+          </p:nvPr>
+        </p:nvSpPr>
+        <p:spPr>
+          <a:xfrm>
+            <a:off x="3175" y="6400800"/>
+            <a:ext cx="12188825" cy="457200"/>
+          </a:xfrm>
+          <a:prstGeom prst="rect">
+            <a:avLst/>
+          </a:prstGeom>
+          <a:solidFill>
+            <a:srgbClr val="262626"/>
+          </a:solidFill>
+          <a:ln>
+            <a:noFill/>
+          </a:ln>
+        </p:spPr>
+        <p:style>
+          <a:lnRef idx="2">
+            <a:schemeClr val="accent1">
+              <a:shade val="50000"/>
+            </a:schemeClr>
+          </a:lnRef>
+          <a:fillRef idx="1">
+            <a:schemeClr val="accent1"/>
+          </a:fillRef>
+          <a:effectRef idx="0">
+            <a:schemeClr val="accent1"/>
+          </a:effectRef>
+          <a:fontRef idx="minor">
+            <a:schemeClr val="lt1"/>
+          </a:fontRef>
+        </p:style>
+      </p:sp>
+      <p:cxnSp>
+        <p:nvCxnSpPr>
+          <p:cNvPr id="12" name="Straight Connector 11">
+            <a:extLst>
+              <a:ext uri="{FF2B5EF4-FFF2-40B4-BE49-F238E27FC236}">
+                <a16:creationId xmlns:a16="http://schemas.microsoft.com/office/drawing/2014/main" id="{1F5DC8C3-BA5F-4EED-BB9A-A14272BD82A1}"/>
+              </a:ext>
+              <a:ext uri="{C183D7F6-B498-43B3-948B-1728B52AA6E4}">
+                <adec:decorative xmlns:adec="http://schemas.microsoft.com/office/drawing/2017/decorative" val="1"/>
+              </a:ext>
+            </a:extLst>
+          </p:cNvPr>
+          <p:cNvCxnSpPr>
+            <a:cxnSpLocks noGrp="1" noRot="1" noChangeAspect="1" noMove="1" noResize="1" noEditPoints="1" noAdjustHandles="1" noChangeArrowheads="1" noChangeShapeType="1"/>
+          </p:cNvCxnSpPr>
+          <p:nvPr>
+            <p:extLst>
+              <p:ext uri="{386F3935-93C4-4BCD-93E2-E3B085C9AB24}">
+                <p16:designElem xmlns:p16="http://schemas.microsoft.com/office/powerpoint/2015/main" val="1"/>
+              </p:ext>
+            </p:extLst>
+          </p:nvPr>
+        </p:nvCxnSpPr>
+        <p:spPr>
+          <a:xfrm>
+            <a:off x="1207658" y="4474741"/>
+            <a:ext cx="9875520" cy="0"/>
+          </a:xfrm>
+          <a:prstGeom prst="line">
+            <a:avLst/>
+          </a:prstGeom>
+          <a:ln w="12700">
+            <a:solidFill>
+              <a:schemeClr val="tx1">
+                <a:lumMod val="75000"/>
+                <a:lumOff val="25000"/>
+              </a:schemeClr>
+            </a:solidFill>
+          </a:ln>
+        </p:spPr>
+        <p:style>
+          <a:lnRef idx="1">
+            <a:schemeClr val="accent1"/>
+          </a:lnRef>
+          <a:fillRef idx="0">
+            <a:schemeClr val="accent1"/>
+          </a:fillRef>
+          <a:effectRef idx="0">
+            <a:schemeClr val="accent1"/>
+          </a:effectRef>
+          <a:fontRef idx="minor">
+            <a:schemeClr val="tx1"/>
+          </a:fontRef>
+        </p:style>
+      </p:cxnSp>
+      <p:sp useBgFill="1">
+        <p:nvSpPr>
+          <p:cNvPr id="14" name="Rectangle 13">
+            <a:extLst>
+              <a:ext uri="{FF2B5EF4-FFF2-40B4-BE49-F238E27FC236}">
+                <a16:creationId xmlns:a16="http://schemas.microsoft.com/office/drawing/2014/main" id="{B4D0E555-16F6-44D0-BF56-AF5FF5BDE9D6}"/>
+              </a:ext>
+              <a:ext uri="{C183D7F6-B498-43B3-948B-1728B52AA6E4}">
+                <adec:decorative xmlns:adec="http://schemas.microsoft.com/office/drawing/2017/decorative" val="1"/>
+              </a:ext>
+            </a:extLst>
+          </p:cNvPr>
+          <p:cNvSpPr>
+            <a:spLocks noGrp="1" noRot="1" noChangeAspect="1" noMove="1" noResize="1" noEditPoints="1" noAdjustHandles="1" noChangeArrowheads="1" noChangeShapeType="1" noTextEdit="1"/>
+          </p:cNvSpPr>
+          <p:nvPr>
+            <p:extLst>
+              <p:ext uri="{386F3935-93C4-4BCD-93E2-E3B085C9AB24}">
+                <p16:designElem xmlns:p16="http://schemas.microsoft.com/office/powerpoint/2015/main" val="1"/>
+              </p:ext>
+            </p:extLst>
+          </p:nvPr>
+        </p:nvSpPr>
+        <p:spPr>
+          <a:xfrm>
+            <a:off x="0" y="0"/>
+            <a:ext cx="12192000" cy="6858000"/>
+          </a:xfrm>
+          <a:prstGeom prst="rect">
+            <a:avLst/>
+          </a:prstGeom>
+          <a:ln>
+            <a:noFill/>
+          </a:ln>
+        </p:spPr>
+        <p:style>
+          <a:lnRef idx="2">
+            <a:schemeClr val="accent1">
+              <a:shade val="50000"/>
+            </a:schemeClr>
+          </a:lnRef>
+          <a:fillRef idx="1001">
+            <a:schemeClr val="lt1"/>
+          </a:fillRef>
+          <a:effectRef idx="0">
+            <a:schemeClr val="accent1"/>
+          </a:effectRef>
+          <a:fontRef idx="minor">
+            <a:schemeClr val="lt1"/>
+          </a:fontRef>
+        </p:style>
+        <p:txBody>
+          <a:bodyPr rtlCol="0" anchor="ctr"/>
+          <a:lstStyle/>
+          <a:p>
+            <a:pPr algn="ctr"/>
+            <a:endParaRPr lang="en-US"/>
+          </a:p>
+        </p:txBody>
+      </p:sp>
+      <p:sp>
+        <p:nvSpPr>
+          <p:cNvPr id="16" name="Rectangle 15">
+            <a:extLst>
+              <a:ext uri="{FF2B5EF4-FFF2-40B4-BE49-F238E27FC236}">
+                <a16:creationId xmlns:a16="http://schemas.microsoft.com/office/drawing/2014/main" id="{8117041D-1A7B-4ECA-AB68-3CFDB6726B8E}"/>
+              </a:ext>
+              <a:ext uri="{C183D7F6-B498-43B3-948B-1728B52AA6E4}">
+                <adec:decorative xmlns:adec="http://schemas.microsoft.com/office/drawing/2017/decorative" val="1"/>
+              </a:ext>
+            </a:extLst>
+          </p:cNvPr>
+          <p:cNvSpPr>
+            <a:spLocks noGrp="1" noRot="1" noChangeAspect="1" noMove="1" noResize="1" noEditPoints="1" noAdjustHandles="1" noChangeArrowheads="1" noChangeShapeType="1" noTextEdit="1"/>
+          </p:cNvSpPr>
+          <p:nvPr>
+            <p:extLst>
+              <p:ext uri="{386F3935-93C4-4BCD-93E2-E3B085C9AB24}">
+                <p16:designElem xmlns:p16="http://schemas.microsoft.com/office/powerpoint/2015/main" val="1"/>
+              </p:ext>
+            </p:extLst>
+          </p:nvPr>
+        </p:nvSpPr>
+        <p:spPr bwMode="white">
+          <a:xfrm>
+            <a:off x="-6220" y="0"/>
+            <a:ext cx="4641314" cy="6858000"/>
+          </a:xfrm>
+          <a:prstGeom prst="rect">
+            <a:avLst/>
+          </a:prstGeom>
+          <a:solidFill>
+            <a:srgbClr val="262626"/>
+          </a:solidFill>
+          <a:ln>
+            <a:noFill/>
+          </a:ln>
+        </p:spPr>
+        <p:style>
+          <a:lnRef idx="2">
+            <a:schemeClr val="accent1">
+              <a:shade val="50000"/>
+            </a:schemeClr>
+          </a:lnRef>
+          <a:fillRef idx="1">
+            <a:schemeClr val="accent1"/>
+          </a:fillRef>
+          <a:effectRef idx="0">
+            <a:schemeClr val="accent1"/>
+          </a:effectRef>
+          <a:fontRef idx="minor">
+            <a:schemeClr val="lt1"/>
+          </a:fontRef>
+        </p:style>
+      </p:sp>
+      <p:sp>
+        <p:nvSpPr>
+          <p:cNvPr id="2" name="Titel 1">
+            <a:extLst>
+              <a:ext uri="{FF2B5EF4-FFF2-40B4-BE49-F238E27FC236}">
+                <a16:creationId xmlns:a16="http://schemas.microsoft.com/office/drawing/2014/main" id="{67281603-7F11-0859-8931-2A092AF53E8C}"/>
+              </a:ext>
+            </a:extLst>
+          </p:cNvPr>
+          <p:cNvSpPr>
+            <a:spLocks noGrp="1"/>
+          </p:cNvSpPr>
+          <p:nvPr>
+            <p:ph type="title"/>
+          </p:nvPr>
+        </p:nvSpPr>
+        <p:spPr>
+          <a:xfrm>
+            <a:off x="435869" y="640080"/>
+            <a:ext cx="3659246" cy="2862699"/>
+          </a:xfrm>
+        </p:spPr>
+        <p:txBody>
+          <a:bodyPr vert="horz" lIns="91440" tIns="45720" rIns="91440" bIns="45720" rtlCol="0" anchor="b">
+            <a:normAutofit/>
+          </a:bodyPr>
+          <a:lstStyle/>
+          <a:p>
+            <a:r>
+              <a:rPr lang="en-US" sz="4400" dirty="0">
+                <a:solidFill>
+                  <a:srgbClr val="FFFFFF"/>
+                </a:solidFill>
+              </a:rPr>
+              <a:t>ER </a:t>
+            </a:r>
+            <a:r>
+              <a:rPr lang="en-US" sz="4400" dirty="0" err="1">
+                <a:solidFill>
+                  <a:srgbClr val="FFFFFF"/>
+                </a:solidFill>
+              </a:rPr>
+              <a:t>Diagramm</a:t>
+            </a:r>
+            <a:endParaRPr lang="en-US" sz="4400" dirty="0">
+              <a:solidFill>
+                <a:srgbClr val="FFFFFF"/>
+              </a:solidFill>
+            </a:endParaRPr>
+          </a:p>
+        </p:txBody>
+      </p:sp>
+      <p:cxnSp>
+        <p:nvCxnSpPr>
+          <p:cNvPr id="18" name="Straight Connector 17">
+            <a:extLst>
+              <a:ext uri="{FF2B5EF4-FFF2-40B4-BE49-F238E27FC236}">
+                <a16:creationId xmlns:a16="http://schemas.microsoft.com/office/drawing/2014/main" id="{ABCD2462-4C1E-401A-AC2D-F799A138B245}"/>
+              </a:ext>
+              <a:ext uri="{C183D7F6-B498-43B3-948B-1728B52AA6E4}">
+                <adec:decorative xmlns:adec="http://schemas.microsoft.com/office/drawing/2017/decorative" val="1"/>
+              </a:ext>
+            </a:extLst>
+          </p:cNvPr>
+          <p:cNvCxnSpPr>
+            <a:cxnSpLocks noGrp="1" noRot="1" noChangeAspect="1" noMove="1" noResize="1" noEditPoints="1" noAdjustHandles="1" noChangeArrowheads="1" noChangeShapeType="1"/>
+          </p:cNvCxnSpPr>
+          <p:nvPr>
+            <p:extLst>
+              <p:ext uri="{386F3935-93C4-4BCD-93E2-E3B085C9AB24}">
+                <p16:designElem xmlns:p16="http://schemas.microsoft.com/office/powerpoint/2015/main" val="1"/>
+              </p:ext>
+            </p:extLst>
+          </p:nvPr>
+        </p:nvCxnSpPr>
+        <p:spPr>
+          <a:xfrm>
+            <a:off x="573852" y="3663649"/>
+            <a:ext cx="3383280" cy="0"/>
+          </a:xfrm>
+          <a:prstGeom prst="line">
+            <a:avLst/>
+          </a:prstGeom>
+          <a:ln w="19050">
+            <a:solidFill>
+              <a:schemeClr val="accent1"/>
+            </a:solidFill>
+          </a:ln>
+        </p:spPr>
+        <p:style>
+          <a:lnRef idx="1">
+            <a:schemeClr val="accent1"/>
+          </a:lnRef>
+          <a:fillRef idx="0">
+            <a:schemeClr val="accent1"/>
+          </a:fillRef>
+          <a:effectRef idx="0">
+            <a:schemeClr val="accent1"/>
+          </a:effectRef>
+          <a:fontRef idx="minor">
+            <a:schemeClr val="tx1"/>
+          </a:fontRef>
+        </p:style>
+      </p:cxnSp>
+      <p:pic>
+        <p:nvPicPr>
+          <p:cNvPr id="5" name="Grafik 4">
+            <a:extLst>
+              <a:ext uri="{FF2B5EF4-FFF2-40B4-BE49-F238E27FC236}">
+                <a16:creationId xmlns:a16="http://schemas.microsoft.com/office/drawing/2014/main" id="{EC88C523-1C68-1B53-6680-1CDE5E04010B}"/>
+              </a:ext>
+            </a:extLst>
+          </p:cNvPr>
+          <p:cNvPicPr>
+            <a:picLocks noChangeAspect="1"/>
+          </p:cNvPicPr>
+          <p:nvPr/>
+        </p:nvPicPr>
+        <p:blipFill rotWithShape="1">
+          <a:blip r:embed="rId2">
+            <a:extLst>
+              <a:ext uri="{28A0092B-C50C-407E-A947-70E740481C1C}">
+                <a14:useLocalDpi xmlns:a14="http://schemas.microsoft.com/office/drawing/2010/main" val="0"/>
+              </a:ext>
+              <a:ext uri="{96DAC541-7B7A-43D3-8B79-37D633B846F1}">
+                <asvg:svgBlip xmlns:asvg="http://schemas.microsoft.com/office/drawing/2016/SVG/main" r:embed="rId3"/>
+              </a:ext>
+            </a:extLst>
+          </a:blip>
+          <a:srcRect b="5675"/>
+          <a:stretch/>
+        </p:blipFill>
+        <p:spPr>
+          <a:xfrm>
+            <a:off x="4930988" y="877446"/>
+            <a:ext cx="6687160" cy="5572406"/>
+          </a:xfrm>
+          <a:prstGeom prst="rect">
+            <a:avLst/>
+          </a:prstGeom>
+        </p:spPr>
+      </p:pic>
+    </p:spTree>
+    <p:extLst>
+      <p:ext uri="{BB962C8B-B14F-4D97-AF65-F5344CB8AC3E}">
+        <p14:creationId xmlns:p14="http://schemas.microsoft.com/office/powerpoint/2010/main" val="2803481584"/>
+      </p:ext>
+    </p:extLst>
+  </p:cSld>
+  <p:clrMapOvr>
+    <a:masterClrMapping/>
+  </p:clrMapOvr>
+  <mc:AlternateContent xmlns:mc="http://schemas.openxmlformats.org/markup-compatibility/2006">
+    <mc:Choice xmlns:p159="http://schemas.microsoft.com/office/powerpoint/2015/09/main" Requires="p159">
+      <p:transition xmlns:p14="http://schemas.microsoft.com/office/powerpoint/2010/main" spd="slow" p14:dur="2000">
+        <p159:morph option="byObject"/>
+      </p:transition>
+    </mc:Choice>
+    <mc:Fallback>
+      <p:transition spd="slow">
+        <p:fade/>
+      </p:transition>
+    </mc:Fallback>
+  </mc:AlternateContent>
+</p:sld>
+</file>
+
+<file path=ppt/slides/slide14.xml><?xml version="1.0" encoding="utf-8"?>
+<p:sld xmlns:a="http://schemas.openxmlformats.org/drawingml/2006/main" xmlns:r="http://schemas.openxmlformats.org/officeDocument/2006/relationships" xmlns:p="http://schemas.openxmlformats.org/presentationml/2006/main">
+  <p:cSld>
+    <p:bg>
+      <p:bgPr>
+        <a:solidFill>
+          <a:schemeClr val="bg2">
+            <a:tint val="90000"/>
+            <a:shade val="97000"/>
+            <a:satMod val="130000"/>
+          </a:schemeClr>
+        </a:solidFill>
+        <a:effectLst/>
+      </p:bgPr>
+    </p:bg>
+    <p:spTree>
+      <p:nvGrpSpPr>
+        <p:cNvPr id="1" name=""/>
+        <p:cNvGrpSpPr/>
+        <p:nvPr/>
+      </p:nvGrpSpPr>
+      <p:grpSpPr>
+        <a:xfrm>
+          <a:off x="0" y="0"/>
+          <a:ext cx="0" cy="0"/>
+          <a:chOff x="0" y="0"/>
+          <a:chExt cx="0" cy="0"/>
+        </a:xfrm>
+      </p:grpSpPr>
+      <p:sp>
+        <p:nvSpPr>
+          <p:cNvPr id="10" name="Rectangle 9">
+            <a:extLst>
+              <a:ext uri="{FF2B5EF4-FFF2-40B4-BE49-F238E27FC236}">
+                <a16:creationId xmlns:a16="http://schemas.microsoft.com/office/drawing/2014/main" id="{39E3965E-AC41-4711-9D10-E25ABB132D86}"/>
+              </a:ext>
+              <a:ext uri="{C183D7F6-B498-43B3-948B-1728B52AA6E4}">
+                <adec:decorative xmlns:adec="http://schemas.microsoft.com/office/drawing/2017/decorative" val="1"/>
+              </a:ext>
+            </a:extLst>
+          </p:cNvPr>
+          <p:cNvSpPr>
+            <a:spLocks noGrp="1" noRot="1" noChangeAspect="1" noMove="1" noResize="1" noEditPoints="1" noAdjustHandles="1" noChangeArrowheads="1" noChangeShapeType="1" noTextEdit="1"/>
+          </p:cNvSpPr>
+          <p:nvPr>
+            <p:extLst>
+              <p:ext uri="{386F3935-93C4-4BCD-93E2-E3B085C9AB24}">
+                <p16:designElem xmlns:p16="http://schemas.microsoft.com/office/powerpoint/2015/main" val="1"/>
+              </p:ext>
+            </p:extLst>
+          </p:nvPr>
+        </p:nvSpPr>
+        <p:spPr>
+          <a:xfrm>
+            <a:off x="3175" y="6400800"/>
+            <a:ext cx="12188825" cy="457200"/>
+          </a:xfrm>
+          <a:prstGeom prst="rect">
+            <a:avLst/>
+          </a:prstGeom>
+          <a:solidFill>
+            <a:srgbClr val="262626"/>
+          </a:solidFill>
+          <a:ln>
+            <a:noFill/>
+          </a:ln>
+        </p:spPr>
+        <p:style>
+          <a:lnRef idx="2">
+            <a:schemeClr val="accent1">
+              <a:shade val="50000"/>
+            </a:schemeClr>
+          </a:lnRef>
+          <a:fillRef idx="1">
+            <a:schemeClr val="accent1"/>
+          </a:fillRef>
+          <a:effectRef idx="0">
+            <a:schemeClr val="accent1"/>
+          </a:effectRef>
+          <a:fontRef idx="minor">
+            <a:schemeClr val="lt1"/>
+          </a:fontRef>
+        </p:style>
+      </p:sp>
+      <p:cxnSp>
+        <p:nvCxnSpPr>
+          <p:cNvPr id="12" name="Straight Connector 11">
+            <a:extLst>
+              <a:ext uri="{FF2B5EF4-FFF2-40B4-BE49-F238E27FC236}">
+                <a16:creationId xmlns:a16="http://schemas.microsoft.com/office/drawing/2014/main" id="{1F5DC8C3-BA5F-4EED-BB9A-A14272BD82A1}"/>
+              </a:ext>
+              <a:ext uri="{C183D7F6-B498-43B3-948B-1728B52AA6E4}">
+                <adec:decorative xmlns:adec="http://schemas.microsoft.com/office/drawing/2017/decorative" val="1"/>
+              </a:ext>
+            </a:extLst>
+          </p:cNvPr>
+          <p:cNvCxnSpPr>
+            <a:cxnSpLocks noGrp="1" noRot="1" noChangeAspect="1" noMove="1" noResize="1" noEditPoints="1" noAdjustHandles="1" noChangeArrowheads="1" noChangeShapeType="1"/>
+          </p:cNvCxnSpPr>
+          <p:nvPr>
+            <p:extLst>
+              <p:ext uri="{386F3935-93C4-4BCD-93E2-E3B085C9AB24}">
+                <p16:designElem xmlns:p16="http://schemas.microsoft.com/office/powerpoint/2015/main" val="1"/>
+              </p:ext>
+            </p:extLst>
+          </p:nvPr>
+        </p:nvCxnSpPr>
+        <p:spPr>
+          <a:xfrm>
+            <a:off x="1207658" y="4474741"/>
+            <a:ext cx="9875520" cy="0"/>
+          </a:xfrm>
+          <a:prstGeom prst="line">
+            <a:avLst/>
+          </a:prstGeom>
+          <a:ln w="12700">
+            <a:solidFill>
+              <a:schemeClr val="tx1">
+                <a:lumMod val="75000"/>
+                <a:lumOff val="25000"/>
+              </a:schemeClr>
+            </a:solidFill>
+          </a:ln>
+        </p:spPr>
+        <p:style>
+          <a:lnRef idx="1">
+            <a:schemeClr val="accent1"/>
+          </a:lnRef>
+          <a:fillRef idx="0">
+            <a:schemeClr val="accent1"/>
+          </a:fillRef>
+          <a:effectRef idx="0">
+            <a:schemeClr val="accent1"/>
+          </a:effectRef>
+          <a:fontRef idx="minor">
+            <a:schemeClr val="tx1"/>
+          </a:fontRef>
+        </p:style>
+      </p:cxnSp>
+      <p:sp>
+        <p:nvSpPr>
+          <p:cNvPr id="14" name="Rectangle 13">
+            <a:extLst>
+              <a:ext uri="{FF2B5EF4-FFF2-40B4-BE49-F238E27FC236}">
+                <a16:creationId xmlns:a16="http://schemas.microsoft.com/office/drawing/2014/main" id="{F3B3B6C5-748F-437C-AE76-DB11FEA99E16}"/>
+              </a:ext>
+              <a:ext uri="{C183D7F6-B498-43B3-948B-1728B52AA6E4}">
+                <adec:decorative xmlns:adec="http://schemas.microsoft.com/office/drawing/2017/decorative" val="1"/>
+              </a:ext>
+            </a:extLst>
+          </p:cNvPr>
+          <p:cNvSpPr>
+            <a:spLocks noGrp="1" noRot="1" noChangeAspect="1" noMove="1" noResize="1" noEditPoints="1" noAdjustHandles="1" noChangeArrowheads="1" noChangeShapeType="1" noTextEdit="1"/>
+          </p:cNvSpPr>
+          <p:nvPr>
+            <p:extLst>
+              <p:ext uri="{386F3935-93C4-4BCD-93E2-E3B085C9AB24}">
+                <p16:designElem xmlns:p16="http://schemas.microsoft.com/office/powerpoint/2015/main" val="1"/>
+              </p:ext>
+            </p:extLst>
+          </p:nvPr>
+        </p:nvSpPr>
+        <p:spPr>
+          <a:xfrm>
+            <a:off x="3048" y="0"/>
+            <a:ext cx="12188952" cy="6858000"/>
+          </a:xfrm>
+          <a:prstGeom prst="rect">
+            <a:avLst/>
+          </a:prstGeom>
+          <a:solidFill>
+            <a:schemeClr val="bg1"/>
+          </a:solidFill>
+          <a:ln>
+            <a:noFill/>
+          </a:ln>
+        </p:spPr>
+        <p:style>
+          <a:lnRef idx="2">
+            <a:schemeClr val="accent1">
+              <a:shade val="50000"/>
+            </a:schemeClr>
+          </a:lnRef>
+          <a:fillRef idx="1">
+            <a:schemeClr val="accent1"/>
+          </a:fillRef>
+          <a:effectRef idx="0">
+            <a:schemeClr val="accent1"/>
+          </a:effectRef>
+          <a:fontRef idx="minor">
+            <a:schemeClr val="lt1"/>
+          </a:fontRef>
+        </p:style>
+        <p:txBody>
+          <a:bodyPr rtlCol="0" anchor="ctr"/>
+          <a:lstStyle/>
+          <a:p>
+            <a:pPr algn="ctr"/>
+            <a:endParaRPr lang="en-US"/>
+          </a:p>
+        </p:txBody>
+      </p:sp>
+      <p:sp useBgFill="1">
+        <p:nvSpPr>
+          <p:cNvPr id="16" name="Rectangle 15">
+            <a:extLst>
+              <a:ext uri="{FF2B5EF4-FFF2-40B4-BE49-F238E27FC236}">
+                <a16:creationId xmlns:a16="http://schemas.microsoft.com/office/drawing/2014/main" id="{197CEB5D-9BB2-475C-BA8D-AC88BB8C976E}"/>
+              </a:ext>
+              <a:ext uri="{C183D7F6-B498-43B3-948B-1728B52AA6E4}">
+                <adec:decorative xmlns:adec="http://schemas.microsoft.com/office/drawing/2017/decorative" val="1"/>
+              </a:ext>
+            </a:extLst>
+          </p:cNvPr>
+          <p:cNvSpPr>
+            <a:spLocks noGrp="1" noRot="1" noChangeAspect="1" noMove="1" noResize="1" noEditPoints="1" noAdjustHandles="1" noChangeArrowheads="1" noChangeShapeType="1" noTextEdit="1"/>
+          </p:cNvSpPr>
+          <p:nvPr>
+            <p:extLst>
+              <p:ext uri="{386F3935-93C4-4BCD-93E2-E3B085C9AB24}">
+                <p16:designElem xmlns:p16="http://schemas.microsoft.com/office/powerpoint/2015/main" val="1"/>
+              </p:ext>
+            </p:extLst>
+          </p:nvPr>
+        </p:nvSpPr>
+        <p:spPr bwMode="ltGray">
+          <a:xfrm>
+            <a:off x="458724" y="457200"/>
+            <a:ext cx="11274552" cy="5943600"/>
+          </a:xfrm>
+          <a:prstGeom prst="rect">
+            <a:avLst/>
+          </a:prstGeom>
+          <a:ln w="127000" cap="sq" cmpd="thinThick">
+            <a:noFill/>
+          </a:ln>
+        </p:spPr>
+        <p:style>
+          <a:lnRef idx="2">
+            <a:schemeClr val="accent1">
+              <a:shade val="50000"/>
+            </a:schemeClr>
+          </a:lnRef>
+          <a:fillRef idx="1">
+            <a:schemeClr val="accent1"/>
+          </a:fillRef>
+          <a:effectRef idx="0">
+            <a:schemeClr val="accent1"/>
+          </a:effectRef>
+          <a:fontRef idx="minor">
+            <a:schemeClr val="lt1"/>
+          </a:fontRef>
+        </p:style>
+        <p:txBody>
+          <a:bodyPr rtlCol="0" anchor="ctr"/>
+          <a:lstStyle/>
+          <a:p>
+            <a:pPr algn="ctr"/>
+            <a:endParaRPr lang="en-US"/>
+          </a:p>
+        </p:txBody>
+      </p:sp>
+      <p:sp>
+        <p:nvSpPr>
+          <p:cNvPr id="4" name="Titel 3">
+            <a:extLst>
+              <a:ext uri="{FF2B5EF4-FFF2-40B4-BE49-F238E27FC236}">
+                <a16:creationId xmlns:a16="http://schemas.microsoft.com/office/drawing/2014/main" id="{FCAE455A-4A7F-EE96-CF6E-57BBADCF1BF0}"/>
+              </a:ext>
+            </a:extLst>
+          </p:cNvPr>
+          <p:cNvSpPr>
+            <a:spLocks noGrp="1"/>
+          </p:cNvSpPr>
+          <p:nvPr>
+            <p:ph type="title"/>
+          </p:nvPr>
+        </p:nvSpPr>
+        <p:spPr>
+          <a:xfrm>
+            <a:off x="4380588" y="965199"/>
+            <a:ext cx="6766078" cy="4927601"/>
+          </a:xfrm>
+        </p:spPr>
+        <p:txBody>
+          <a:bodyPr vert="horz" lIns="91440" tIns="45720" rIns="91440" bIns="45720" rtlCol="0" anchor="ctr">
+            <a:normAutofit/>
+          </a:bodyPr>
+          <a:lstStyle/>
+          <a:p>
+            <a:r>
+              <a:rPr lang="en-US" sz="6000"/>
+              <a:t>Fragen?</a:t>
+            </a:r>
+          </a:p>
+        </p:txBody>
+      </p:sp>
+      <p:sp>
+        <p:nvSpPr>
+          <p:cNvPr id="5" name="Textplatzhalter 4">
+            <a:extLst>
+              <a:ext uri="{FF2B5EF4-FFF2-40B4-BE49-F238E27FC236}">
+                <a16:creationId xmlns:a16="http://schemas.microsoft.com/office/drawing/2014/main" id="{4A0DB270-A21A-7DDA-4AA5-202B2D6CE603}"/>
+              </a:ext>
+            </a:extLst>
+          </p:cNvPr>
+          <p:cNvSpPr>
+            <a:spLocks noGrp="1"/>
+          </p:cNvSpPr>
+          <p:nvPr>
+            <p:ph type="body" idx="1"/>
+          </p:nvPr>
+        </p:nvSpPr>
+        <p:spPr>
+          <a:xfrm>
+            <a:off x="1023257" y="965198"/>
+            <a:ext cx="2707937" cy="4927602"/>
+          </a:xfrm>
+        </p:spPr>
+        <p:txBody>
+          <a:bodyPr vert="horz" lIns="91440" tIns="45720" rIns="91440" bIns="45720" rtlCol="0" anchor="ctr">
+            <a:normAutofit/>
+          </a:bodyPr>
+          <a:lstStyle/>
+          <a:p>
+            <a:pPr algn="r"/>
+            <a:endParaRPr lang="en-US" sz="2000"/>
+          </a:p>
+        </p:txBody>
+      </p:sp>
+      <p:cxnSp>
+        <p:nvCxnSpPr>
+          <p:cNvPr id="18" name="Straight Connector 17">
+            <a:extLst>
+              <a:ext uri="{FF2B5EF4-FFF2-40B4-BE49-F238E27FC236}">
+                <a16:creationId xmlns:a16="http://schemas.microsoft.com/office/drawing/2014/main" id="{BB14AD1F-ADD5-46E7-966F-4C0290232FF9}"/>
+              </a:ext>
+              <a:ext uri="{C183D7F6-B498-43B3-948B-1728B52AA6E4}">
+                <adec:decorative xmlns:adec="http://schemas.microsoft.com/office/drawing/2017/decorative" val="1"/>
+              </a:ext>
+            </a:extLst>
+          </p:cNvPr>
+          <p:cNvCxnSpPr>
+            <a:cxnSpLocks noGrp="1" noRot="1" noChangeAspect="1" noMove="1" noResize="1" noEditPoints="1" noAdjustHandles="1" noChangeArrowheads="1" noChangeShapeType="1"/>
+          </p:cNvCxnSpPr>
+          <p:nvPr>
+            <p:extLst>
+              <p:ext uri="{386F3935-93C4-4BCD-93E2-E3B085C9AB24}">
+                <p16:designElem xmlns:p16="http://schemas.microsoft.com/office/powerpoint/2015/main" val="1"/>
+              </p:ext>
+            </p:extLst>
+          </p:nvPr>
+        </p:nvCxnSpPr>
+        <p:spPr>
+          <a:xfrm>
+            <a:off x="4055891" y="2057399"/>
+            <a:ext cx="0" cy="2743200"/>
+          </a:xfrm>
+          <a:prstGeom prst="line">
+            <a:avLst/>
+          </a:prstGeom>
+          <a:ln w="19050">
+            <a:solidFill>
+              <a:schemeClr val="tx1"/>
+            </a:solidFill>
+          </a:ln>
+        </p:spPr>
+        <p:style>
+          <a:lnRef idx="1">
+            <a:schemeClr val="accent1"/>
+          </a:lnRef>
+          <a:fillRef idx="0">
+            <a:schemeClr val="accent1"/>
+          </a:fillRef>
+          <a:effectRef idx="0">
+            <a:schemeClr val="accent1"/>
+          </a:effectRef>
+          <a:fontRef idx="minor">
+            <a:schemeClr val="tx1"/>
+          </a:fontRef>
+        </p:style>
+      </p:cxnSp>
+    </p:spTree>
+    <p:extLst>
+      <p:ext uri="{BB962C8B-B14F-4D97-AF65-F5344CB8AC3E}">
+        <p14:creationId xmlns:p14="http://schemas.microsoft.com/office/powerpoint/2010/main" val="3786065440"/>
+      </p:ext>
+    </p:extLst>
+  </p:cSld>
+  <p:clrMapOvr>
+    <a:masterClrMapping/>
+  </p:clrMapOvr>
+</p:sld>
+</file>
+
+<file path=ppt/slides/slide2.xml><?xml version="1.0" encoding="utf-8"?>
+<p:sld xmlns:a="http://schemas.openxmlformats.org/drawingml/2006/main" xmlns:r="http://schemas.openxmlformats.org/officeDocument/2006/relationships" xmlns:p="http://schemas.openxmlformats.org/presentationml/2006/main">
+  <p:cSld>
+    <p:spTree>
+      <p:nvGrpSpPr>
+        <p:cNvPr id="1" name=""/>
+        <p:cNvGrpSpPr/>
+        <p:nvPr/>
+      </p:nvGrpSpPr>
+      <p:grpSpPr>
+        <a:xfrm>
+          <a:off x="0" y="0"/>
+          <a:ext cx="0" cy="0"/>
+          <a:chOff x="0" y="0"/>
+          <a:chExt cx="0" cy="0"/>
+        </a:xfrm>
+      </p:grpSpPr>
+      <p:sp>
+        <p:nvSpPr>
+          <p:cNvPr id="2" name="Titel 1">
+            <a:extLst>
+              <a:ext uri="{FF2B5EF4-FFF2-40B4-BE49-F238E27FC236}">
+                <a16:creationId xmlns:a16="http://schemas.microsoft.com/office/drawing/2014/main" id="{EBC42AE0-4D7F-12F0-4068-223E72B197E5}"/>
+              </a:ext>
+            </a:extLst>
+          </p:cNvPr>
+          <p:cNvSpPr>
+            <a:spLocks noGrp="1"/>
+          </p:cNvSpPr>
+          <p:nvPr>
+            <p:ph type="title"/>
+          </p:nvPr>
+        </p:nvSpPr>
+        <p:spPr/>
+        <p:txBody>
+          <a:bodyPr/>
+          <a:lstStyle/>
+          <a:p>
+            <a:r>
+              <a:rPr lang="de-DE" dirty="0"/>
+              <a:t>Aufgabenstellung</a:t>
+            </a:r>
+          </a:p>
+        </p:txBody>
+      </p:sp>
+      <p:sp>
+        <p:nvSpPr>
+          <p:cNvPr id="3" name="Inhaltsplatzhalter 2">
+            <a:extLst>
+              <a:ext uri="{FF2B5EF4-FFF2-40B4-BE49-F238E27FC236}">
+                <a16:creationId xmlns:a16="http://schemas.microsoft.com/office/drawing/2014/main" id="{426F556B-D48B-A8B2-0E50-B305684AC59B}"/>
+              </a:ext>
+            </a:extLst>
+          </p:cNvPr>
+          <p:cNvSpPr>
+            <a:spLocks noGrp="1"/>
+          </p:cNvSpPr>
+          <p:nvPr>
+            <p:ph idx="1"/>
+          </p:nvPr>
+        </p:nvSpPr>
+        <p:spPr/>
+        <p:txBody>
+          <a:bodyPr/>
+          <a:lstStyle/>
+          <a:p>
+            <a:pPr>
+              <a:buFont typeface="Arial" panose="020B0604020202020204" pitchFamily="34" charset="0"/>
+              <a:buChar char="•"/>
+            </a:pPr>
+            <a:r>
+              <a:rPr lang="de-DE" dirty="0"/>
+              <a:t> Software für Film Verleih</a:t>
+            </a:r>
+          </a:p>
+          <a:p>
+            <a:pPr>
+              <a:buFont typeface="Arial" panose="020B0604020202020204" pitchFamily="34" charset="0"/>
+              <a:buChar char="•"/>
+            </a:pPr>
+            <a:r>
+              <a:rPr lang="de-DE" dirty="0"/>
+              <a:t> Datenverwaltung: Speichern, Ändern &amp; Löschen</a:t>
+            </a:r>
+          </a:p>
+          <a:p>
+            <a:pPr lvl="1">
+              <a:buFont typeface="Arial" panose="020B0604020202020204" pitchFamily="34" charset="0"/>
+              <a:buChar char="•"/>
+            </a:pPr>
+            <a:r>
+              <a:rPr lang="de-DE" dirty="0"/>
+              <a:t>Kunden</a:t>
+            </a:r>
+          </a:p>
+          <a:p>
+            <a:pPr lvl="1">
+              <a:buFont typeface="Arial" panose="020B0604020202020204" pitchFamily="34" charset="0"/>
+              <a:buChar char="•"/>
+            </a:pPr>
+            <a:r>
+              <a:rPr lang="de-DE" dirty="0"/>
+              <a:t>Film Kontingent</a:t>
+            </a:r>
+          </a:p>
+          <a:p>
+            <a:pPr lvl="1">
+              <a:buFont typeface="Arial" panose="020B0604020202020204" pitchFamily="34" charset="0"/>
+              <a:buChar char="•"/>
+            </a:pPr>
+            <a:r>
+              <a:rPr lang="de-DE" dirty="0"/>
+              <a:t>Ausleihen der Filme</a:t>
+            </a:r>
+          </a:p>
+          <a:p>
+            <a:pPr>
+              <a:buFont typeface="Arial" panose="020B0604020202020204" pitchFamily="34" charset="0"/>
+              <a:buChar char="•"/>
+            </a:pPr>
+            <a:r>
+              <a:rPr lang="de-DE" dirty="0"/>
+              <a:t> Auswertungen</a:t>
+            </a:r>
+          </a:p>
+          <a:p>
+            <a:pPr lvl="1">
+              <a:buFont typeface="Arial" panose="020B0604020202020204" pitchFamily="34" charset="0"/>
+              <a:buChar char="•"/>
+            </a:pPr>
+            <a:r>
+              <a:rPr lang="de-DE" dirty="0"/>
+              <a:t>Ausleihen der Filme</a:t>
+            </a:r>
+          </a:p>
+          <a:p>
+            <a:pPr lvl="1">
+              <a:buFont typeface="Arial" panose="020B0604020202020204" pitchFamily="34" charset="0"/>
+              <a:buChar char="•"/>
+            </a:pPr>
+            <a:r>
+              <a:rPr lang="de-DE" dirty="0"/>
+              <a:t>Rechnungen</a:t>
+            </a:r>
+          </a:p>
+          <a:p>
+            <a:pPr lvl="1">
+              <a:buFont typeface="Arial" panose="020B0604020202020204" pitchFamily="34" charset="0"/>
+              <a:buChar char="•"/>
+            </a:pPr>
+            <a:r>
+              <a:rPr lang="de-DE" dirty="0"/>
+              <a:t>Wöchentliche Kalkulation aller Kosten</a:t>
+            </a:r>
+          </a:p>
+        </p:txBody>
+      </p:sp>
+    </p:spTree>
+    <p:extLst>
+      <p:ext uri="{BB962C8B-B14F-4D97-AF65-F5344CB8AC3E}">
+        <p14:creationId xmlns:p14="http://schemas.microsoft.com/office/powerpoint/2010/main" val="438768342"/>
+      </p:ext>
+    </p:extLst>
+  </p:cSld>
+  <p:clrMapOvr>
+    <a:masterClrMapping/>
+  </p:clrMapOvr>
+</p:sld>
+</file>
+
+<file path=ppt/slides/slide3.xml><?xml version="1.0" encoding="utf-8"?>
+<p:sld xmlns:a="http://schemas.openxmlformats.org/drawingml/2006/main" xmlns:r="http://schemas.openxmlformats.org/officeDocument/2006/relationships" xmlns:p="http://schemas.openxmlformats.org/presentationml/2006/main">
+  <p:cSld>
+    <p:spTree>
+      <p:nvGrpSpPr>
+        <p:cNvPr id="1" name=""/>
+        <p:cNvGrpSpPr/>
+        <p:nvPr/>
+      </p:nvGrpSpPr>
+      <p:grpSpPr>
+        <a:xfrm>
+          <a:off x="0" y="0"/>
+          <a:ext cx="0" cy="0"/>
+          <a:chOff x="0" y="0"/>
+          <a:chExt cx="0" cy="0"/>
+        </a:xfrm>
+      </p:grpSpPr>
+      <p:sp>
+        <p:nvSpPr>
+          <p:cNvPr id="2" name="Titel 1">
+            <a:extLst>
+              <a:ext uri="{FF2B5EF4-FFF2-40B4-BE49-F238E27FC236}">
+                <a16:creationId xmlns:a16="http://schemas.microsoft.com/office/drawing/2014/main" id="{392F9E27-7F50-8B27-43F0-9A48B0316560}"/>
+              </a:ext>
+            </a:extLst>
+          </p:cNvPr>
+          <p:cNvSpPr>
+            <a:spLocks noGrp="1"/>
+          </p:cNvSpPr>
+          <p:nvPr>
+            <p:ph type="title"/>
+          </p:nvPr>
+        </p:nvSpPr>
+        <p:spPr/>
+        <p:txBody>
+          <a:bodyPr/>
+          <a:lstStyle/>
+          <a:p>
+            <a:r>
+              <a:rPr lang="de-DE" dirty="0"/>
+              <a:t>Technologie Stack</a:t>
+            </a:r>
+          </a:p>
+        </p:txBody>
+      </p:sp>
+      <p:sp>
+        <p:nvSpPr>
+          <p:cNvPr id="3" name="Inhaltsplatzhalter 2">
+            <a:extLst>
+              <a:ext uri="{FF2B5EF4-FFF2-40B4-BE49-F238E27FC236}">
+                <a16:creationId xmlns:a16="http://schemas.microsoft.com/office/drawing/2014/main" id="{23BE8ACB-D414-23BC-120A-05C5FBA659ED}"/>
+              </a:ext>
+            </a:extLst>
+          </p:cNvPr>
+          <p:cNvSpPr>
+            <a:spLocks noGrp="1"/>
+          </p:cNvSpPr>
+          <p:nvPr>
+            <p:ph idx="1"/>
+          </p:nvPr>
+        </p:nvSpPr>
+        <p:spPr/>
+        <p:txBody>
+          <a:bodyPr/>
+          <a:lstStyle/>
+          <a:p>
+            <a:pPr>
+              <a:buFont typeface="Arial" panose="020B0604020202020204" pitchFamily="34" charset="0"/>
+              <a:buChar char="•"/>
+            </a:pPr>
+            <a:r>
+              <a:rPr lang="de-DE" dirty="0"/>
+              <a:t> Java 17</a:t>
+            </a:r>
+          </a:p>
+          <a:p>
+            <a:pPr>
+              <a:buFont typeface="Arial" panose="020B0604020202020204" pitchFamily="34" charset="0"/>
+              <a:buChar char="•"/>
+            </a:pPr>
+            <a:r>
+              <a:rPr lang="de-DE" dirty="0"/>
+              <a:t> Frameworks und Bibliotheken</a:t>
+            </a:r>
+          </a:p>
+          <a:p>
+            <a:pPr lvl="1">
+              <a:buFont typeface="Arial" panose="020B0604020202020204" pitchFamily="34" charset="0"/>
+              <a:buChar char="•"/>
+            </a:pPr>
+            <a:r>
+              <a:rPr lang="de-DE" dirty="0"/>
+              <a:t>Spring Framework (Boot &amp; Data)</a:t>
+            </a:r>
+          </a:p>
+          <a:p>
+            <a:pPr lvl="1">
+              <a:buFont typeface="Arial" panose="020B0604020202020204" pitchFamily="34" charset="0"/>
+              <a:buChar char="•"/>
+            </a:pPr>
+            <a:r>
+              <a:rPr lang="de-DE" dirty="0" err="1"/>
+              <a:t>Vaadin</a:t>
+            </a:r>
+            <a:endParaRPr lang="de-DE" dirty="0"/>
+          </a:p>
+          <a:p>
+            <a:pPr lvl="1">
+              <a:buFont typeface="Arial" panose="020B0604020202020204" pitchFamily="34" charset="0"/>
+              <a:buChar char="•"/>
+            </a:pPr>
+            <a:r>
+              <a:rPr lang="de-DE" dirty="0" err="1"/>
+              <a:t>lombok</a:t>
+            </a:r>
+            <a:endParaRPr lang="de-DE" dirty="0"/>
+          </a:p>
+          <a:p>
+            <a:pPr lvl="1">
+              <a:buFont typeface="Arial" panose="020B0604020202020204" pitchFamily="34" charset="0"/>
+              <a:buChar char="•"/>
+            </a:pPr>
+            <a:r>
+              <a:rPr lang="de-DE" dirty="0" err="1"/>
+              <a:t>apexcharts</a:t>
+            </a:r>
+            <a:endParaRPr lang="de-DE" dirty="0"/>
+          </a:p>
+          <a:p>
+            <a:pPr lvl="1">
+              <a:buFont typeface="Arial" panose="020B0604020202020204" pitchFamily="34" charset="0"/>
+              <a:buChar char="•"/>
+            </a:pPr>
+            <a:r>
+              <a:rPr lang="de-DE" dirty="0" err="1"/>
+              <a:t>jsoup</a:t>
+            </a:r>
+            <a:r>
+              <a:rPr lang="de-DE" dirty="0"/>
+              <a:t> &amp; </a:t>
+            </a:r>
+            <a:r>
+              <a:rPr lang="de-DE" dirty="0" err="1"/>
+              <a:t>flying-saucer-pdf-openpdf</a:t>
+            </a:r>
+            <a:endParaRPr lang="de-DE" dirty="0"/>
+          </a:p>
+          <a:p>
+            <a:pPr>
+              <a:buFont typeface="Arial" panose="020B0604020202020204" pitchFamily="34" charset="0"/>
+              <a:buChar char="•"/>
+            </a:pPr>
+            <a:r>
+              <a:rPr lang="de-DE" dirty="0"/>
+              <a:t> Oracle Datenbank</a:t>
+            </a:r>
+          </a:p>
+          <a:p>
+            <a:pPr lvl="1">
+              <a:buFont typeface="Arial" panose="020B0604020202020204" pitchFamily="34" charset="0"/>
+              <a:buChar char="•"/>
+            </a:pPr>
+            <a:endParaRPr lang="de-DE" dirty="0"/>
+          </a:p>
+        </p:txBody>
+      </p:sp>
+    </p:spTree>
+    <p:extLst>
+      <p:ext uri="{BB962C8B-B14F-4D97-AF65-F5344CB8AC3E}">
+        <p14:creationId xmlns:p14="http://schemas.microsoft.com/office/powerpoint/2010/main" val="2812273496"/>
+      </p:ext>
+    </p:extLst>
+  </p:cSld>
+  <p:clrMapOvr>
+    <a:masterClrMapping/>
+  </p:clrMapOvr>
+</p:sld>
+</file>
+
+<file path=ppt/slides/slide4.xml><?xml version="1.0" encoding="utf-8"?>
+<p:sld xmlns:a="http://schemas.openxmlformats.org/drawingml/2006/main" xmlns:r="http://schemas.openxmlformats.org/officeDocument/2006/relationships" xmlns:p="http://schemas.openxmlformats.org/presentationml/2006/main">
+  <p:cSld>
+    <p:spTree>
+      <p:nvGrpSpPr>
+        <p:cNvPr id="1" name=""/>
+        <p:cNvGrpSpPr/>
+        <p:nvPr/>
+      </p:nvGrpSpPr>
+      <p:grpSpPr>
+        <a:xfrm>
+          <a:off x="0" y="0"/>
+          <a:ext cx="0" cy="0"/>
+          <a:chOff x="0" y="0"/>
+          <a:chExt cx="0" cy="0"/>
+        </a:xfrm>
+      </p:grpSpPr>
+      <p:sp>
+        <p:nvSpPr>
+          <p:cNvPr id="2" name="Titel 1">
+            <a:extLst>
+              <a:ext uri="{FF2B5EF4-FFF2-40B4-BE49-F238E27FC236}">
+                <a16:creationId xmlns:a16="http://schemas.microsoft.com/office/drawing/2014/main" id="{6058BDA0-69E9-7E95-17FA-94E648769CAD}"/>
+              </a:ext>
+            </a:extLst>
+          </p:cNvPr>
+          <p:cNvSpPr>
+            <a:spLocks noGrp="1"/>
+          </p:cNvSpPr>
+          <p:nvPr>
+            <p:ph type="title"/>
+          </p:nvPr>
+        </p:nvSpPr>
+        <p:spPr/>
+        <p:txBody>
+          <a:bodyPr/>
+          <a:lstStyle/>
+          <a:p>
+            <a:r>
+              <a:rPr lang="de-DE" dirty="0" err="1"/>
+              <a:t>Vaadin</a:t>
+            </a:r>
+            <a:endParaRPr lang="de-DE" dirty="0"/>
+          </a:p>
+        </p:txBody>
+      </p:sp>
+      <p:sp>
+        <p:nvSpPr>
+          <p:cNvPr id="3" name="Inhaltsplatzhalter 2">
+            <a:extLst>
+              <a:ext uri="{FF2B5EF4-FFF2-40B4-BE49-F238E27FC236}">
+                <a16:creationId xmlns:a16="http://schemas.microsoft.com/office/drawing/2014/main" id="{797AAA29-F775-901C-EA19-74A06A97993F}"/>
+              </a:ext>
+            </a:extLst>
+          </p:cNvPr>
+          <p:cNvSpPr>
+            <a:spLocks noGrp="1"/>
+          </p:cNvSpPr>
+          <p:nvPr>
+            <p:ph idx="1"/>
+          </p:nvPr>
+        </p:nvSpPr>
+        <p:spPr/>
+        <p:txBody>
+          <a:bodyPr/>
+          <a:lstStyle/>
+          <a:p>
+            <a:pPr>
+              <a:buFont typeface="Arial" panose="020B0604020202020204" pitchFamily="34" charset="0"/>
+              <a:buChar char="•"/>
+            </a:pPr>
+            <a:r>
+              <a:rPr lang="de-DE" dirty="0"/>
+              <a:t> Freies Webframework aus dem Jahr 2002</a:t>
+            </a:r>
+          </a:p>
+          <a:p>
+            <a:pPr lvl="1">
+              <a:buFont typeface="Arial" panose="020B0604020202020204" pitchFamily="34" charset="0"/>
+              <a:buChar char="•"/>
+            </a:pPr>
+            <a:r>
+              <a:rPr lang="de-DE" dirty="0"/>
+              <a:t>Aktuelle Version: 24.0.4 (11. April 2023)</a:t>
+            </a:r>
+          </a:p>
+          <a:p>
+            <a:pPr>
+              <a:buFont typeface="Arial" panose="020B0604020202020204" pitchFamily="34" charset="0"/>
+              <a:buChar char="•"/>
+            </a:pPr>
+            <a:r>
+              <a:rPr lang="de-DE" dirty="0"/>
+              <a:t> Programmiersprachen: Java, JavaScript bzw. </a:t>
+            </a:r>
+            <a:r>
+              <a:rPr lang="de-DE" dirty="0" err="1"/>
+              <a:t>TypeScript</a:t>
+            </a:r>
+            <a:endParaRPr lang="de-DE" dirty="0"/>
+          </a:p>
+          <a:p>
+            <a:pPr>
+              <a:buFont typeface="Arial" panose="020B0604020202020204" pitchFamily="34" charset="0"/>
+              <a:buChar char="•"/>
+            </a:pPr>
+            <a:r>
+              <a:rPr lang="de-DE" dirty="0"/>
+              <a:t> Apache-Lizenz 2.0</a:t>
+            </a:r>
+          </a:p>
+          <a:p>
+            <a:pPr>
+              <a:buFont typeface="Arial" panose="020B0604020202020204" pitchFamily="34" charset="0"/>
+              <a:buChar char="•"/>
+            </a:pPr>
+            <a:r>
+              <a:rPr lang="de-DE" dirty="0"/>
+              <a:t> Serverseitige Architektur</a:t>
+            </a:r>
+          </a:p>
+          <a:p>
+            <a:pPr>
+              <a:buFont typeface="Arial" panose="020B0604020202020204" pitchFamily="34" charset="0"/>
+              <a:buChar char="•"/>
+            </a:pPr>
+            <a:r>
+              <a:rPr lang="de-DE" dirty="0"/>
+              <a:t> Plattformübergreifend</a:t>
+            </a:r>
+          </a:p>
+          <a:p>
+            <a:pPr>
+              <a:buFont typeface="Arial" panose="020B0604020202020204" pitchFamily="34" charset="0"/>
+              <a:buChar char="•"/>
+            </a:pPr>
+            <a:r>
+              <a:rPr lang="de-DE" dirty="0"/>
+              <a:t> Client-Seite basiert auf Web Components</a:t>
+            </a:r>
+          </a:p>
+          <a:p>
+            <a:pPr lvl="1">
+              <a:buFont typeface="Arial" panose="020B0604020202020204" pitchFamily="34" charset="0"/>
+              <a:buChar char="•"/>
+            </a:pPr>
+            <a:r>
+              <a:rPr lang="de-DE" dirty="0"/>
+              <a:t>Erweiterbar durch eigene Komponenten</a:t>
+            </a:r>
+          </a:p>
+        </p:txBody>
+      </p:sp>
+      <p:pic>
+        <p:nvPicPr>
+          <p:cNvPr id="1026" name="Picture 2">
+            <a:extLst>
+              <a:ext uri="{FF2B5EF4-FFF2-40B4-BE49-F238E27FC236}">
+                <a16:creationId xmlns:a16="http://schemas.microsoft.com/office/drawing/2014/main" id="{C9C19A0A-5F10-2679-9B70-B2865FED7556}"/>
+              </a:ext>
+            </a:extLst>
+          </p:cNvPr>
+          <p:cNvPicPr>
+            <a:picLocks noChangeAspect="1" noChangeArrowheads="1"/>
+          </p:cNvPicPr>
+          <p:nvPr/>
+        </p:nvPicPr>
+        <p:blipFill>
+          <a:blip r:embed="rId2">
+            <a:extLst>
+              <a:ext uri="{28A0092B-C50C-407E-A947-70E740481C1C}">
+                <a14:useLocalDpi xmlns:a14="http://schemas.microsoft.com/office/drawing/2010/main" val="0"/>
+              </a:ext>
+            </a:extLst>
+          </a:blip>
+          <a:srcRect/>
+          <a:stretch>
+            <a:fillRect/>
+          </a:stretch>
+        </p:blipFill>
+        <p:spPr bwMode="auto">
+          <a:xfrm>
+            <a:off x="7324658" y="627314"/>
+            <a:ext cx="3831022" cy="928113"/>
+          </a:xfrm>
+          <a:prstGeom prst="rect">
+            <a:avLst/>
+          </a:prstGeom>
+          <a:noFill/>
+          <a:extLst>
+            <a:ext uri="{909E8E84-426E-40DD-AFC4-6F175D3DCCD1}">
+              <a14:hiddenFill xmlns:a14="http://schemas.microsoft.com/office/drawing/2010/main">
+                <a:solidFill>
+                  <a:srgbClr val="FFFFFF"/>
+                </a:solidFill>
+              </a14:hiddenFill>
+            </a:ext>
+          </a:extLst>
+        </p:spPr>
+      </p:pic>
+    </p:spTree>
+    <p:extLst>
+      <p:ext uri="{BB962C8B-B14F-4D97-AF65-F5344CB8AC3E}">
+        <p14:creationId xmlns:p14="http://schemas.microsoft.com/office/powerpoint/2010/main" val="3972974116"/>
+      </p:ext>
+    </p:extLst>
+  </p:cSld>
+  <p:clrMapOvr>
+    <a:masterClrMapping/>
+  </p:clrMapOvr>
+</p:sld>
+</file>
+
+<file path=ppt/slides/slide5.xml><?xml version="1.0" encoding="utf-8"?>
+<p:sld xmlns:a="http://schemas.openxmlformats.org/drawingml/2006/main" xmlns:r="http://schemas.openxmlformats.org/officeDocument/2006/relationships" xmlns:p="http://schemas.openxmlformats.org/presentationml/2006/main">
+  <p:cSld>
+    <p:bg>
+      <p:bgPr>
+        <a:solidFill>
+          <a:schemeClr val="bg1"/>
+        </a:solidFill>
+        <a:effectLst/>
+      </p:bgPr>
+    </p:bg>
+    <p:spTree>
+      <p:nvGrpSpPr>
+        <p:cNvPr id="1" name=""/>
+        <p:cNvGrpSpPr/>
+        <p:nvPr/>
+      </p:nvGrpSpPr>
+      <p:grpSpPr>
+        <a:xfrm>
+          <a:off x="0" y="0"/>
+          <a:ext cx="0" cy="0"/>
+          <a:chOff x="0" y="0"/>
+          <a:chExt cx="0" cy="0"/>
+        </a:xfrm>
+      </p:grpSpPr>
+      <p:sp>
+        <p:nvSpPr>
+          <p:cNvPr id="10" name="Rectangle 9">
+            <a:extLst>
+              <a:ext uri="{FF2B5EF4-FFF2-40B4-BE49-F238E27FC236}">
+                <a16:creationId xmlns:a16="http://schemas.microsoft.com/office/drawing/2014/main" id="{39E3965E-AC41-4711-9D10-E25ABB132D86}"/>
+              </a:ext>
+              <a:ext uri="{C183D7F6-B498-43B3-948B-1728B52AA6E4}">
+                <adec:decorative xmlns:adec="http://schemas.microsoft.com/office/drawing/2017/decorative" val="1"/>
+              </a:ext>
+            </a:extLst>
+          </p:cNvPr>
+          <p:cNvSpPr>
+            <a:spLocks noGrp="1" noRot="1" noChangeAspect="1" noMove="1" noResize="1" noEditPoints="1" noAdjustHandles="1" noChangeArrowheads="1" noChangeShapeType="1" noTextEdit="1"/>
+          </p:cNvSpPr>
+          <p:nvPr>
+            <p:extLst>
+              <p:ext uri="{386F3935-93C4-4BCD-93E2-E3B085C9AB24}">
+                <p16:designElem xmlns:p16="http://schemas.microsoft.com/office/powerpoint/2015/main" val="1"/>
+              </p:ext>
+            </p:extLst>
+          </p:nvPr>
+        </p:nvSpPr>
+        <p:spPr>
+          <a:xfrm>
+            <a:off x="3175" y="6400800"/>
+            <a:ext cx="12188825" cy="457200"/>
+          </a:xfrm>
+          <a:prstGeom prst="rect">
+            <a:avLst/>
+          </a:prstGeom>
+          <a:solidFill>
+            <a:srgbClr val="262626"/>
+          </a:solidFill>
+          <a:ln>
+            <a:noFill/>
+          </a:ln>
+        </p:spPr>
+        <p:style>
+          <a:lnRef idx="2">
+            <a:schemeClr val="accent1">
+              <a:shade val="50000"/>
+            </a:schemeClr>
+          </a:lnRef>
+          <a:fillRef idx="1">
+            <a:schemeClr val="accent1"/>
+          </a:fillRef>
+          <a:effectRef idx="0">
+            <a:schemeClr val="accent1"/>
+          </a:effectRef>
+          <a:fontRef idx="minor">
+            <a:schemeClr val="lt1"/>
+          </a:fontRef>
+        </p:style>
+      </p:sp>
+      <p:cxnSp>
+        <p:nvCxnSpPr>
+          <p:cNvPr id="12" name="Straight Connector 11">
+            <a:extLst>
+              <a:ext uri="{FF2B5EF4-FFF2-40B4-BE49-F238E27FC236}">
+                <a16:creationId xmlns:a16="http://schemas.microsoft.com/office/drawing/2014/main" id="{1F5DC8C3-BA5F-4EED-BB9A-A14272BD82A1}"/>
+              </a:ext>
+              <a:ext uri="{C183D7F6-B498-43B3-948B-1728B52AA6E4}">
+                <adec:decorative xmlns:adec="http://schemas.microsoft.com/office/drawing/2017/decorative" val="1"/>
+              </a:ext>
+            </a:extLst>
+          </p:cNvPr>
+          <p:cNvCxnSpPr>
+            <a:cxnSpLocks noGrp="1" noRot="1" noChangeAspect="1" noMove="1" noResize="1" noEditPoints="1" noAdjustHandles="1" noChangeArrowheads="1" noChangeShapeType="1"/>
+          </p:cNvCxnSpPr>
+          <p:nvPr>
+            <p:extLst>
+              <p:ext uri="{386F3935-93C4-4BCD-93E2-E3B085C9AB24}">
+                <p16:designElem xmlns:p16="http://schemas.microsoft.com/office/powerpoint/2015/main" val="1"/>
+              </p:ext>
+            </p:extLst>
+          </p:nvPr>
+        </p:nvCxnSpPr>
+        <p:spPr>
+          <a:xfrm>
+            <a:off x="1207658" y="4474741"/>
+            <a:ext cx="9875520" cy="0"/>
+          </a:xfrm>
+          <a:prstGeom prst="line">
+            <a:avLst/>
+          </a:prstGeom>
+          <a:ln w="12700">
+            <a:solidFill>
+              <a:schemeClr val="tx1">
+                <a:lumMod val="75000"/>
+                <a:lumOff val="25000"/>
+              </a:schemeClr>
+            </a:solidFill>
+          </a:ln>
+        </p:spPr>
+        <p:style>
+          <a:lnRef idx="1">
+            <a:schemeClr val="accent1"/>
+          </a:lnRef>
+          <a:fillRef idx="0">
+            <a:schemeClr val="accent1"/>
+          </a:fillRef>
+          <a:effectRef idx="0">
+            <a:schemeClr val="accent1"/>
+          </a:effectRef>
+          <a:fontRef idx="minor">
+            <a:schemeClr val="tx1"/>
+          </a:fontRef>
+        </p:style>
+      </p:cxnSp>
+      <p:sp useBgFill="1">
+        <p:nvSpPr>
+          <p:cNvPr id="14" name="Rectangle 13">
+            <a:extLst>
+              <a:ext uri="{FF2B5EF4-FFF2-40B4-BE49-F238E27FC236}">
+                <a16:creationId xmlns:a16="http://schemas.microsoft.com/office/drawing/2014/main" id="{B4D0E555-16F6-44D0-BF56-AF5FF5BDE9D6}"/>
+              </a:ext>
+              <a:ext uri="{C183D7F6-B498-43B3-948B-1728B52AA6E4}">
+                <adec:decorative xmlns:adec="http://schemas.microsoft.com/office/drawing/2017/decorative" val="1"/>
+              </a:ext>
+            </a:extLst>
+          </p:cNvPr>
+          <p:cNvSpPr>
+            <a:spLocks noGrp="1" noRot="1" noChangeAspect="1" noMove="1" noResize="1" noEditPoints="1" noAdjustHandles="1" noChangeArrowheads="1" noChangeShapeType="1" noTextEdit="1"/>
+          </p:cNvSpPr>
+          <p:nvPr>
+            <p:extLst>
+              <p:ext uri="{386F3935-93C4-4BCD-93E2-E3B085C9AB24}">
+                <p16:designElem xmlns:p16="http://schemas.microsoft.com/office/powerpoint/2015/main" val="1"/>
+              </p:ext>
+            </p:extLst>
+          </p:nvPr>
+        </p:nvSpPr>
+        <p:spPr>
+          <a:xfrm>
+            <a:off x="0" y="0"/>
+            <a:ext cx="12192000" cy="6858000"/>
+          </a:xfrm>
+          <a:prstGeom prst="rect">
+            <a:avLst/>
+          </a:prstGeom>
+          <a:ln>
+            <a:noFill/>
+          </a:ln>
+        </p:spPr>
+        <p:style>
+          <a:lnRef idx="2">
+            <a:schemeClr val="accent1">
+              <a:shade val="50000"/>
+            </a:schemeClr>
+          </a:lnRef>
+          <a:fillRef idx="1001">
+            <a:schemeClr val="lt1"/>
+          </a:fillRef>
+          <a:effectRef idx="0">
+            <a:schemeClr val="accent1"/>
+          </a:effectRef>
+          <a:fontRef idx="minor">
+            <a:schemeClr val="lt1"/>
+          </a:fontRef>
+        </p:style>
+        <p:txBody>
+          <a:bodyPr rtlCol="0" anchor="ctr"/>
+          <a:lstStyle/>
+          <a:p>
+            <a:pPr algn="ctr"/>
+            <a:endParaRPr lang="en-US"/>
+          </a:p>
+        </p:txBody>
+      </p:sp>
+      <p:sp>
+        <p:nvSpPr>
+          <p:cNvPr id="16" name="Rectangle 15">
+            <a:extLst>
+              <a:ext uri="{FF2B5EF4-FFF2-40B4-BE49-F238E27FC236}">
+                <a16:creationId xmlns:a16="http://schemas.microsoft.com/office/drawing/2014/main" id="{8117041D-1A7B-4ECA-AB68-3CFDB6726B8E}"/>
+              </a:ext>
+              <a:ext uri="{C183D7F6-B498-43B3-948B-1728B52AA6E4}">
+                <adec:decorative xmlns:adec="http://schemas.microsoft.com/office/drawing/2017/decorative" val="1"/>
+              </a:ext>
+            </a:extLst>
+          </p:cNvPr>
+          <p:cNvSpPr>
+            <a:spLocks noGrp="1" noRot="1" noChangeAspect="1" noMove="1" noResize="1" noEditPoints="1" noAdjustHandles="1" noChangeArrowheads="1" noChangeShapeType="1" noTextEdit="1"/>
+          </p:cNvSpPr>
+          <p:nvPr>
+            <p:extLst>
+              <p:ext uri="{386F3935-93C4-4BCD-93E2-E3B085C9AB24}">
+                <p16:designElem xmlns:p16="http://schemas.microsoft.com/office/powerpoint/2015/main" val="1"/>
+              </p:ext>
+            </p:extLst>
+          </p:nvPr>
+        </p:nvSpPr>
+        <p:spPr bwMode="white">
+          <a:xfrm>
+            <a:off x="-6220" y="0"/>
+            <a:ext cx="4641314" cy="6858000"/>
+          </a:xfrm>
+          <a:prstGeom prst="rect">
+            <a:avLst/>
+          </a:prstGeom>
+          <a:solidFill>
+            <a:srgbClr val="262626"/>
+          </a:solidFill>
+          <a:ln>
+            <a:noFill/>
+          </a:ln>
+        </p:spPr>
+        <p:style>
+          <a:lnRef idx="2">
+            <a:schemeClr val="accent1">
+              <a:shade val="50000"/>
+            </a:schemeClr>
+          </a:lnRef>
+          <a:fillRef idx="1">
+            <a:schemeClr val="accent1"/>
+          </a:fillRef>
+          <a:effectRef idx="0">
+            <a:schemeClr val="accent1"/>
+          </a:effectRef>
+          <a:fontRef idx="minor">
+            <a:schemeClr val="lt1"/>
+          </a:fontRef>
+        </p:style>
+      </p:sp>
+      <p:sp>
+        <p:nvSpPr>
+          <p:cNvPr id="2" name="Titel 1">
+            <a:extLst>
+              <a:ext uri="{FF2B5EF4-FFF2-40B4-BE49-F238E27FC236}">
+                <a16:creationId xmlns:a16="http://schemas.microsoft.com/office/drawing/2014/main" id="{67281603-7F11-0859-8931-2A092AF53E8C}"/>
+              </a:ext>
+            </a:extLst>
+          </p:cNvPr>
+          <p:cNvSpPr>
+            <a:spLocks noGrp="1"/>
+          </p:cNvSpPr>
+          <p:nvPr>
+            <p:ph type="title"/>
+          </p:nvPr>
+        </p:nvSpPr>
+        <p:spPr>
+          <a:xfrm>
+            <a:off x="435869" y="640080"/>
+            <a:ext cx="3659246" cy="2862699"/>
+          </a:xfrm>
+        </p:spPr>
+        <p:txBody>
+          <a:bodyPr vert="horz" lIns="91440" tIns="45720" rIns="91440" bIns="45720" rtlCol="0" anchor="b">
+            <a:normAutofit/>
+          </a:bodyPr>
+          <a:lstStyle/>
+          <a:p>
+            <a:r>
+              <a:rPr lang="en-US" sz="4400" dirty="0">
+                <a:solidFill>
+                  <a:srgbClr val="FFFFFF"/>
+                </a:solidFill>
+              </a:rPr>
+              <a:t>ER </a:t>
+            </a:r>
+            <a:r>
+              <a:rPr lang="en-US" sz="4400" dirty="0" err="1">
+                <a:solidFill>
+                  <a:srgbClr val="FFFFFF"/>
+                </a:solidFill>
+              </a:rPr>
+              <a:t>Diagramm</a:t>
+            </a:r>
+            <a:endParaRPr lang="en-US" sz="4400" dirty="0">
+              <a:solidFill>
+                <a:srgbClr val="FFFFFF"/>
+              </a:solidFill>
+            </a:endParaRPr>
+          </a:p>
+        </p:txBody>
+      </p:sp>
+      <p:cxnSp>
+        <p:nvCxnSpPr>
+          <p:cNvPr id="18" name="Straight Connector 17">
+            <a:extLst>
+              <a:ext uri="{FF2B5EF4-FFF2-40B4-BE49-F238E27FC236}">
+                <a16:creationId xmlns:a16="http://schemas.microsoft.com/office/drawing/2014/main" id="{ABCD2462-4C1E-401A-AC2D-F799A138B245}"/>
+              </a:ext>
+              <a:ext uri="{C183D7F6-B498-43B3-948B-1728B52AA6E4}">
+                <adec:decorative xmlns:adec="http://schemas.microsoft.com/office/drawing/2017/decorative" val="1"/>
+              </a:ext>
+            </a:extLst>
+          </p:cNvPr>
+          <p:cNvCxnSpPr>
+            <a:cxnSpLocks noGrp="1" noRot="1" noChangeAspect="1" noMove="1" noResize="1" noEditPoints="1" noAdjustHandles="1" noChangeArrowheads="1" noChangeShapeType="1"/>
+          </p:cNvCxnSpPr>
+          <p:nvPr>
+            <p:extLst>
+              <p:ext uri="{386F3935-93C4-4BCD-93E2-E3B085C9AB24}">
+                <p16:designElem xmlns:p16="http://schemas.microsoft.com/office/powerpoint/2015/main" val="1"/>
+              </p:ext>
+            </p:extLst>
+          </p:nvPr>
+        </p:nvCxnSpPr>
+        <p:spPr>
+          <a:xfrm>
+            <a:off x="573852" y="3663649"/>
+            <a:ext cx="3383280" cy="0"/>
+          </a:xfrm>
+          <a:prstGeom prst="line">
+            <a:avLst/>
+          </a:prstGeom>
+          <a:ln w="19050">
+            <a:solidFill>
+              <a:schemeClr val="accent1"/>
+            </a:solidFill>
+          </a:ln>
+        </p:spPr>
+        <p:style>
+          <a:lnRef idx="1">
+            <a:schemeClr val="accent1"/>
+          </a:lnRef>
+          <a:fillRef idx="0">
+            <a:schemeClr val="accent1"/>
+          </a:fillRef>
+          <a:effectRef idx="0">
+            <a:schemeClr val="accent1"/>
+          </a:effectRef>
+          <a:fontRef idx="minor">
+            <a:schemeClr val="tx1"/>
+          </a:fontRef>
+        </p:style>
+      </p:cxnSp>
+      <p:pic>
+        <p:nvPicPr>
+          <p:cNvPr id="5" name="Grafik 4">
+            <a:extLst>
+              <a:ext uri="{FF2B5EF4-FFF2-40B4-BE49-F238E27FC236}">
+                <a16:creationId xmlns:a16="http://schemas.microsoft.com/office/drawing/2014/main" id="{EC88C523-1C68-1B53-6680-1CDE5E04010B}"/>
+              </a:ext>
+            </a:extLst>
+          </p:cNvPr>
+          <p:cNvPicPr>
+            <a:picLocks noChangeAspect="1"/>
+          </p:cNvPicPr>
+          <p:nvPr/>
+        </p:nvPicPr>
+        <p:blipFill rotWithShape="1">
+          <a:blip r:embed="rId2">
+            <a:extLst>
+              <a:ext uri="{28A0092B-C50C-407E-A947-70E740481C1C}">
+                <a14:useLocalDpi xmlns:a14="http://schemas.microsoft.com/office/drawing/2010/main" val="0"/>
+              </a:ext>
+              <a:ext uri="{96DAC541-7B7A-43D3-8B79-37D633B846F1}">
+                <asvg:svgBlip xmlns:asvg="http://schemas.microsoft.com/office/drawing/2016/SVG/main" r:embed="rId3"/>
+              </a:ext>
+            </a:extLst>
+          </a:blip>
+          <a:srcRect b="5675"/>
+          <a:stretch/>
+        </p:blipFill>
+        <p:spPr>
+          <a:xfrm>
+            <a:off x="4930988" y="877446"/>
+            <a:ext cx="6687160" cy="5572406"/>
+          </a:xfrm>
+          <a:prstGeom prst="rect">
+            <a:avLst/>
+          </a:prstGeom>
+        </p:spPr>
+      </p:pic>
+    </p:spTree>
+    <p:extLst>
+      <p:ext uri="{BB962C8B-B14F-4D97-AF65-F5344CB8AC3E}">
+        <p14:creationId xmlns:p14="http://schemas.microsoft.com/office/powerpoint/2010/main" val="1792029948"/>
+      </p:ext>
+    </p:extLst>
+  </p:cSld>
+  <p:clrMapOvr>
+    <a:masterClrMapping/>
+  </p:clrMapOvr>
+</p:sld>
+</file>
+
+<file path=ppt/slides/slide6.xml><?xml version="1.0" encoding="utf-8"?>
+<p:sld xmlns:a="http://schemas.openxmlformats.org/drawingml/2006/main" xmlns:r="http://schemas.openxmlformats.org/officeDocument/2006/relationships" xmlns:p="http://schemas.openxmlformats.org/presentationml/2006/main">
+  <p:cSld>
+    <p:bg>
+      <p:bgPr>
+        <a:solidFill>
+          <a:schemeClr val="bg1"/>
+        </a:solidFill>
+        <a:effectLst/>
+      </p:bgPr>
+    </p:bg>
+    <p:spTree>
+      <p:nvGrpSpPr>
+        <p:cNvPr id="1" name=""/>
+        <p:cNvGrpSpPr/>
+        <p:nvPr/>
+      </p:nvGrpSpPr>
+      <p:grpSpPr>
+        <a:xfrm>
+          <a:off x="0" y="0"/>
+          <a:ext cx="0" cy="0"/>
+          <a:chOff x="0" y="0"/>
+          <a:chExt cx="0" cy="0"/>
+        </a:xfrm>
+      </p:grpSpPr>
+      <p:pic>
+        <p:nvPicPr>
+          <p:cNvPr id="4" name="Grafik 3">
+            <a:extLst>
+              <a:ext uri="{FF2B5EF4-FFF2-40B4-BE49-F238E27FC236}">
+                <a16:creationId xmlns:a16="http://schemas.microsoft.com/office/drawing/2014/main" id="{C74E194B-D550-A443-BED2-B6F1693F8AD6}"/>
+              </a:ext>
+            </a:extLst>
+          </p:cNvPr>
+          <p:cNvPicPr>
+            <a:picLocks noChangeAspect="1"/>
+          </p:cNvPicPr>
+          <p:nvPr/>
+        </p:nvPicPr>
+        <p:blipFill rotWithShape="1">
+          <a:blip r:embed="rId2">
+            <a:extLst>
+              <a:ext uri="{28A0092B-C50C-407E-A947-70E740481C1C}">
+                <a14:useLocalDpi xmlns:a14="http://schemas.microsoft.com/office/drawing/2010/main" val="0"/>
+              </a:ext>
+              <a:ext uri="{96DAC541-7B7A-43D3-8B79-37D633B846F1}">
+                <asvg:svgBlip xmlns:asvg="http://schemas.microsoft.com/office/drawing/2016/SVG/main" r:embed="rId3"/>
+              </a:ext>
+            </a:extLst>
+          </a:blip>
+          <a:srcRect l="80470" t="489" r="158" b="74937"/>
+          <a:stretch/>
+        </p:blipFill>
+        <p:spPr>
+          <a:xfrm>
+            <a:off x="4694720" y="1362491"/>
+            <a:ext cx="2802560" cy="3140930"/>
+          </a:xfrm>
+          <a:prstGeom prst="rect">
+            <a:avLst/>
+          </a:prstGeom>
+        </p:spPr>
+      </p:pic>
+    </p:spTree>
+    <p:extLst>
+      <p:ext uri="{BB962C8B-B14F-4D97-AF65-F5344CB8AC3E}">
+        <p14:creationId xmlns:p14="http://schemas.microsoft.com/office/powerpoint/2010/main" val="1910380599"/>
+      </p:ext>
+    </p:extLst>
+  </p:cSld>
+  <p:clrMapOvr>
+    <a:masterClrMapping/>
+  </p:clrMapOvr>
+  <mc:AlternateContent xmlns:mc="http://schemas.openxmlformats.org/markup-compatibility/2006">
+    <mc:Choice xmlns:p159="http://schemas.microsoft.com/office/powerpoint/2015/09/main" Requires="p159">
+      <p:transition xmlns:p14="http://schemas.microsoft.com/office/powerpoint/2010/main" spd="slow" p14:dur="2000">
+        <p159:morph option="byObject"/>
+      </p:transition>
+    </mc:Choice>
+    <mc:Fallback>
+      <p:transition spd="slow">
+        <p:fade/>
+      </p:transition>
+    </mc:Fallback>
+  </mc:AlternateContent>
+</p:sld>
+</file>
+
+<file path=ppt/slides/slide7.xml><?xml version="1.0" encoding="utf-8"?>
+<p:sld xmlns:a="http://schemas.openxmlformats.org/drawingml/2006/main" xmlns:r="http://schemas.openxmlformats.org/officeDocument/2006/relationships" xmlns:p="http://schemas.openxmlformats.org/presentationml/2006/main">
+  <p:cSld>
+    <p:spTree>
+      <p:nvGrpSpPr>
+        <p:cNvPr id="1" name=""/>
+        <p:cNvGrpSpPr/>
+        <p:nvPr/>
+      </p:nvGrpSpPr>
+      <p:grpSpPr>
+        <a:xfrm>
+          <a:off x="0" y="0"/>
+          <a:ext cx="0" cy="0"/>
+          <a:chOff x="0" y="0"/>
+          <a:chExt cx="0" cy="0"/>
+        </a:xfrm>
+      </p:grpSpPr>
+      <p:pic>
+        <p:nvPicPr>
+          <p:cNvPr id="4" name="Grafik 3">
+            <a:extLst>
+              <a:ext uri="{FF2B5EF4-FFF2-40B4-BE49-F238E27FC236}">
+                <a16:creationId xmlns:a16="http://schemas.microsoft.com/office/drawing/2014/main" id="{C74E194B-D550-A443-BED2-B6F1693F8AD6}"/>
+              </a:ext>
+            </a:extLst>
+          </p:cNvPr>
+          <p:cNvPicPr>
+            <a:picLocks noChangeAspect="1"/>
+          </p:cNvPicPr>
+          <p:nvPr/>
+        </p:nvPicPr>
+        <p:blipFill rotWithShape="1">
+          <a:blip r:embed="rId2">
+            <a:extLst>
+              <a:ext uri="{28A0092B-C50C-407E-A947-70E740481C1C}">
+                <a14:useLocalDpi xmlns:a14="http://schemas.microsoft.com/office/drawing/2010/main" val="0"/>
+              </a:ext>
+              <a:ext uri="{96DAC541-7B7A-43D3-8B79-37D633B846F1}">
+                <asvg:svgBlip xmlns:asvg="http://schemas.microsoft.com/office/drawing/2016/SVG/main" r:embed="rId3"/>
+              </a:ext>
+            </a:extLst>
+          </a:blip>
+          <a:srcRect l="80470" t="18385" r="158" b="33145"/>
+          <a:stretch/>
+        </p:blipFill>
+        <p:spPr>
+          <a:xfrm>
+            <a:off x="4694720" y="83820"/>
+            <a:ext cx="2802560" cy="6195060"/>
+          </a:xfrm>
+          <a:prstGeom prst="rect">
+            <a:avLst/>
+          </a:prstGeom>
+        </p:spPr>
+      </p:pic>
+    </p:spTree>
+    <p:extLst>
+      <p:ext uri="{BB962C8B-B14F-4D97-AF65-F5344CB8AC3E}">
+        <p14:creationId xmlns:p14="http://schemas.microsoft.com/office/powerpoint/2010/main" val="3448788063"/>
+      </p:ext>
+    </p:extLst>
+  </p:cSld>
+  <p:clrMapOvr>
+    <a:masterClrMapping/>
+  </p:clrMapOvr>
+  <mc:AlternateContent xmlns:mc="http://schemas.openxmlformats.org/markup-compatibility/2006">
+    <mc:Choice xmlns:p159="http://schemas.microsoft.com/office/powerpoint/2015/09/main" Requires="p159">
+      <p:transition xmlns:p14="http://schemas.microsoft.com/office/powerpoint/2010/main" spd="slow" p14:dur="2000">
+        <p159:morph option="byObject"/>
+      </p:transition>
+    </mc:Choice>
+    <mc:Fallback>
+      <p:transition spd="slow">
+        <p:fade/>
+      </p:transition>
+    </mc:Fallback>
+  </mc:AlternateContent>
+</p:sld>
+</file>
+
+<file path=ppt/slides/slide8.xml><?xml version="1.0" encoding="utf-8"?>
+<p:sld xmlns:a="http://schemas.openxmlformats.org/drawingml/2006/main" xmlns:r="http://schemas.openxmlformats.org/officeDocument/2006/relationships" xmlns:p="http://schemas.openxmlformats.org/presentationml/2006/main" show="0">
+  <p:cSld>
+    <p:spTree>
+      <p:nvGrpSpPr>
+        <p:cNvPr id="1" name=""/>
+        <p:cNvGrpSpPr/>
+        <p:nvPr/>
+      </p:nvGrpSpPr>
+      <p:grpSpPr>
+        <a:xfrm>
+          <a:off x="0" y="0"/>
+          <a:ext cx="0" cy="0"/>
+          <a:chOff x="0" y="0"/>
+          <a:chExt cx="0" cy="0"/>
+        </a:xfrm>
+      </p:grpSpPr>
+      <p:pic>
+        <p:nvPicPr>
+          <p:cNvPr id="4" name="Grafik 3">
+            <a:extLst>
+              <a:ext uri="{FF2B5EF4-FFF2-40B4-BE49-F238E27FC236}">
+                <a16:creationId xmlns:a16="http://schemas.microsoft.com/office/drawing/2014/main" id="{C74E194B-D550-A443-BED2-B6F1693F8AD6}"/>
+              </a:ext>
+            </a:extLst>
+          </p:cNvPr>
+          <p:cNvPicPr>
+            <a:picLocks noChangeAspect="1"/>
+          </p:cNvPicPr>
+          <p:nvPr/>
+        </p:nvPicPr>
+        <p:blipFill rotWithShape="1">
+          <a:blip r:embed="rId2">
+            <a:extLst>
+              <a:ext uri="{28A0092B-C50C-407E-A947-70E740481C1C}">
+                <a14:useLocalDpi xmlns:a14="http://schemas.microsoft.com/office/drawing/2010/main" val="0"/>
+              </a:ext>
+              <a:ext uri="{96DAC541-7B7A-43D3-8B79-37D633B846F1}">
+                <asvg:svgBlip xmlns:asvg="http://schemas.microsoft.com/office/drawing/2016/SVG/main" r:embed="rId3"/>
+              </a:ext>
+            </a:extLst>
+          </a:blip>
+          <a:srcRect l="79541" t="31620" r="158" b="33145"/>
+          <a:stretch/>
+        </p:blipFill>
+        <p:spPr>
+          <a:xfrm>
+            <a:off x="6530340" y="1177290"/>
+            <a:ext cx="2937110" cy="4503420"/>
+          </a:xfrm>
+          <a:prstGeom prst="rect">
+            <a:avLst/>
+          </a:prstGeom>
+        </p:spPr>
+      </p:pic>
+    </p:spTree>
+    <p:extLst>
+      <p:ext uri="{BB962C8B-B14F-4D97-AF65-F5344CB8AC3E}">
+        <p14:creationId xmlns:p14="http://schemas.microsoft.com/office/powerpoint/2010/main" val="1043760138"/>
+      </p:ext>
+    </p:extLst>
+  </p:cSld>
+  <p:clrMapOvr>
+    <a:masterClrMapping/>
+  </p:clrMapOvr>
+  <mc:AlternateContent xmlns:mc="http://schemas.openxmlformats.org/markup-compatibility/2006">
+    <mc:Choice xmlns:p159="http://schemas.microsoft.com/office/powerpoint/2015/09/main" Requires="p159">
+      <p:transition xmlns:p14="http://schemas.microsoft.com/office/powerpoint/2010/main" spd="slow" p14:dur="2000">
+        <p159:morph option="byObject"/>
+      </p:transition>
+    </mc:Choice>
+    <mc:Fallback>
+      <p:transition spd="slow">
+        <p:fade/>
+      </p:transition>
+    </mc:Fallback>
+  </mc:AlternateContent>
+</p:sld>
+</file>
+
+<file path=ppt/slides/slide9.xml><?xml version="1.0" encoding="utf-8"?>
+<p:sld xmlns:a="http://schemas.openxmlformats.org/drawingml/2006/main" xmlns:r="http://schemas.openxmlformats.org/officeDocument/2006/relationships" xmlns:p="http://schemas.openxmlformats.org/presentationml/2006/main">
+  <p:cSld>
+    <p:spTree>
+      <p:nvGrpSpPr>
+        <p:cNvPr id="1" name=""/>
+        <p:cNvGrpSpPr/>
+        <p:nvPr/>
+      </p:nvGrpSpPr>
+      <p:grpSpPr>
+        <a:xfrm>
+          <a:off x="0" y="0"/>
+          <a:ext cx="0" cy="0"/>
+          <a:chOff x="0" y="0"/>
+          <a:chExt cx="0" cy="0"/>
+        </a:xfrm>
+      </p:grpSpPr>
+      <p:pic>
+        <p:nvPicPr>
+          <p:cNvPr id="4" name="Grafik 3">
+            <a:extLst>
+              <a:ext uri="{FF2B5EF4-FFF2-40B4-BE49-F238E27FC236}">
+                <a16:creationId xmlns:a16="http://schemas.microsoft.com/office/drawing/2014/main" id="{C74E194B-D550-A443-BED2-B6F1693F8AD6}"/>
+              </a:ext>
+            </a:extLst>
+          </p:cNvPr>
+          <p:cNvPicPr>
+            <a:picLocks noChangeAspect="1"/>
+          </p:cNvPicPr>
+          <p:nvPr/>
+        </p:nvPicPr>
+        <p:blipFill rotWithShape="1">
+          <a:blip r:embed="rId2">
+            <a:extLst>
+              <a:ext uri="{28A0092B-C50C-407E-A947-70E740481C1C}">
+                <a14:useLocalDpi xmlns:a14="http://schemas.microsoft.com/office/drawing/2010/main" val="0"/>
+              </a:ext>
+              <a:ext uri="{96DAC541-7B7A-43D3-8B79-37D633B846F1}">
+                <asvg:svgBlip xmlns:asvg="http://schemas.microsoft.com/office/drawing/2016/SVG/main" r:embed="rId3"/>
+              </a:ext>
+            </a:extLst>
+          </a:blip>
+          <a:srcRect l="53234" t="31620" r="158" b="33145"/>
+          <a:stretch/>
+        </p:blipFill>
+        <p:spPr>
+          <a:xfrm>
+            <a:off x="2724550" y="1177290"/>
+            <a:ext cx="6742900" cy="4503420"/>
+          </a:xfrm>
+          <a:prstGeom prst="rect">
+            <a:avLst/>
+          </a:prstGeom>
+        </p:spPr>
+      </p:pic>
+    </p:spTree>
+    <p:extLst>
+      <p:ext uri="{BB962C8B-B14F-4D97-AF65-F5344CB8AC3E}">
+        <p14:creationId xmlns:p14="http://schemas.microsoft.com/office/powerpoint/2010/main" val="1518548121"/>
+      </p:ext>
+    </p:extLst>
+  </p:cSld>
+  <p:clrMapOvr>
+    <a:masterClrMapping/>
+  </p:clrMapOvr>
+  <mc:AlternateContent xmlns:mc="http://schemas.openxmlformats.org/markup-compatibility/2006">
+    <mc:Choice xmlns:p159="http://schemas.microsoft.com/office/powerpoint/2015/09/main" Requires="p159">
+      <p:transition xmlns:p14="http://schemas.microsoft.com/office/powerpoint/2010/main" spd="slow" p14:dur="2000">
+        <p159:morph option="byObject"/>
+      </p:transition>
+    </mc:Choice>
+    <mc:Fallback>
+      <p:transition spd="slow">
+        <p:fade/>
+      </p:transition>
+    </mc:Fallback>
+  </mc:AlternateContent>
+</p:sld>
+</file>
+
 <file path=ppt/theme/theme1.xml><?xml version="1.0" encoding="utf-8"?>
-<a:theme xmlns:a="http://schemas.openxmlformats.org/drawingml/2006/main" name="Office">
+<a:theme xmlns:a="http://schemas.openxmlformats.org/drawingml/2006/main" name="RetrospectVTI">
   <a:themeElements>
-    <a:clrScheme name="Office">
+    <a:clrScheme name="Retrospect">
       <a:dk1>
         <a:sysClr val="windowText" lastClr="000000"/>
       </a:dk1>
@@ -3401,143 +6374,49 @@
         <a:sysClr val="window" lastClr="FFFFFF"/>
       </a:lt1>
       <a:dk2>
-        <a:srgbClr val="44546A"/>
+        <a:srgbClr val="344068"/>
       </a:dk2>
       <a:lt2>
-        <a:srgbClr val="E7E6E6"/>
+        <a:srgbClr val="D9E0E6"/>
       </a:lt2>
       <a:accent1>
-        <a:srgbClr val="4472C4"/>
+        <a:srgbClr val="1CADE4"/>
       </a:accent1>
       <a:accent2>
-        <a:srgbClr val="ED7D31"/>
+        <a:srgbClr val="2683C6"/>
       </a:accent2>
       <a:accent3>
-        <a:srgbClr val="A5A5A5"/>
+        <a:srgbClr val="28C4CC"/>
       </a:accent3>
       <a:accent4>
-        <a:srgbClr val="FFC000"/>
+        <a:srgbClr val="42BA97"/>
       </a:accent4>
       <a:accent5>
-        <a:srgbClr val="5B9BD5"/>
+        <a:srgbClr val="3E8853"/>
       </a:accent5>
       <a:accent6>
-        <a:srgbClr val="70AD47"/>
+        <a:srgbClr val="62A39F"/>
       </a:accent6>
       <a:hlink>
-        <a:srgbClr val="0563C1"/>
+        <a:srgbClr val="6EAC1C"/>
       </a:hlink>
       <a:folHlink>
-        <a:srgbClr val="954F72"/>
+        <a:srgbClr val="B26B02"/>
       </a:folHlink>
     </a:clrScheme>
-    <a:fontScheme name="Office">
+    <a:fontScheme name="Benutzerdefiniert 2">
       <a:majorFont>
-        <a:latin typeface="Calibri Light" panose="020F0302020204030204"/>
+        <a:latin typeface="Roboto"/>
         <a:ea typeface=""/>
         <a:cs typeface=""/>
-        <a:font script="Jpan" typeface="游ゴシック Light"/>
-        <a:font script="Hang" typeface="맑은 고딕"/>
-        <a:font script="Hans" typeface="等线 Light"/>
-        <a:font script="Hant" typeface="新細明體"/>
-        <a:font script="Arab" typeface="Times New Roman"/>
-        <a:font script="Hebr" typeface="Times New Roman"/>
-        <a:font script="Thai" typeface="Angsana New"/>
-        <a:font script="Ethi" typeface="Nyala"/>
-        <a:font script="Beng" typeface="Vrinda"/>
-        <a:font script="Gujr" typeface="Shruti"/>
-        <a:font script="Khmr" typeface="MoolBoran"/>
-        <a:font script="Knda" typeface="Tunga"/>
-        <a:font script="Guru" typeface="Raavi"/>
-        <a:font script="Cans" typeface="Euphemia"/>
-        <a:font script="Cher" typeface="Plantagenet Cherokee"/>
-        <a:font script="Yiii" typeface="Microsoft Yi Baiti"/>
-        <a:font script="Tibt" typeface="Microsoft Himalaya"/>
-        <a:font script="Thaa" typeface="MV Boli"/>
-        <a:font script="Deva" typeface="Mangal"/>
-        <a:font script="Telu" typeface="Gautami"/>
-        <a:font script="Taml" typeface="Latha"/>
-        <a:font script="Syrc" typeface="Estrangelo Edessa"/>
-        <a:font script="Orya" typeface="Kalinga"/>
-        <a:font script="Mlym" typeface="Kartika"/>
-        <a:font script="Laoo" typeface="DokChampa"/>
-        <a:font script="Sinh" typeface="Iskoola Pota"/>
-        <a:font script="Mong" typeface="Mongolian Baiti"/>
-        <a:font script="Viet" typeface="Times New Roman"/>
-        <a:font script="Uigh" typeface="Microsoft Uighur"/>
-        <a:font script="Geor" typeface="Sylfaen"/>
-        <a:font script="Armn" typeface="Arial"/>
-        <a:font script="Bugi" typeface="Leelawadee UI"/>
-        <a:font script="Bopo" typeface="Microsoft JhengHei"/>
-        <a:font script="Java" typeface="Javanese Text"/>
-        <a:font script="Lisu" typeface="Segoe UI"/>
-        <a:font script="Mymr" typeface="Myanmar Text"/>
-        <a:font script="Nkoo" typeface="Ebrima"/>
-        <a:font script="Olck" typeface="Nirmala UI"/>
-        <a:font script="Osma" typeface="Ebrima"/>
-        <a:font script="Phag" typeface="Phagspa"/>
-        <a:font script="Syrn" typeface="Estrangelo Edessa"/>
-        <a:font script="Syrj" typeface="Estrangelo Edessa"/>
-        <a:font script="Syre" typeface="Estrangelo Edessa"/>
-        <a:font script="Sora" typeface="Nirmala UI"/>
-        <a:font script="Tale" typeface="Microsoft Tai Le"/>
-        <a:font script="Talu" typeface="Microsoft New Tai Lue"/>
-        <a:font script="Tfng" typeface="Ebrima"/>
       </a:majorFont>
       <a:minorFont>
-        <a:latin typeface="Calibri" panose="020F0502020204030204"/>
+        <a:latin typeface="Roboto"/>
         <a:ea typeface=""/>
         <a:cs typeface=""/>
-        <a:font script="Jpan" typeface="游ゴシック"/>
-        <a:font script="Hang" typeface="맑은 고딕"/>
-        <a:font script="Hans" typeface="等线"/>
-        <a:font script="Hant" typeface="新細明體"/>
-        <a:font script="Arab" typeface="Arial"/>
-        <a:font script="Hebr" typeface="Arial"/>
-        <a:font script="Thai" typeface="Cordia New"/>
-        <a:font script="Ethi" typeface="Nyala"/>
-        <a:font script="Beng" typeface="Vrinda"/>
-        <a:font script="Gujr" typeface="Shruti"/>
-        <a:font script="Khmr" typeface="DaunPenh"/>
-        <a:font script="Knda" typeface="Tunga"/>
-        <a:font script="Guru" typeface="Raavi"/>
-        <a:font script="Cans" typeface="Euphemia"/>
-        <a:font script="Cher" typeface="Plantagenet Cherokee"/>
-        <a:font script="Yiii" typeface="Microsoft Yi Baiti"/>
-        <a:font script="Tibt" typeface="Microsoft Himalaya"/>
-        <a:font script="Thaa" typeface="MV Boli"/>
-        <a:font script="Deva" typeface="Mangal"/>
-        <a:font script="Telu" typeface="Gautami"/>
-        <a:font script="Taml" typeface="Latha"/>
-        <a:font script="Syrc" typeface="Estrangelo Edessa"/>
-        <a:font script="Orya" typeface="Kalinga"/>
-        <a:font script="Mlym" typeface="Kartika"/>
-        <a:font script="Laoo" typeface="DokChampa"/>
-        <a:font script="Sinh" typeface="Iskoola Pota"/>
-        <a:font script="Mong" typeface="Mongolian Baiti"/>
-        <a:font script="Viet" typeface="Arial"/>
-        <a:font script="Uigh" typeface="Microsoft Uighur"/>
-        <a:font script="Geor" typeface="Sylfaen"/>
-        <a:font script="Armn" typeface="Arial"/>
-        <a:font script="Bugi" typeface="Leelawadee UI"/>
-        <a:font script="Bopo" typeface="Microsoft JhengHei"/>
-        <a:font script="Java" typeface="Javanese Text"/>
-        <a:font script="Lisu" typeface="Segoe UI"/>
-        <a:font script="Mymr" typeface="Myanmar Text"/>
-        <a:font script="Nkoo" typeface="Ebrima"/>
-        <a:font script="Olck" typeface="Nirmala UI"/>
-        <a:font script="Osma" typeface="Ebrima"/>
-        <a:font script="Phag" typeface="Phagspa"/>
-        <a:font script="Syrn" typeface="Estrangelo Edessa"/>
-        <a:font script="Syrj" typeface="Estrangelo Edessa"/>
-        <a:font script="Syre" typeface="Estrangelo Edessa"/>
-        <a:font script="Sora" typeface="Nirmala UI"/>
-        <a:font script="Tale" typeface="Microsoft Tai Le"/>
-        <a:font script="Talu" typeface="Microsoft New Tai Lue"/>
-        <a:font script="Tfng" typeface="Ebrima"/>
       </a:minorFont>
     </a:fontScheme>
-    <a:fmtScheme name="Office">
+    <a:fmtScheme name="Retrospect">
       <a:fillStyleLst>
         <a:solidFill>
           <a:schemeClr val="phClr"/>
@@ -3546,76 +6425,81 @@
           <a:gsLst>
             <a:gs pos="0">
               <a:schemeClr val="phClr">
-                <a:lumMod val="110000"/>
-                <a:satMod val="105000"/>
-                <a:tint val="67000"/>
+                <a:tint val="65000"/>
+                <a:shade val="92000"/>
+                <a:satMod val="130000"/>
               </a:schemeClr>
             </a:gs>
-            <a:gs pos="50000">
+            <a:gs pos="45000">
               <a:schemeClr val="phClr">
-                <a:lumMod val="105000"/>
-                <a:satMod val="103000"/>
-                <a:tint val="73000"/>
+                <a:tint val="60000"/>
+                <a:shade val="99000"/>
+                <a:satMod val="120000"/>
               </a:schemeClr>
             </a:gs>
             <a:gs pos="100000">
               <a:schemeClr val="phClr">
-                <a:lumMod val="105000"/>
-                <a:satMod val="109000"/>
-                <a:tint val="81000"/>
+                <a:tint val="55000"/>
+                <a:satMod val="140000"/>
               </a:schemeClr>
             </a:gs>
           </a:gsLst>
-          <a:lin ang="5400000" scaled="0"/>
+          <a:path path="circle">
+            <a:fillToRect l="100000" t="100000" r="100000" b="100000"/>
+          </a:path>
         </a:gradFill>
         <a:gradFill rotWithShape="1">
           <a:gsLst>
             <a:gs pos="0">
               <a:schemeClr val="phClr">
-                <a:satMod val="103000"/>
-                <a:lumMod val="102000"/>
-                <a:tint val="94000"/>
+                <a:shade val="85000"/>
+                <a:satMod val="130000"/>
               </a:schemeClr>
             </a:gs>
-            <a:gs pos="50000">
+            <a:gs pos="34000">
               <a:schemeClr val="phClr">
-                <a:satMod val="110000"/>
-                <a:lumMod val="100000"/>
-                <a:shade val="100000"/>
+                <a:shade val="87000"/>
+                <a:satMod val="125000"/>
+              </a:schemeClr>
+            </a:gs>
+            <a:gs pos="70000">
+              <a:schemeClr val="phClr">
+                <a:tint val="100000"/>
+                <a:shade val="90000"/>
+                <a:satMod val="130000"/>
               </a:schemeClr>
             </a:gs>
             <a:gs pos="100000">
               <a:schemeClr val="phClr">
-                <a:lumMod val="99000"/>
-                <a:satMod val="120000"/>
-                <a:shade val="78000"/>
+                <a:tint val="100000"/>
+                <a:shade val="100000"/>
+                <a:satMod val="110000"/>
               </a:schemeClr>
             </a:gs>
           </a:gsLst>
-          <a:lin ang="5400000" scaled="0"/>
+          <a:path path="circle">
+            <a:fillToRect l="100000" t="100000" r="100000" b="100000"/>
+          </a:path>
         </a:gradFill>
       </a:fillStyleLst>
       <a:lnStyleLst>
-        <a:ln w="6350" cap="flat" cmpd="sng" algn="ctr">
-          <a:solidFill>
-            <a:schemeClr val="phClr"/>
-          </a:solidFill>
-          <a:prstDash val="solid"/>
-          <a:miter lim="800000"/>
-        </a:ln>
         <a:ln w="12700" cap="flat" cmpd="sng" algn="ctr">
           <a:solidFill>
             <a:schemeClr val="phClr"/>
           </a:solidFill>
           <a:prstDash val="solid"/>
-          <a:miter lim="800000"/>
         </a:ln>
-        <a:ln w="19050" cap="flat" cmpd="sng" algn="ctr">
+        <a:ln w="15875" cap="flat" cmpd="sng" algn="ctr">
           <a:solidFill>
             <a:schemeClr val="phClr"/>
           </a:solidFill>
           <a:prstDash val="solid"/>
-          <a:miter lim="800000"/>
+        </a:ln>
+        <a:ln w="25400" cap="flat" cmpd="sng" algn="ctr">
+          <a:solidFill>
+            <a:schemeClr val="phClr"/>
+          </a:solidFill>
+          <a:prstDash val="solid"/>
         </a:ln>
       </a:lnStyleLst>
       <a:effectStyleLst>
@@ -3623,16 +6507,33 @@
           <a:effectLst/>
         </a:effectStyle>
         <a:effectStyle>
-          <a:effectLst/>
+          <a:effectLst>
+            <a:outerShdw blurRad="38100" dist="25400" dir="2700000" algn="br" rotWithShape="0">
+              <a:srgbClr val="000000">
+                <a:alpha val="60000"/>
+              </a:srgbClr>
+            </a:outerShdw>
+          </a:effectLst>
         </a:effectStyle>
         <a:effectStyle>
           <a:effectLst>
-            <a:outerShdw blurRad="57150" dist="19050" dir="5400000" algn="ctr" rotWithShape="0">
+            <a:outerShdw blurRad="44450" dist="25400" dir="2700000" algn="br" rotWithShape="0">
               <a:srgbClr val="000000">
-                <a:alpha val="63000"/>
+                <a:alpha val="60000"/>
               </a:srgbClr>
             </a:outerShdw>
           </a:effectLst>
+          <a:scene3d>
+            <a:camera prst="orthographicFront">
+              <a:rot lat="0" lon="0" rev="0"/>
+            </a:camera>
+            <a:lightRig rig="threePt" dir="t">
+              <a:rot lat="0" lon="0" rev="19800000"/>
+            </a:lightRig>
+          </a:scene3d>
+          <a:sp3d prstMaterial="flat">
+            <a:bevelT w="25400" h="31750"/>
+          </a:sp3d>
         </a:effectStyle>
       </a:effectStyleLst>
       <a:bgFillStyleLst>
@@ -3641,36 +6542,36 @@
         </a:solidFill>
         <a:solidFill>
           <a:schemeClr val="phClr">
-            <a:tint val="95000"/>
-            <a:satMod val="170000"/>
+            <a:tint val="90000"/>
+            <a:shade val="97000"/>
+            <a:satMod val="130000"/>
           </a:schemeClr>
         </a:solidFill>
         <a:gradFill rotWithShape="1">
           <a:gsLst>
             <a:gs pos="0">
               <a:schemeClr val="phClr">
-                <a:tint val="93000"/>
-                <a:satMod val="150000"/>
-                <a:shade val="98000"/>
-                <a:lumMod val="102000"/>
+                <a:tint val="96000"/>
+                <a:shade val="99000"/>
+                <a:satMod val="140000"/>
               </a:schemeClr>
             </a:gs>
-            <a:gs pos="50000">
+            <a:gs pos="65000">
               <a:schemeClr val="phClr">
-                <a:tint val="98000"/>
+                <a:tint val="100000"/>
+                <a:shade val="80000"/>
                 <a:satMod val="130000"/>
-                <a:shade val="90000"/>
-                <a:lumMod val="103000"/>
               </a:schemeClr>
             </a:gs>
             <a:gs pos="100000">
               <a:schemeClr val="phClr">
-                <a:shade val="63000"/>
+                <a:tint val="100000"/>
+                <a:shade val="48000"/>
                 <a:satMod val="120000"/>
               </a:schemeClr>
             </a:gs>
           </a:gsLst>
-          <a:lin ang="5400000" scaled="0"/>
+          <a:lin ang="16200000" scaled="0"/>
         </a:gradFill>
       </a:bgFillStyleLst>
     </a:fmtScheme>
@@ -3679,7 +6580,7 @@
   <a:extraClrSchemeLst/>
   <a:extLst>
     <a:ext uri="{05A4C25C-085E-4340-85A3-A5531E510DB2}">
-      <thm15:themeFamily xmlns:thm15="http://schemas.microsoft.com/office/thememl/2012/main" name="Office Theme" id="{62F939B6-93AF-4DB8-9C6B-D6C7DFDC589F}" vid="{4A3C46E8-61CC-4603-A589-7422A47A8E4A}"/>
+      <thm15:themeFamily xmlns:thm15="http://schemas.microsoft.com/office/thememl/2012/main" name="RetrospectVTI" id="{ABE3C30C-0FC0-4450-828E-52DE70F1BCCB}" vid="{A6E2497D-935A-4CFD-B9FD-6DCB15FA68BF}"/>
     </a:ext>
   </a:extLst>
 </a:theme>

--- a/doc/presentation.pptx
+++ b/doc/presentation.pptx
@@ -19,6 +19,7 @@
     <p:sldId id="272" r:id="rId13"/>
     <p:sldId id="273" r:id="rId14"/>
     <p:sldId id="274" r:id="rId15"/>
+    <p:sldId id="275" r:id="rId16"/>
   </p:sldIdLst>
   <p:sldSz cx="12192000" cy="6858000"/>
   <p:notesSz cx="6858000" cy="9144000"/>
@@ -4081,13 +4082,13 @@
   <p:clrMapOvr>
     <a:masterClrMapping/>
   </p:clrMapOvr>
-  <mc:AlternateContent xmlns:mc="http://schemas.openxmlformats.org/markup-compatibility/2006">
-    <mc:Choice xmlns:p159="http://schemas.microsoft.com/office/powerpoint/2015/09/main" Requires="p159">
+  <mc:AlternateContent xmlns:mc="http://schemas.openxmlformats.org/markup-compatibility/2006" xmlns:p159="http://schemas.microsoft.com/office/powerpoint/2015/09/main">
+    <mc:Choice Requires="p159">
       <p:transition xmlns:p14="http://schemas.microsoft.com/office/powerpoint/2010/main" spd="slow" p14:dur="2000">
         <p159:morph option="byObject"/>
       </p:transition>
     </mc:Choice>
-    <mc:Fallback>
+    <mc:Fallback xmlns="">
       <p:transition spd="slow">
         <p:fade/>
       </p:transition>
@@ -4161,13 +4162,13 @@
   <p:clrMapOvr>
     <a:masterClrMapping/>
   </p:clrMapOvr>
-  <mc:AlternateContent xmlns:mc="http://schemas.openxmlformats.org/markup-compatibility/2006">
-    <mc:Choice xmlns:p159="http://schemas.microsoft.com/office/powerpoint/2015/09/main" Requires="p159">
+  <mc:AlternateContent xmlns:mc="http://schemas.openxmlformats.org/markup-compatibility/2006" xmlns:p159="http://schemas.microsoft.com/office/powerpoint/2015/09/main">
+    <mc:Choice Requires="p159">
       <p:transition xmlns:p14="http://schemas.microsoft.com/office/powerpoint/2010/main" spd="slow" p14:dur="2000">
         <p159:morph option="byObject"/>
       </p:transition>
     </mc:Choice>
-    <mc:Fallback>
+    <mc:Fallback xmlns="">
       <p:transition spd="slow">
         <p:fade/>
       </p:transition>
@@ -4241,13 +4242,13 @@
   <p:clrMapOvr>
     <a:masterClrMapping/>
   </p:clrMapOvr>
-  <mc:AlternateContent xmlns:mc="http://schemas.openxmlformats.org/markup-compatibility/2006">
-    <mc:Choice xmlns:p159="http://schemas.microsoft.com/office/powerpoint/2015/09/main" Requires="p159">
+  <mc:AlternateContent xmlns:mc="http://schemas.openxmlformats.org/markup-compatibility/2006" xmlns:p159="http://schemas.microsoft.com/office/powerpoint/2015/09/main">
+    <mc:Choice Requires="p159">
       <p:transition xmlns:p14="http://schemas.microsoft.com/office/powerpoint/2010/main" spd="slow" p14:dur="2000">
         <p159:morph option="byObject"/>
       </p:transition>
     </mc:Choice>
-    <mc:Fallback>
+    <mc:Fallback xmlns="">
       <p:transition spd="slow">
         <p:fade/>
       </p:transition>
@@ -4658,13 +4659,13 @@
   <p:clrMapOvr>
     <a:masterClrMapping/>
   </p:clrMapOvr>
-  <mc:AlternateContent xmlns:mc="http://schemas.openxmlformats.org/markup-compatibility/2006">
-    <mc:Choice xmlns:p159="http://schemas.microsoft.com/office/powerpoint/2015/09/main" Requires="p159">
+  <mc:AlternateContent xmlns:mc="http://schemas.openxmlformats.org/markup-compatibility/2006" xmlns:p159="http://schemas.microsoft.com/office/powerpoint/2015/09/main">
+    <mc:Choice Requires="p159">
       <p:transition xmlns:p14="http://schemas.microsoft.com/office/powerpoint/2010/main" spd="slow" p14:dur="2000">
         <p159:morph option="byObject"/>
       </p:transition>
     </mc:Choice>
-    <mc:Fallback>
+    <mc:Fallback xmlns="">
       <p:transition spd="slow">
         <p:fade/>
       </p:transition>
@@ -4965,8 +4966,9 @@
           <a:p>
             <a:r>
               <a:rPr lang="en-US" sz="6000"/>
-              <a:t>Fragen?</a:t>
-            </a:r>
+              <a:t>LIVE DEMO</a:t>
+            </a:r>
+            <a:endParaRPr lang="en-US" sz="6000" dirty="0"/>
           </a:p>
         </p:txBody>
       </p:sp>
@@ -5059,6 +5061,401 @@
     <p:extLst>
       <p:ext uri="{BB962C8B-B14F-4D97-AF65-F5344CB8AC3E}">
         <p14:creationId xmlns:p14="http://schemas.microsoft.com/office/powerpoint/2010/main" val="3786065440"/>
+      </p:ext>
+    </p:extLst>
+  </p:cSld>
+  <p:clrMapOvr>
+    <a:masterClrMapping/>
+  </p:clrMapOvr>
+</p:sld>
+</file>
+
+<file path=ppt/slides/slide15.xml><?xml version="1.0" encoding="utf-8"?>
+<p:sld xmlns:a="http://schemas.openxmlformats.org/drawingml/2006/main" xmlns:r="http://schemas.openxmlformats.org/officeDocument/2006/relationships" xmlns:p="http://schemas.openxmlformats.org/presentationml/2006/main">
+  <p:cSld>
+    <p:bg>
+      <p:bgPr>
+        <a:solidFill>
+          <a:schemeClr val="bg2">
+            <a:tint val="90000"/>
+            <a:shade val="97000"/>
+            <a:satMod val="130000"/>
+          </a:schemeClr>
+        </a:solidFill>
+        <a:effectLst/>
+      </p:bgPr>
+    </p:bg>
+    <p:spTree>
+      <p:nvGrpSpPr>
+        <p:cNvPr id="1" name=""/>
+        <p:cNvGrpSpPr/>
+        <p:nvPr/>
+      </p:nvGrpSpPr>
+      <p:grpSpPr>
+        <a:xfrm>
+          <a:off x="0" y="0"/>
+          <a:ext cx="0" cy="0"/>
+          <a:chOff x="0" y="0"/>
+          <a:chExt cx="0" cy="0"/>
+        </a:xfrm>
+      </p:grpSpPr>
+      <p:sp>
+        <p:nvSpPr>
+          <p:cNvPr id="10" name="Rectangle 9">
+            <a:extLst>
+              <a:ext uri="{FF2B5EF4-FFF2-40B4-BE49-F238E27FC236}">
+                <a16:creationId xmlns:a16="http://schemas.microsoft.com/office/drawing/2014/main" id="{39E3965E-AC41-4711-9D10-E25ABB132D86}"/>
+              </a:ext>
+              <a:ext uri="{C183D7F6-B498-43B3-948B-1728B52AA6E4}">
+                <adec:decorative xmlns:adec="http://schemas.microsoft.com/office/drawing/2017/decorative" val="1"/>
+              </a:ext>
+            </a:extLst>
+          </p:cNvPr>
+          <p:cNvSpPr>
+            <a:spLocks noGrp="1" noRot="1" noChangeAspect="1" noMove="1" noResize="1" noEditPoints="1" noAdjustHandles="1" noChangeArrowheads="1" noChangeShapeType="1" noTextEdit="1"/>
+          </p:cNvSpPr>
+          <p:nvPr>
+            <p:extLst>
+              <p:ext uri="{386F3935-93C4-4BCD-93E2-E3B085C9AB24}">
+                <p16:designElem xmlns:p16="http://schemas.microsoft.com/office/powerpoint/2015/main" val="1"/>
+              </p:ext>
+            </p:extLst>
+          </p:nvPr>
+        </p:nvSpPr>
+        <p:spPr>
+          <a:xfrm>
+            <a:off x="3175" y="6400800"/>
+            <a:ext cx="12188825" cy="457200"/>
+          </a:xfrm>
+          <a:prstGeom prst="rect">
+            <a:avLst/>
+          </a:prstGeom>
+          <a:solidFill>
+            <a:srgbClr val="262626"/>
+          </a:solidFill>
+          <a:ln>
+            <a:noFill/>
+          </a:ln>
+        </p:spPr>
+        <p:style>
+          <a:lnRef idx="2">
+            <a:schemeClr val="accent1">
+              <a:shade val="50000"/>
+            </a:schemeClr>
+          </a:lnRef>
+          <a:fillRef idx="1">
+            <a:schemeClr val="accent1"/>
+          </a:fillRef>
+          <a:effectRef idx="0">
+            <a:schemeClr val="accent1"/>
+          </a:effectRef>
+          <a:fontRef idx="minor">
+            <a:schemeClr val="lt1"/>
+          </a:fontRef>
+        </p:style>
+      </p:sp>
+      <p:cxnSp>
+        <p:nvCxnSpPr>
+          <p:cNvPr id="12" name="Straight Connector 11">
+            <a:extLst>
+              <a:ext uri="{FF2B5EF4-FFF2-40B4-BE49-F238E27FC236}">
+                <a16:creationId xmlns:a16="http://schemas.microsoft.com/office/drawing/2014/main" id="{1F5DC8C3-BA5F-4EED-BB9A-A14272BD82A1}"/>
+              </a:ext>
+              <a:ext uri="{C183D7F6-B498-43B3-948B-1728B52AA6E4}">
+                <adec:decorative xmlns:adec="http://schemas.microsoft.com/office/drawing/2017/decorative" val="1"/>
+              </a:ext>
+            </a:extLst>
+          </p:cNvPr>
+          <p:cNvCxnSpPr>
+            <a:cxnSpLocks noGrp="1" noRot="1" noChangeAspect="1" noMove="1" noResize="1" noEditPoints="1" noAdjustHandles="1" noChangeArrowheads="1" noChangeShapeType="1"/>
+          </p:cNvCxnSpPr>
+          <p:nvPr>
+            <p:extLst>
+              <p:ext uri="{386F3935-93C4-4BCD-93E2-E3B085C9AB24}">
+                <p16:designElem xmlns:p16="http://schemas.microsoft.com/office/powerpoint/2015/main" val="1"/>
+              </p:ext>
+            </p:extLst>
+          </p:nvPr>
+        </p:nvCxnSpPr>
+        <p:spPr>
+          <a:xfrm>
+            <a:off x="1207658" y="4474741"/>
+            <a:ext cx="9875520" cy="0"/>
+          </a:xfrm>
+          <a:prstGeom prst="line">
+            <a:avLst/>
+          </a:prstGeom>
+          <a:ln w="12700">
+            <a:solidFill>
+              <a:schemeClr val="tx1">
+                <a:lumMod val="75000"/>
+                <a:lumOff val="25000"/>
+              </a:schemeClr>
+            </a:solidFill>
+          </a:ln>
+        </p:spPr>
+        <p:style>
+          <a:lnRef idx="1">
+            <a:schemeClr val="accent1"/>
+          </a:lnRef>
+          <a:fillRef idx="0">
+            <a:schemeClr val="accent1"/>
+          </a:fillRef>
+          <a:effectRef idx="0">
+            <a:schemeClr val="accent1"/>
+          </a:effectRef>
+          <a:fontRef idx="minor">
+            <a:schemeClr val="tx1"/>
+          </a:fontRef>
+        </p:style>
+      </p:cxnSp>
+      <p:sp>
+        <p:nvSpPr>
+          <p:cNvPr id="14" name="Rectangle 13">
+            <a:extLst>
+              <a:ext uri="{FF2B5EF4-FFF2-40B4-BE49-F238E27FC236}">
+                <a16:creationId xmlns:a16="http://schemas.microsoft.com/office/drawing/2014/main" id="{F3B3B6C5-748F-437C-AE76-DB11FEA99E16}"/>
+              </a:ext>
+              <a:ext uri="{C183D7F6-B498-43B3-948B-1728B52AA6E4}">
+                <adec:decorative xmlns:adec="http://schemas.microsoft.com/office/drawing/2017/decorative" val="1"/>
+              </a:ext>
+            </a:extLst>
+          </p:cNvPr>
+          <p:cNvSpPr>
+            <a:spLocks noGrp="1" noRot="1" noChangeAspect="1" noMove="1" noResize="1" noEditPoints="1" noAdjustHandles="1" noChangeArrowheads="1" noChangeShapeType="1" noTextEdit="1"/>
+          </p:cNvSpPr>
+          <p:nvPr>
+            <p:extLst>
+              <p:ext uri="{386F3935-93C4-4BCD-93E2-E3B085C9AB24}">
+                <p16:designElem xmlns:p16="http://schemas.microsoft.com/office/powerpoint/2015/main" val="1"/>
+              </p:ext>
+            </p:extLst>
+          </p:nvPr>
+        </p:nvSpPr>
+        <p:spPr>
+          <a:xfrm>
+            <a:off x="3048" y="0"/>
+            <a:ext cx="12188952" cy="6858000"/>
+          </a:xfrm>
+          <a:prstGeom prst="rect">
+            <a:avLst/>
+          </a:prstGeom>
+          <a:solidFill>
+            <a:schemeClr val="bg1"/>
+          </a:solidFill>
+          <a:ln>
+            <a:noFill/>
+          </a:ln>
+        </p:spPr>
+        <p:style>
+          <a:lnRef idx="2">
+            <a:schemeClr val="accent1">
+              <a:shade val="50000"/>
+            </a:schemeClr>
+          </a:lnRef>
+          <a:fillRef idx="1">
+            <a:schemeClr val="accent1"/>
+          </a:fillRef>
+          <a:effectRef idx="0">
+            <a:schemeClr val="accent1"/>
+          </a:effectRef>
+          <a:fontRef idx="minor">
+            <a:schemeClr val="lt1"/>
+          </a:fontRef>
+        </p:style>
+        <p:txBody>
+          <a:bodyPr rtlCol="0" anchor="ctr"/>
+          <a:lstStyle/>
+          <a:p>
+            <a:pPr algn="ctr"/>
+            <a:endParaRPr lang="en-US"/>
+          </a:p>
+        </p:txBody>
+      </p:sp>
+      <p:sp useBgFill="1">
+        <p:nvSpPr>
+          <p:cNvPr id="16" name="Rectangle 15">
+            <a:extLst>
+              <a:ext uri="{FF2B5EF4-FFF2-40B4-BE49-F238E27FC236}">
+                <a16:creationId xmlns:a16="http://schemas.microsoft.com/office/drawing/2014/main" id="{197CEB5D-9BB2-475C-BA8D-AC88BB8C976E}"/>
+              </a:ext>
+              <a:ext uri="{C183D7F6-B498-43B3-948B-1728B52AA6E4}">
+                <adec:decorative xmlns:adec="http://schemas.microsoft.com/office/drawing/2017/decorative" val="1"/>
+              </a:ext>
+            </a:extLst>
+          </p:cNvPr>
+          <p:cNvSpPr>
+            <a:spLocks noGrp="1" noRot="1" noChangeAspect="1" noMove="1" noResize="1" noEditPoints="1" noAdjustHandles="1" noChangeArrowheads="1" noChangeShapeType="1" noTextEdit="1"/>
+          </p:cNvSpPr>
+          <p:nvPr>
+            <p:extLst>
+              <p:ext uri="{386F3935-93C4-4BCD-93E2-E3B085C9AB24}">
+                <p16:designElem xmlns:p16="http://schemas.microsoft.com/office/powerpoint/2015/main" val="1"/>
+              </p:ext>
+            </p:extLst>
+          </p:nvPr>
+        </p:nvSpPr>
+        <p:spPr bwMode="ltGray">
+          <a:xfrm>
+            <a:off x="458724" y="457200"/>
+            <a:ext cx="11274552" cy="5943600"/>
+          </a:xfrm>
+          <a:prstGeom prst="rect">
+            <a:avLst/>
+          </a:prstGeom>
+          <a:ln w="127000" cap="sq" cmpd="thinThick">
+            <a:noFill/>
+          </a:ln>
+        </p:spPr>
+        <p:style>
+          <a:lnRef idx="2">
+            <a:schemeClr val="accent1">
+              <a:shade val="50000"/>
+            </a:schemeClr>
+          </a:lnRef>
+          <a:fillRef idx="1">
+            <a:schemeClr val="accent1"/>
+          </a:fillRef>
+          <a:effectRef idx="0">
+            <a:schemeClr val="accent1"/>
+          </a:effectRef>
+          <a:fontRef idx="minor">
+            <a:schemeClr val="lt1"/>
+          </a:fontRef>
+        </p:style>
+        <p:txBody>
+          <a:bodyPr rtlCol="0" anchor="ctr"/>
+          <a:lstStyle/>
+          <a:p>
+            <a:pPr algn="ctr"/>
+            <a:endParaRPr lang="en-US"/>
+          </a:p>
+        </p:txBody>
+      </p:sp>
+      <p:sp>
+        <p:nvSpPr>
+          <p:cNvPr id="4" name="Titel 3">
+            <a:extLst>
+              <a:ext uri="{FF2B5EF4-FFF2-40B4-BE49-F238E27FC236}">
+                <a16:creationId xmlns:a16="http://schemas.microsoft.com/office/drawing/2014/main" id="{FCAE455A-4A7F-EE96-CF6E-57BBADCF1BF0}"/>
+              </a:ext>
+            </a:extLst>
+          </p:cNvPr>
+          <p:cNvSpPr>
+            <a:spLocks noGrp="1"/>
+          </p:cNvSpPr>
+          <p:nvPr>
+            <p:ph type="title"/>
+          </p:nvPr>
+        </p:nvSpPr>
+        <p:spPr>
+          <a:xfrm>
+            <a:off x="4380588" y="965199"/>
+            <a:ext cx="6766078" cy="4927601"/>
+          </a:xfrm>
+        </p:spPr>
+        <p:txBody>
+          <a:bodyPr vert="horz" lIns="91440" tIns="45720" rIns="91440" bIns="45720" rtlCol="0" anchor="ctr">
+            <a:normAutofit/>
+          </a:bodyPr>
+          <a:lstStyle/>
+          <a:p>
+            <a:r>
+              <a:rPr lang="en-US" sz="6000"/>
+              <a:t>Fragen?</a:t>
+            </a:r>
+          </a:p>
+        </p:txBody>
+      </p:sp>
+      <p:sp>
+        <p:nvSpPr>
+          <p:cNvPr id="5" name="Textplatzhalter 4">
+            <a:extLst>
+              <a:ext uri="{FF2B5EF4-FFF2-40B4-BE49-F238E27FC236}">
+                <a16:creationId xmlns:a16="http://schemas.microsoft.com/office/drawing/2014/main" id="{4A0DB270-A21A-7DDA-4AA5-202B2D6CE603}"/>
+              </a:ext>
+            </a:extLst>
+          </p:cNvPr>
+          <p:cNvSpPr>
+            <a:spLocks noGrp="1"/>
+          </p:cNvSpPr>
+          <p:nvPr>
+            <p:ph type="body" idx="1"/>
+          </p:nvPr>
+        </p:nvSpPr>
+        <p:spPr>
+          <a:xfrm>
+            <a:off x="1023257" y="965198"/>
+            <a:ext cx="2707937" cy="4927602"/>
+          </a:xfrm>
+        </p:spPr>
+        <p:txBody>
+          <a:bodyPr vert="horz" lIns="91440" tIns="45720" rIns="91440" bIns="45720" rtlCol="0" anchor="ctr">
+            <a:normAutofit/>
+          </a:bodyPr>
+          <a:lstStyle/>
+          <a:p>
+            <a:pPr algn="r"/>
+            <a:endParaRPr lang="en-US" sz="2000"/>
+          </a:p>
+        </p:txBody>
+      </p:sp>
+      <p:cxnSp>
+        <p:nvCxnSpPr>
+          <p:cNvPr id="18" name="Straight Connector 17">
+            <a:extLst>
+              <a:ext uri="{FF2B5EF4-FFF2-40B4-BE49-F238E27FC236}">
+                <a16:creationId xmlns:a16="http://schemas.microsoft.com/office/drawing/2014/main" id="{BB14AD1F-ADD5-46E7-966F-4C0290232FF9}"/>
+              </a:ext>
+              <a:ext uri="{C183D7F6-B498-43B3-948B-1728B52AA6E4}">
+                <adec:decorative xmlns:adec="http://schemas.microsoft.com/office/drawing/2017/decorative" val="1"/>
+              </a:ext>
+            </a:extLst>
+          </p:cNvPr>
+          <p:cNvCxnSpPr>
+            <a:cxnSpLocks noGrp="1" noRot="1" noChangeAspect="1" noMove="1" noResize="1" noEditPoints="1" noAdjustHandles="1" noChangeArrowheads="1" noChangeShapeType="1"/>
+          </p:cNvCxnSpPr>
+          <p:nvPr>
+            <p:extLst>
+              <p:ext uri="{386F3935-93C4-4BCD-93E2-E3B085C9AB24}">
+                <p16:designElem xmlns:p16="http://schemas.microsoft.com/office/powerpoint/2015/main" val="1"/>
+              </p:ext>
+            </p:extLst>
+          </p:nvPr>
+        </p:nvCxnSpPr>
+        <p:spPr>
+          <a:xfrm>
+            <a:off x="4055891" y="2057399"/>
+            <a:ext cx="0" cy="2743200"/>
+          </a:xfrm>
+          <a:prstGeom prst="line">
+            <a:avLst/>
+          </a:prstGeom>
+          <a:ln w="19050">
+            <a:solidFill>
+              <a:schemeClr val="tx1"/>
+            </a:solidFill>
+          </a:ln>
+        </p:spPr>
+        <p:style>
+          <a:lnRef idx="1">
+            <a:schemeClr val="accent1"/>
+          </a:lnRef>
+          <a:fillRef idx="0">
+            <a:schemeClr val="accent1"/>
+          </a:fillRef>
+          <a:effectRef idx="0">
+            <a:schemeClr val="accent1"/>
+          </a:effectRef>
+          <a:fontRef idx="minor">
+            <a:schemeClr val="tx1"/>
+          </a:fontRef>
+        </p:style>
+      </p:cxnSp>
+    </p:spTree>
+    <p:extLst>
+      <p:ext uri="{BB962C8B-B14F-4D97-AF65-F5344CB8AC3E}">
+        <p14:creationId xmlns:p14="http://schemas.microsoft.com/office/powerpoint/2010/main" val="1077803139"/>
       </p:ext>
     </p:extLst>
   </p:cSld>
@@ -6108,13 +6505,13 @@
   <p:clrMapOvr>
     <a:masterClrMapping/>
   </p:clrMapOvr>
-  <mc:AlternateContent xmlns:mc="http://schemas.openxmlformats.org/markup-compatibility/2006">
-    <mc:Choice xmlns:p159="http://schemas.microsoft.com/office/powerpoint/2015/09/main" Requires="p159">
+  <mc:AlternateContent xmlns:mc="http://schemas.openxmlformats.org/markup-compatibility/2006" xmlns:p159="http://schemas.microsoft.com/office/powerpoint/2015/09/main">
+    <mc:Choice Requires="p159">
       <p:transition xmlns:p14="http://schemas.microsoft.com/office/powerpoint/2010/main" spd="slow" p14:dur="2000">
         <p159:morph option="byObject"/>
       </p:transition>
     </mc:Choice>
-    <mc:Fallback>
+    <mc:Fallback xmlns="">
       <p:transition spd="slow">
         <p:fade/>
       </p:transition>
@@ -6188,13 +6585,13 @@
   <p:clrMapOvr>
     <a:masterClrMapping/>
   </p:clrMapOvr>
-  <mc:AlternateContent xmlns:mc="http://schemas.openxmlformats.org/markup-compatibility/2006">
-    <mc:Choice xmlns:p159="http://schemas.microsoft.com/office/powerpoint/2015/09/main" Requires="p159">
+  <mc:AlternateContent xmlns:mc="http://schemas.openxmlformats.org/markup-compatibility/2006" xmlns:p159="http://schemas.microsoft.com/office/powerpoint/2015/09/main">
+    <mc:Choice Requires="p159">
       <p:transition xmlns:p14="http://schemas.microsoft.com/office/powerpoint/2010/main" spd="slow" p14:dur="2000">
         <p159:morph option="byObject"/>
       </p:transition>
     </mc:Choice>
-    <mc:Fallback>
+    <mc:Fallback xmlns="">
       <p:transition spd="slow">
         <p:fade/>
       </p:transition>
@@ -6268,13 +6665,13 @@
   <p:clrMapOvr>
     <a:masterClrMapping/>
   </p:clrMapOvr>
-  <mc:AlternateContent xmlns:mc="http://schemas.openxmlformats.org/markup-compatibility/2006">
-    <mc:Choice xmlns:p159="http://schemas.microsoft.com/office/powerpoint/2015/09/main" Requires="p159">
+  <mc:AlternateContent xmlns:mc="http://schemas.openxmlformats.org/markup-compatibility/2006" xmlns:p159="http://schemas.microsoft.com/office/powerpoint/2015/09/main">
+    <mc:Choice Requires="p159">
       <p:transition xmlns:p14="http://schemas.microsoft.com/office/powerpoint/2010/main" spd="slow" p14:dur="2000">
         <p159:morph option="byObject"/>
       </p:transition>
     </mc:Choice>
-    <mc:Fallback>
+    <mc:Fallback xmlns="">
       <p:transition spd="slow">
         <p:fade/>
       </p:transition>
@@ -6348,13 +6745,13 @@
   <p:clrMapOvr>
     <a:masterClrMapping/>
   </p:clrMapOvr>
-  <mc:AlternateContent xmlns:mc="http://schemas.openxmlformats.org/markup-compatibility/2006">
-    <mc:Choice xmlns:p159="http://schemas.microsoft.com/office/powerpoint/2015/09/main" Requires="p159">
+  <mc:AlternateContent xmlns:mc="http://schemas.openxmlformats.org/markup-compatibility/2006" xmlns:p159="http://schemas.microsoft.com/office/powerpoint/2015/09/main">
+    <mc:Choice Requires="p159">
       <p:transition xmlns:p14="http://schemas.microsoft.com/office/powerpoint/2010/main" spd="slow" p14:dur="2000">
         <p159:morph option="byObject"/>
       </p:transition>
     </mc:Choice>
-    <mc:Fallback>
+    <mc:Fallback xmlns="">
       <p:transition spd="slow">
         <p:fade/>
       </p:transition>
